--- a/images/aide/Pr�sentation3.pptx
+++ b/images/aide/Pr�sentation3.pptx
@@ -5,11 +5,27 @@
     <p:sldMasterId id="2147483648" r:id="rId1"/>
   </p:sldMasterIdLst>
   <p:notesMasterIdLst>
-    <p:notesMasterId r:id="rId4"/>
+    <p:notesMasterId r:id="rId20"/>
   </p:notesMasterIdLst>
   <p:sldIdLst>
-    <p:sldId id="256" r:id="rId2"/>
-    <p:sldId id="257" r:id="rId3"/>
+    <p:sldId id="268" r:id="rId2"/>
+    <p:sldId id="261" r:id="rId3"/>
+    <p:sldId id="263" r:id="rId4"/>
+    <p:sldId id="262" r:id="rId5"/>
+    <p:sldId id="256" r:id="rId6"/>
+    <p:sldId id="264" r:id="rId7"/>
+    <p:sldId id="258" r:id="rId8"/>
+    <p:sldId id="260" r:id="rId9"/>
+    <p:sldId id="265" r:id="rId10"/>
+    <p:sldId id="269" r:id="rId11"/>
+    <p:sldId id="266" r:id="rId12"/>
+    <p:sldId id="270" r:id="rId13"/>
+    <p:sldId id="273" r:id="rId14"/>
+    <p:sldId id="274" r:id="rId15"/>
+    <p:sldId id="275" r:id="rId16"/>
+    <p:sldId id="271" r:id="rId17"/>
+    <p:sldId id="272" r:id="rId18"/>
+    <p:sldId id="267" r:id="rId19"/>
   </p:sldIdLst>
   <p:sldSz cx="9144000" cy="6858000" type="screen4x3"/>
   <p:notesSz cx="6858000" cy="9144000"/>
@@ -193,7 +209,8 @@
           <a:p>
             <a:fld id="{BC1C5761-D3D0-4418-BB19-1E3F0CB35DD8}" type="datetimeFigureOut">
               <a:rPr lang="fr-FR" smtClean="0"/>
-              <a:t>14/03/2012</a:t>
+              <a:pPr/>
+              <a:t>15/03/2012</a:t>
             </a:fld>
             <a:endParaRPr lang="fr-FR"/>
           </a:p>
@@ -354,6 +371,7 @@
           <a:p>
             <a:fld id="{DDD0047E-26BF-4855-89DD-B12F040EA4CE}" type="slidenum">
               <a:rPr lang="fr-FR" smtClean="0"/>
+              <a:pPr/>
               <a:t>‹N°›</a:t>
             </a:fld>
             <a:endParaRPr lang="fr-FR"/>
@@ -477,6 +495,134 @@
       </p:grpSpPr>
       <p:sp>
         <p:nvSpPr>
+          <p:cNvPr id="19458" name="Espace réservé de l'image des diapositives 1"/>
+          <p:cNvSpPr>
+            <a:spLocks noGrp="1" noRot="1" noChangeAspect="1" noTextEdit="1"/>
+          </p:cNvSpPr>
+          <p:nvPr>
+            <p:ph type="sldImg"/>
+          </p:nvPr>
+        </p:nvSpPr>
+        <p:spPr bwMode="auto">
+          <a:noFill/>
+          <a:ln>
+            <a:solidFill>
+              <a:srgbClr val="000000"/>
+            </a:solidFill>
+            <a:miter lim="800000"/>
+            <a:headEnd/>
+            <a:tailEnd/>
+          </a:ln>
+        </p:spPr>
+      </p:sp>
+      <p:sp>
+        <p:nvSpPr>
+          <p:cNvPr id="19459" name="Espace réservé des commentaires 2"/>
+          <p:cNvSpPr>
+            <a:spLocks noGrp="1"/>
+          </p:cNvSpPr>
+          <p:nvPr>
+            <p:ph type="body" idx="1"/>
+          </p:nvPr>
+        </p:nvSpPr>
+        <p:spPr bwMode="auto">
+          <a:noFill/>
+        </p:spPr>
+        <p:txBody>
+          <a:bodyPr wrap="square" numCol="1" anchor="t" anchorCtr="0" compatLnSpc="1">
+            <a:prstTxWarp prst="textNoShape">
+              <a:avLst/>
+            </a:prstTxWarp>
+          </a:bodyPr>
+          <a:lstStyle/>
+          <a:p>
+            <a:pPr eaLnBrk="1" hangingPunct="1">
+              <a:spcBef>
+                <a:spcPct val="0"/>
+              </a:spcBef>
+            </a:pPr>
+            <a:endParaRPr lang="fr-FR" smtClean="0"/>
+          </a:p>
+        </p:txBody>
+      </p:sp>
+      <p:sp>
+        <p:nvSpPr>
+          <p:cNvPr id="19460" name="Espace réservé du numéro de diapositive 3"/>
+          <p:cNvSpPr>
+            <a:spLocks noGrp="1"/>
+          </p:cNvSpPr>
+          <p:nvPr>
+            <p:ph type="sldNum" sz="quarter" idx="5"/>
+          </p:nvPr>
+        </p:nvSpPr>
+        <p:spPr bwMode="auto">
+          <a:ln>
+            <a:miter lim="800000"/>
+            <a:headEnd/>
+            <a:tailEnd/>
+          </a:ln>
+        </p:spPr>
+        <p:txBody>
+          <a:bodyPr wrap="square" numCol="1" anchorCtr="0" compatLnSpc="1">
+            <a:prstTxWarp prst="textNoShape">
+              <a:avLst/>
+            </a:prstTxWarp>
+          </a:bodyPr>
+          <a:lstStyle/>
+          <a:p>
+            <a:pPr fontAlgn="base">
+              <a:spcBef>
+                <a:spcPct val="0"/>
+              </a:spcBef>
+              <a:spcAft>
+                <a:spcPct val="0"/>
+              </a:spcAft>
+              <a:defRPr/>
+            </a:pPr>
+            <a:fld id="{703204F6-5469-474C-B969-C4AC09672FF4}" type="slidenum">
+              <a:rPr lang="fr-FR" smtClean="0"/>
+              <a:pPr fontAlgn="base">
+                <a:spcBef>
+                  <a:spcPct val="0"/>
+                </a:spcBef>
+                <a:spcAft>
+                  <a:spcPct val="0"/>
+                </a:spcAft>
+                <a:defRPr/>
+              </a:pPr>
+              <a:t>1</a:t>
+            </a:fld>
+            <a:endParaRPr lang="fr-FR" smtClean="0"/>
+          </a:p>
+        </p:txBody>
+      </p:sp>
+    </p:spTree>
+  </p:cSld>
+  <p:clrMapOvr>
+    <a:masterClrMapping/>
+  </p:clrMapOvr>
+</p:notes>
+</file>
+
+<file path=ppt/notesSlides/notesSlide10.xml><?xml version="1.0" encoding="utf-8"?>
+<p:notes xmlns:a="http://schemas.openxmlformats.org/drawingml/2006/main" xmlns:r="http://schemas.openxmlformats.org/officeDocument/2006/relationships" xmlns:p="http://schemas.openxmlformats.org/presentationml/2006/main">
+  <p:cSld>
+    <p:spTree>
+      <p:nvGrpSpPr>
+        <p:cNvPr id="1" name=""/>
+        <p:cNvGrpSpPr/>
+        <p:nvPr/>
+      </p:nvGrpSpPr>
+      <p:grpSpPr>
+        <a:xfrm>
+          <a:off x="0" y="0"/>
+          <a:ext cx="0" cy="0"/>
+          <a:chOff x="0" y="0"/>
+          <a:chExt cx="0" cy="0"/>
+        </a:xfrm>
+      </p:grpSpPr>
+      <p:sp>
+        <p:nvSpPr>
           <p:cNvPr id="2" name="Espace réservé de l'image des diapositives 1"/>
           <p:cNvSpPr>
             <a:spLocks noGrp="1" noRot="1" noChangeAspect="1"/>
@@ -525,9 +671,758 @@
           <a:p>
             <a:fld id="{DDD0047E-26BF-4855-89DD-B12F040EA4CE}" type="slidenum">
               <a:rPr lang="fr-FR" smtClean="0"/>
-              <a:t>1</a:t>
+              <a:pPr/>
+              <a:t>10</a:t>
             </a:fld>
             <a:endParaRPr lang="fr-FR"/>
+          </a:p>
+        </p:txBody>
+      </p:sp>
+    </p:spTree>
+  </p:cSld>
+  <p:clrMapOvr>
+    <a:masterClrMapping/>
+  </p:clrMapOvr>
+</p:notes>
+</file>
+
+<file path=ppt/notesSlides/notesSlide11.xml><?xml version="1.0" encoding="utf-8"?>
+<p:notes xmlns:a="http://schemas.openxmlformats.org/drawingml/2006/main" xmlns:r="http://schemas.openxmlformats.org/officeDocument/2006/relationships" xmlns:p="http://schemas.openxmlformats.org/presentationml/2006/main">
+  <p:cSld>
+    <p:spTree>
+      <p:nvGrpSpPr>
+        <p:cNvPr id="1" name=""/>
+        <p:cNvGrpSpPr/>
+        <p:nvPr/>
+      </p:nvGrpSpPr>
+      <p:grpSpPr>
+        <a:xfrm>
+          <a:off x="0" y="0"/>
+          <a:ext cx="0" cy="0"/>
+          <a:chOff x="0" y="0"/>
+          <a:chExt cx="0" cy="0"/>
+        </a:xfrm>
+      </p:grpSpPr>
+      <p:sp>
+        <p:nvSpPr>
+          <p:cNvPr id="33794" name="Espace réservé de l'image des diapositives 1"/>
+          <p:cNvSpPr>
+            <a:spLocks noGrp="1" noRot="1" noChangeAspect="1" noTextEdit="1"/>
+          </p:cNvSpPr>
+          <p:nvPr>
+            <p:ph type="sldImg"/>
+          </p:nvPr>
+        </p:nvSpPr>
+        <p:spPr bwMode="auto">
+          <a:noFill/>
+          <a:ln>
+            <a:solidFill>
+              <a:srgbClr val="000000"/>
+            </a:solidFill>
+            <a:miter lim="800000"/>
+            <a:headEnd/>
+            <a:tailEnd/>
+          </a:ln>
+        </p:spPr>
+      </p:sp>
+      <p:sp>
+        <p:nvSpPr>
+          <p:cNvPr id="33795" name="Espace réservé des commentaires 2"/>
+          <p:cNvSpPr>
+            <a:spLocks noGrp="1"/>
+          </p:cNvSpPr>
+          <p:nvPr>
+            <p:ph type="body" idx="1"/>
+          </p:nvPr>
+        </p:nvSpPr>
+        <p:spPr bwMode="auto">
+          <a:noFill/>
+        </p:spPr>
+        <p:txBody>
+          <a:bodyPr wrap="square" numCol="1" anchor="t" anchorCtr="0" compatLnSpc="1">
+            <a:prstTxWarp prst="textNoShape">
+              <a:avLst/>
+            </a:prstTxWarp>
+          </a:bodyPr>
+          <a:lstStyle/>
+          <a:p>
+            <a:pPr eaLnBrk="1" hangingPunct="1">
+              <a:spcBef>
+                <a:spcPct val="0"/>
+              </a:spcBef>
+            </a:pPr>
+            <a:endParaRPr lang="fr-FR" smtClean="0"/>
+          </a:p>
+        </p:txBody>
+      </p:sp>
+      <p:sp>
+        <p:nvSpPr>
+          <p:cNvPr id="33796" name="Espace réservé du numéro de diapositive 3"/>
+          <p:cNvSpPr>
+            <a:spLocks noGrp="1"/>
+          </p:cNvSpPr>
+          <p:nvPr>
+            <p:ph type="sldNum" sz="quarter" idx="5"/>
+          </p:nvPr>
+        </p:nvSpPr>
+        <p:spPr bwMode="auto">
+          <a:ln>
+            <a:miter lim="800000"/>
+            <a:headEnd/>
+            <a:tailEnd/>
+          </a:ln>
+        </p:spPr>
+        <p:txBody>
+          <a:bodyPr wrap="square" numCol="1" anchorCtr="0" compatLnSpc="1">
+            <a:prstTxWarp prst="textNoShape">
+              <a:avLst/>
+            </a:prstTxWarp>
+          </a:bodyPr>
+          <a:lstStyle/>
+          <a:p>
+            <a:pPr fontAlgn="base">
+              <a:spcBef>
+                <a:spcPct val="0"/>
+              </a:spcBef>
+              <a:spcAft>
+                <a:spcPct val="0"/>
+              </a:spcAft>
+              <a:defRPr/>
+            </a:pPr>
+            <a:fld id="{9C254A60-F387-4C52-A4D4-0145480D41F4}" type="slidenum">
+              <a:rPr lang="fr-FR" smtClean="0"/>
+              <a:pPr fontAlgn="base">
+                <a:spcBef>
+                  <a:spcPct val="0"/>
+                </a:spcBef>
+                <a:spcAft>
+                  <a:spcPct val="0"/>
+                </a:spcAft>
+                <a:defRPr/>
+              </a:pPr>
+              <a:t>11</a:t>
+            </a:fld>
+            <a:endParaRPr lang="fr-FR" smtClean="0"/>
+          </a:p>
+        </p:txBody>
+      </p:sp>
+    </p:spTree>
+  </p:cSld>
+  <p:clrMapOvr>
+    <a:masterClrMapping/>
+  </p:clrMapOvr>
+</p:notes>
+</file>
+
+<file path=ppt/notesSlides/notesSlide12.xml><?xml version="1.0" encoding="utf-8"?>
+<p:notes xmlns:a="http://schemas.openxmlformats.org/drawingml/2006/main" xmlns:r="http://schemas.openxmlformats.org/officeDocument/2006/relationships" xmlns:p="http://schemas.openxmlformats.org/presentationml/2006/main">
+  <p:cSld>
+    <p:spTree>
+      <p:nvGrpSpPr>
+        <p:cNvPr id="1" name=""/>
+        <p:cNvGrpSpPr/>
+        <p:nvPr/>
+      </p:nvGrpSpPr>
+      <p:grpSpPr>
+        <a:xfrm>
+          <a:off x="0" y="0"/>
+          <a:ext cx="0" cy="0"/>
+          <a:chOff x="0" y="0"/>
+          <a:chExt cx="0" cy="0"/>
+        </a:xfrm>
+      </p:grpSpPr>
+      <p:sp>
+        <p:nvSpPr>
+          <p:cNvPr id="2" name="Espace réservé de l'image des diapositives 1"/>
+          <p:cNvSpPr>
+            <a:spLocks noGrp="1" noRot="1" noChangeAspect="1"/>
+          </p:cNvSpPr>
+          <p:nvPr>
+            <p:ph type="sldImg"/>
+          </p:nvPr>
+        </p:nvSpPr>
+        <p:spPr/>
+      </p:sp>
+      <p:sp>
+        <p:nvSpPr>
+          <p:cNvPr id="3" name="Espace réservé des commentaires 2"/>
+          <p:cNvSpPr>
+            <a:spLocks noGrp="1"/>
+          </p:cNvSpPr>
+          <p:nvPr>
+            <p:ph type="body" idx="1"/>
+          </p:nvPr>
+        </p:nvSpPr>
+        <p:spPr/>
+        <p:txBody>
+          <a:bodyPr>
+            <a:normAutofit/>
+          </a:bodyPr>
+          <a:lstStyle/>
+          <a:p>
+            <a:endParaRPr lang="fr-FR"/>
+          </a:p>
+        </p:txBody>
+      </p:sp>
+      <p:sp>
+        <p:nvSpPr>
+          <p:cNvPr id="4" name="Espace réservé du numéro de diapositive 3"/>
+          <p:cNvSpPr>
+            <a:spLocks noGrp="1"/>
+          </p:cNvSpPr>
+          <p:nvPr>
+            <p:ph type="sldNum" sz="quarter" idx="10"/>
+          </p:nvPr>
+        </p:nvSpPr>
+        <p:spPr/>
+        <p:txBody>
+          <a:bodyPr/>
+          <a:lstStyle/>
+          <a:p>
+            <a:fld id="{DDD0047E-26BF-4855-89DD-B12F040EA4CE}" type="slidenum">
+              <a:rPr lang="fr-FR" smtClean="0"/>
+              <a:pPr/>
+              <a:t>12</a:t>
+            </a:fld>
+            <a:endParaRPr lang="fr-FR"/>
+          </a:p>
+        </p:txBody>
+      </p:sp>
+    </p:spTree>
+  </p:cSld>
+  <p:clrMapOvr>
+    <a:masterClrMapping/>
+  </p:clrMapOvr>
+</p:notes>
+</file>
+
+<file path=ppt/notesSlides/notesSlide13.xml><?xml version="1.0" encoding="utf-8"?>
+<p:notes xmlns:a="http://schemas.openxmlformats.org/drawingml/2006/main" xmlns:r="http://schemas.openxmlformats.org/officeDocument/2006/relationships" xmlns:p="http://schemas.openxmlformats.org/presentationml/2006/main">
+  <p:cSld>
+    <p:spTree>
+      <p:nvGrpSpPr>
+        <p:cNvPr id="1" name=""/>
+        <p:cNvGrpSpPr/>
+        <p:nvPr/>
+      </p:nvGrpSpPr>
+      <p:grpSpPr>
+        <a:xfrm>
+          <a:off x="0" y="0"/>
+          <a:ext cx="0" cy="0"/>
+          <a:chOff x="0" y="0"/>
+          <a:chExt cx="0" cy="0"/>
+        </a:xfrm>
+      </p:grpSpPr>
+      <p:sp>
+        <p:nvSpPr>
+          <p:cNvPr id="2" name="Espace réservé de l'image des diapositives 1"/>
+          <p:cNvSpPr>
+            <a:spLocks noGrp="1" noRot="1" noChangeAspect="1"/>
+          </p:cNvSpPr>
+          <p:nvPr>
+            <p:ph type="sldImg"/>
+          </p:nvPr>
+        </p:nvSpPr>
+        <p:spPr/>
+      </p:sp>
+      <p:sp>
+        <p:nvSpPr>
+          <p:cNvPr id="3" name="Espace réservé des commentaires 2"/>
+          <p:cNvSpPr>
+            <a:spLocks noGrp="1"/>
+          </p:cNvSpPr>
+          <p:nvPr>
+            <p:ph type="body" idx="1"/>
+          </p:nvPr>
+        </p:nvSpPr>
+        <p:spPr/>
+        <p:txBody>
+          <a:bodyPr>
+            <a:normAutofit/>
+          </a:bodyPr>
+          <a:lstStyle/>
+          <a:p>
+            <a:endParaRPr lang="fr-FR"/>
+          </a:p>
+        </p:txBody>
+      </p:sp>
+      <p:sp>
+        <p:nvSpPr>
+          <p:cNvPr id="4" name="Espace réservé du numéro de diapositive 3"/>
+          <p:cNvSpPr>
+            <a:spLocks noGrp="1"/>
+          </p:cNvSpPr>
+          <p:nvPr>
+            <p:ph type="sldNum" sz="quarter" idx="10"/>
+          </p:nvPr>
+        </p:nvSpPr>
+        <p:spPr/>
+        <p:txBody>
+          <a:bodyPr/>
+          <a:lstStyle/>
+          <a:p>
+            <a:fld id="{DDD0047E-26BF-4855-89DD-B12F040EA4CE}" type="slidenum">
+              <a:rPr lang="fr-FR" smtClean="0"/>
+              <a:pPr/>
+              <a:t>13</a:t>
+            </a:fld>
+            <a:endParaRPr lang="fr-FR"/>
+          </a:p>
+        </p:txBody>
+      </p:sp>
+    </p:spTree>
+  </p:cSld>
+  <p:clrMapOvr>
+    <a:masterClrMapping/>
+  </p:clrMapOvr>
+</p:notes>
+</file>
+
+<file path=ppt/notesSlides/notesSlide14.xml><?xml version="1.0" encoding="utf-8"?>
+<p:notes xmlns:a="http://schemas.openxmlformats.org/drawingml/2006/main" xmlns:r="http://schemas.openxmlformats.org/officeDocument/2006/relationships" xmlns:p="http://schemas.openxmlformats.org/presentationml/2006/main">
+  <p:cSld>
+    <p:spTree>
+      <p:nvGrpSpPr>
+        <p:cNvPr id="1" name=""/>
+        <p:cNvGrpSpPr/>
+        <p:nvPr/>
+      </p:nvGrpSpPr>
+      <p:grpSpPr>
+        <a:xfrm>
+          <a:off x="0" y="0"/>
+          <a:ext cx="0" cy="0"/>
+          <a:chOff x="0" y="0"/>
+          <a:chExt cx="0" cy="0"/>
+        </a:xfrm>
+      </p:grpSpPr>
+      <p:sp>
+        <p:nvSpPr>
+          <p:cNvPr id="2" name="Espace réservé de l'image des diapositives 1"/>
+          <p:cNvSpPr>
+            <a:spLocks noGrp="1" noRot="1" noChangeAspect="1"/>
+          </p:cNvSpPr>
+          <p:nvPr>
+            <p:ph type="sldImg"/>
+          </p:nvPr>
+        </p:nvSpPr>
+        <p:spPr/>
+      </p:sp>
+      <p:sp>
+        <p:nvSpPr>
+          <p:cNvPr id="3" name="Espace réservé des commentaires 2"/>
+          <p:cNvSpPr>
+            <a:spLocks noGrp="1"/>
+          </p:cNvSpPr>
+          <p:nvPr>
+            <p:ph type="body" idx="1"/>
+          </p:nvPr>
+        </p:nvSpPr>
+        <p:spPr/>
+        <p:txBody>
+          <a:bodyPr>
+            <a:normAutofit/>
+          </a:bodyPr>
+          <a:lstStyle/>
+          <a:p>
+            <a:endParaRPr lang="fr-FR"/>
+          </a:p>
+        </p:txBody>
+      </p:sp>
+      <p:sp>
+        <p:nvSpPr>
+          <p:cNvPr id="4" name="Espace réservé du numéro de diapositive 3"/>
+          <p:cNvSpPr>
+            <a:spLocks noGrp="1"/>
+          </p:cNvSpPr>
+          <p:nvPr>
+            <p:ph type="sldNum" sz="quarter" idx="10"/>
+          </p:nvPr>
+        </p:nvSpPr>
+        <p:spPr/>
+        <p:txBody>
+          <a:bodyPr/>
+          <a:lstStyle/>
+          <a:p>
+            <a:fld id="{DDD0047E-26BF-4855-89DD-B12F040EA4CE}" type="slidenum">
+              <a:rPr lang="fr-FR" smtClean="0"/>
+              <a:pPr/>
+              <a:t>14</a:t>
+            </a:fld>
+            <a:endParaRPr lang="fr-FR"/>
+          </a:p>
+        </p:txBody>
+      </p:sp>
+    </p:spTree>
+  </p:cSld>
+  <p:clrMapOvr>
+    <a:masterClrMapping/>
+  </p:clrMapOvr>
+</p:notes>
+</file>
+
+<file path=ppt/notesSlides/notesSlide15.xml><?xml version="1.0" encoding="utf-8"?>
+<p:notes xmlns:a="http://schemas.openxmlformats.org/drawingml/2006/main" xmlns:r="http://schemas.openxmlformats.org/officeDocument/2006/relationships" xmlns:p="http://schemas.openxmlformats.org/presentationml/2006/main">
+  <p:cSld>
+    <p:spTree>
+      <p:nvGrpSpPr>
+        <p:cNvPr id="1" name=""/>
+        <p:cNvGrpSpPr/>
+        <p:nvPr/>
+      </p:nvGrpSpPr>
+      <p:grpSpPr>
+        <a:xfrm>
+          <a:off x="0" y="0"/>
+          <a:ext cx="0" cy="0"/>
+          <a:chOff x="0" y="0"/>
+          <a:chExt cx="0" cy="0"/>
+        </a:xfrm>
+      </p:grpSpPr>
+      <p:sp>
+        <p:nvSpPr>
+          <p:cNvPr id="2" name="Espace réservé de l'image des diapositives 1"/>
+          <p:cNvSpPr>
+            <a:spLocks noGrp="1" noRot="1" noChangeAspect="1"/>
+          </p:cNvSpPr>
+          <p:nvPr>
+            <p:ph type="sldImg"/>
+          </p:nvPr>
+        </p:nvSpPr>
+        <p:spPr/>
+      </p:sp>
+      <p:sp>
+        <p:nvSpPr>
+          <p:cNvPr id="3" name="Espace réservé des commentaires 2"/>
+          <p:cNvSpPr>
+            <a:spLocks noGrp="1"/>
+          </p:cNvSpPr>
+          <p:nvPr>
+            <p:ph type="body" idx="1"/>
+          </p:nvPr>
+        </p:nvSpPr>
+        <p:spPr/>
+        <p:txBody>
+          <a:bodyPr>
+            <a:normAutofit/>
+          </a:bodyPr>
+          <a:lstStyle/>
+          <a:p>
+            <a:endParaRPr lang="fr-FR"/>
+          </a:p>
+        </p:txBody>
+      </p:sp>
+      <p:sp>
+        <p:nvSpPr>
+          <p:cNvPr id="4" name="Espace réservé du numéro de diapositive 3"/>
+          <p:cNvSpPr>
+            <a:spLocks noGrp="1"/>
+          </p:cNvSpPr>
+          <p:nvPr>
+            <p:ph type="sldNum" sz="quarter" idx="10"/>
+          </p:nvPr>
+        </p:nvSpPr>
+        <p:spPr/>
+        <p:txBody>
+          <a:bodyPr/>
+          <a:lstStyle/>
+          <a:p>
+            <a:fld id="{DDD0047E-26BF-4855-89DD-B12F040EA4CE}" type="slidenum">
+              <a:rPr lang="fr-FR" smtClean="0"/>
+              <a:pPr/>
+              <a:t>15</a:t>
+            </a:fld>
+            <a:endParaRPr lang="fr-FR"/>
+          </a:p>
+        </p:txBody>
+      </p:sp>
+    </p:spTree>
+  </p:cSld>
+  <p:clrMapOvr>
+    <a:masterClrMapping/>
+  </p:clrMapOvr>
+</p:notes>
+</file>
+
+<file path=ppt/notesSlides/notesSlide16.xml><?xml version="1.0" encoding="utf-8"?>
+<p:notes xmlns:a="http://schemas.openxmlformats.org/drawingml/2006/main" xmlns:r="http://schemas.openxmlformats.org/officeDocument/2006/relationships" xmlns:p="http://schemas.openxmlformats.org/presentationml/2006/main">
+  <p:cSld>
+    <p:spTree>
+      <p:nvGrpSpPr>
+        <p:cNvPr id="1" name=""/>
+        <p:cNvGrpSpPr/>
+        <p:nvPr/>
+      </p:nvGrpSpPr>
+      <p:grpSpPr>
+        <a:xfrm>
+          <a:off x="0" y="0"/>
+          <a:ext cx="0" cy="0"/>
+          <a:chOff x="0" y="0"/>
+          <a:chExt cx="0" cy="0"/>
+        </a:xfrm>
+      </p:grpSpPr>
+      <p:sp>
+        <p:nvSpPr>
+          <p:cNvPr id="2" name="Espace réservé de l'image des diapositives 1"/>
+          <p:cNvSpPr>
+            <a:spLocks noGrp="1" noRot="1" noChangeAspect="1"/>
+          </p:cNvSpPr>
+          <p:nvPr>
+            <p:ph type="sldImg"/>
+          </p:nvPr>
+        </p:nvSpPr>
+        <p:spPr/>
+      </p:sp>
+      <p:sp>
+        <p:nvSpPr>
+          <p:cNvPr id="3" name="Espace réservé des commentaires 2"/>
+          <p:cNvSpPr>
+            <a:spLocks noGrp="1"/>
+          </p:cNvSpPr>
+          <p:nvPr>
+            <p:ph type="body" idx="1"/>
+          </p:nvPr>
+        </p:nvSpPr>
+        <p:spPr/>
+        <p:txBody>
+          <a:bodyPr>
+            <a:normAutofit/>
+          </a:bodyPr>
+          <a:lstStyle/>
+          <a:p>
+            <a:endParaRPr lang="fr-FR"/>
+          </a:p>
+        </p:txBody>
+      </p:sp>
+      <p:sp>
+        <p:nvSpPr>
+          <p:cNvPr id="4" name="Espace réservé du numéro de diapositive 3"/>
+          <p:cNvSpPr>
+            <a:spLocks noGrp="1"/>
+          </p:cNvSpPr>
+          <p:nvPr>
+            <p:ph type="sldNum" sz="quarter" idx="10"/>
+          </p:nvPr>
+        </p:nvSpPr>
+        <p:spPr/>
+        <p:txBody>
+          <a:bodyPr/>
+          <a:lstStyle/>
+          <a:p>
+            <a:fld id="{DDD0047E-26BF-4855-89DD-B12F040EA4CE}" type="slidenum">
+              <a:rPr lang="fr-FR" smtClean="0"/>
+              <a:pPr/>
+              <a:t>16</a:t>
+            </a:fld>
+            <a:endParaRPr lang="fr-FR"/>
+          </a:p>
+        </p:txBody>
+      </p:sp>
+    </p:spTree>
+  </p:cSld>
+  <p:clrMapOvr>
+    <a:masterClrMapping/>
+  </p:clrMapOvr>
+</p:notes>
+</file>
+
+<file path=ppt/notesSlides/notesSlide17.xml><?xml version="1.0" encoding="utf-8"?>
+<p:notes xmlns:a="http://schemas.openxmlformats.org/drawingml/2006/main" xmlns:r="http://schemas.openxmlformats.org/officeDocument/2006/relationships" xmlns:p="http://schemas.openxmlformats.org/presentationml/2006/main">
+  <p:cSld>
+    <p:spTree>
+      <p:nvGrpSpPr>
+        <p:cNvPr id="1" name=""/>
+        <p:cNvGrpSpPr/>
+        <p:nvPr/>
+      </p:nvGrpSpPr>
+      <p:grpSpPr>
+        <a:xfrm>
+          <a:off x="0" y="0"/>
+          <a:ext cx="0" cy="0"/>
+          <a:chOff x="0" y="0"/>
+          <a:chExt cx="0" cy="0"/>
+        </a:xfrm>
+      </p:grpSpPr>
+      <p:sp>
+        <p:nvSpPr>
+          <p:cNvPr id="2" name="Espace réservé de l'image des diapositives 1"/>
+          <p:cNvSpPr>
+            <a:spLocks noGrp="1" noRot="1" noChangeAspect="1"/>
+          </p:cNvSpPr>
+          <p:nvPr>
+            <p:ph type="sldImg"/>
+          </p:nvPr>
+        </p:nvSpPr>
+        <p:spPr/>
+      </p:sp>
+      <p:sp>
+        <p:nvSpPr>
+          <p:cNvPr id="3" name="Espace réservé des commentaires 2"/>
+          <p:cNvSpPr>
+            <a:spLocks noGrp="1"/>
+          </p:cNvSpPr>
+          <p:nvPr>
+            <p:ph type="body" idx="1"/>
+          </p:nvPr>
+        </p:nvSpPr>
+        <p:spPr/>
+        <p:txBody>
+          <a:bodyPr>
+            <a:normAutofit/>
+          </a:bodyPr>
+          <a:lstStyle/>
+          <a:p>
+            <a:endParaRPr lang="fr-FR"/>
+          </a:p>
+        </p:txBody>
+      </p:sp>
+      <p:sp>
+        <p:nvSpPr>
+          <p:cNvPr id="4" name="Espace réservé du numéro de diapositive 3"/>
+          <p:cNvSpPr>
+            <a:spLocks noGrp="1"/>
+          </p:cNvSpPr>
+          <p:nvPr>
+            <p:ph type="sldNum" sz="quarter" idx="10"/>
+          </p:nvPr>
+        </p:nvSpPr>
+        <p:spPr/>
+        <p:txBody>
+          <a:bodyPr/>
+          <a:lstStyle/>
+          <a:p>
+            <a:fld id="{DDD0047E-26BF-4855-89DD-B12F040EA4CE}" type="slidenum">
+              <a:rPr lang="fr-FR" smtClean="0"/>
+              <a:pPr/>
+              <a:t>17</a:t>
+            </a:fld>
+            <a:endParaRPr lang="fr-FR"/>
+          </a:p>
+        </p:txBody>
+      </p:sp>
+    </p:spTree>
+  </p:cSld>
+  <p:clrMapOvr>
+    <a:masterClrMapping/>
+  </p:clrMapOvr>
+</p:notes>
+</file>
+
+<file path=ppt/notesSlides/notesSlide18.xml><?xml version="1.0" encoding="utf-8"?>
+<p:notes xmlns:a="http://schemas.openxmlformats.org/drawingml/2006/main" xmlns:r="http://schemas.openxmlformats.org/officeDocument/2006/relationships" xmlns:p="http://schemas.openxmlformats.org/presentationml/2006/main">
+  <p:cSld>
+    <p:spTree>
+      <p:nvGrpSpPr>
+        <p:cNvPr id="1" name=""/>
+        <p:cNvGrpSpPr/>
+        <p:nvPr/>
+      </p:nvGrpSpPr>
+      <p:grpSpPr>
+        <a:xfrm>
+          <a:off x="0" y="0"/>
+          <a:ext cx="0" cy="0"/>
+          <a:chOff x="0" y="0"/>
+          <a:chExt cx="0" cy="0"/>
+        </a:xfrm>
+      </p:grpSpPr>
+      <p:sp>
+        <p:nvSpPr>
+          <p:cNvPr id="34818" name="Espace réservé de l'image des diapositives 1"/>
+          <p:cNvSpPr>
+            <a:spLocks noGrp="1" noRot="1" noChangeAspect="1" noTextEdit="1"/>
+          </p:cNvSpPr>
+          <p:nvPr>
+            <p:ph type="sldImg"/>
+          </p:nvPr>
+        </p:nvSpPr>
+        <p:spPr bwMode="auto">
+          <a:noFill/>
+          <a:ln>
+            <a:solidFill>
+              <a:srgbClr val="000000"/>
+            </a:solidFill>
+            <a:miter lim="800000"/>
+            <a:headEnd/>
+            <a:tailEnd/>
+          </a:ln>
+        </p:spPr>
+      </p:sp>
+      <p:sp>
+        <p:nvSpPr>
+          <p:cNvPr id="34819" name="Espace réservé des commentaires 2"/>
+          <p:cNvSpPr>
+            <a:spLocks noGrp="1"/>
+          </p:cNvSpPr>
+          <p:nvPr>
+            <p:ph type="body" idx="1"/>
+          </p:nvPr>
+        </p:nvSpPr>
+        <p:spPr bwMode="auto">
+          <a:noFill/>
+        </p:spPr>
+        <p:txBody>
+          <a:bodyPr wrap="square" numCol="1" anchor="t" anchorCtr="0" compatLnSpc="1">
+            <a:prstTxWarp prst="textNoShape">
+              <a:avLst/>
+            </a:prstTxWarp>
+          </a:bodyPr>
+          <a:lstStyle/>
+          <a:p>
+            <a:pPr eaLnBrk="1" hangingPunct="1">
+              <a:spcBef>
+                <a:spcPct val="0"/>
+              </a:spcBef>
+            </a:pPr>
+            <a:endParaRPr lang="fr-FR" smtClean="0"/>
+          </a:p>
+        </p:txBody>
+      </p:sp>
+      <p:sp>
+        <p:nvSpPr>
+          <p:cNvPr id="34820" name="Espace réservé du numéro de diapositive 3"/>
+          <p:cNvSpPr>
+            <a:spLocks noGrp="1"/>
+          </p:cNvSpPr>
+          <p:nvPr>
+            <p:ph type="sldNum" sz="quarter" idx="5"/>
+          </p:nvPr>
+        </p:nvSpPr>
+        <p:spPr bwMode="auto">
+          <a:ln>
+            <a:miter lim="800000"/>
+            <a:headEnd/>
+            <a:tailEnd/>
+          </a:ln>
+        </p:spPr>
+        <p:txBody>
+          <a:bodyPr wrap="square" numCol="1" anchorCtr="0" compatLnSpc="1">
+            <a:prstTxWarp prst="textNoShape">
+              <a:avLst/>
+            </a:prstTxWarp>
+          </a:bodyPr>
+          <a:lstStyle/>
+          <a:p>
+            <a:pPr fontAlgn="base">
+              <a:spcBef>
+                <a:spcPct val="0"/>
+              </a:spcBef>
+              <a:spcAft>
+                <a:spcPct val="0"/>
+              </a:spcAft>
+              <a:defRPr/>
+            </a:pPr>
+            <a:fld id="{C92798A9-1504-4D90-BF5D-AC8937BA80FA}" type="slidenum">
+              <a:rPr lang="fr-FR" smtClean="0"/>
+              <a:pPr fontAlgn="base">
+                <a:spcBef>
+                  <a:spcPct val="0"/>
+                </a:spcBef>
+                <a:spcAft>
+                  <a:spcPct val="0"/>
+                </a:spcAft>
+                <a:defRPr/>
+              </a:pPr>
+              <a:t>18</a:t>
+            </a:fld>
+            <a:endParaRPr lang="fr-FR" smtClean="0"/>
           </a:p>
         </p:txBody>
       </p:sp>
@@ -558,6 +1453,390 @@
       </p:grpSpPr>
       <p:sp>
         <p:nvSpPr>
+          <p:cNvPr id="20482" name="Espace réservé de l'image des diapositives 1"/>
+          <p:cNvSpPr>
+            <a:spLocks noGrp="1" noRot="1" noChangeAspect="1" noTextEdit="1"/>
+          </p:cNvSpPr>
+          <p:nvPr>
+            <p:ph type="sldImg"/>
+          </p:nvPr>
+        </p:nvSpPr>
+        <p:spPr bwMode="auto">
+          <a:noFill/>
+          <a:ln>
+            <a:solidFill>
+              <a:srgbClr val="000000"/>
+            </a:solidFill>
+            <a:miter lim="800000"/>
+            <a:headEnd/>
+            <a:tailEnd/>
+          </a:ln>
+        </p:spPr>
+      </p:sp>
+      <p:sp>
+        <p:nvSpPr>
+          <p:cNvPr id="20483" name="Espace réservé des commentaires 2"/>
+          <p:cNvSpPr>
+            <a:spLocks noGrp="1"/>
+          </p:cNvSpPr>
+          <p:nvPr>
+            <p:ph type="body" idx="1"/>
+          </p:nvPr>
+        </p:nvSpPr>
+        <p:spPr bwMode="auto">
+          <a:noFill/>
+        </p:spPr>
+        <p:txBody>
+          <a:bodyPr wrap="square" numCol="1" anchor="t" anchorCtr="0" compatLnSpc="1">
+            <a:prstTxWarp prst="textNoShape">
+              <a:avLst/>
+            </a:prstTxWarp>
+          </a:bodyPr>
+          <a:lstStyle/>
+          <a:p>
+            <a:pPr eaLnBrk="1" hangingPunct="1">
+              <a:spcBef>
+                <a:spcPct val="0"/>
+              </a:spcBef>
+            </a:pPr>
+            <a:endParaRPr lang="fr-FR" smtClean="0"/>
+          </a:p>
+        </p:txBody>
+      </p:sp>
+      <p:sp>
+        <p:nvSpPr>
+          <p:cNvPr id="20484" name="Espace réservé du numéro de diapositive 3"/>
+          <p:cNvSpPr>
+            <a:spLocks noGrp="1"/>
+          </p:cNvSpPr>
+          <p:nvPr>
+            <p:ph type="sldNum" sz="quarter" idx="5"/>
+          </p:nvPr>
+        </p:nvSpPr>
+        <p:spPr bwMode="auto">
+          <a:ln>
+            <a:miter lim="800000"/>
+            <a:headEnd/>
+            <a:tailEnd/>
+          </a:ln>
+        </p:spPr>
+        <p:txBody>
+          <a:bodyPr wrap="square" numCol="1" anchorCtr="0" compatLnSpc="1">
+            <a:prstTxWarp prst="textNoShape">
+              <a:avLst/>
+            </a:prstTxWarp>
+          </a:bodyPr>
+          <a:lstStyle/>
+          <a:p>
+            <a:pPr fontAlgn="base">
+              <a:spcBef>
+                <a:spcPct val="0"/>
+              </a:spcBef>
+              <a:spcAft>
+                <a:spcPct val="0"/>
+              </a:spcAft>
+              <a:defRPr/>
+            </a:pPr>
+            <a:fld id="{8B354A84-A591-4152-890C-03CA452EB2D8}" type="slidenum">
+              <a:rPr lang="fr-FR" smtClean="0"/>
+              <a:pPr fontAlgn="base">
+                <a:spcBef>
+                  <a:spcPct val="0"/>
+                </a:spcBef>
+                <a:spcAft>
+                  <a:spcPct val="0"/>
+                </a:spcAft>
+                <a:defRPr/>
+              </a:pPr>
+              <a:t>2</a:t>
+            </a:fld>
+            <a:endParaRPr lang="fr-FR" smtClean="0"/>
+          </a:p>
+        </p:txBody>
+      </p:sp>
+    </p:spTree>
+  </p:cSld>
+  <p:clrMapOvr>
+    <a:masterClrMapping/>
+  </p:clrMapOvr>
+</p:notes>
+</file>
+
+<file path=ppt/notesSlides/notesSlide3.xml><?xml version="1.0" encoding="utf-8"?>
+<p:notes xmlns:a="http://schemas.openxmlformats.org/drawingml/2006/main" xmlns:r="http://schemas.openxmlformats.org/officeDocument/2006/relationships" xmlns:p="http://schemas.openxmlformats.org/presentationml/2006/main">
+  <p:cSld>
+    <p:spTree>
+      <p:nvGrpSpPr>
+        <p:cNvPr id="1" name=""/>
+        <p:cNvGrpSpPr/>
+        <p:nvPr/>
+      </p:nvGrpSpPr>
+      <p:grpSpPr>
+        <a:xfrm>
+          <a:off x="0" y="0"/>
+          <a:ext cx="0" cy="0"/>
+          <a:chOff x="0" y="0"/>
+          <a:chExt cx="0" cy="0"/>
+        </a:xfrm>
+      </p:grpSpPr>
+      <p:sp>
+        <p:nvSpPr>
+          <p:cNvPr id="22530" name="Espace réservé de l'image des diapositives 1"/>
+          <p:cNvSpPr>
+            <a:spLocks noGrp="1" noRot="1" noChangeAspect="1" noTextEdit="1"/>
+          </p:cNvSpPr>
+          <p:nvPr>
+            <p:ph type="sldImg"/>
+          </p:nvPr>
+        </p:nvSpPr>
+        <p:spPr bwMode="auto">
+          <a:noFill/>
+          <a:ln>
+            <a:solidFill>
+              <a:srgbClr val="000000"/>
+            </a:solidFill>
+            <a:miter lim="800000"/>
+            <a:headEnd/>
+            <a:tailEnd/>
+          </a:ln>
+        </p:spPr>
+      </p:sp>
+      <p:sp>
+        <p:nvSpPr>
+          <p:cNvPr id="22531" name="Espace réservé des commentaires 2"/>
+          <p:cNvSpPr>
+            <a:spLocks noGrp="1"/>
+          </p:cNvSpPr>
+          <p:nvPr>
+            <p:ph type="body" idx="1"/>
+          </p:nvPr>
+        </p:nvSpPr>
+        <p:spPr bwMode="auto">
+          <a:noFill/>
+        </p:spPr>
+        <p:txBody>
+          <a:bodyPr wrap="square" numCol="1" anchor="t" anchorCtr="0" compatLnSpc="1">
+            <a:prstTxWarp prst="textNoShape">
+              <a:avLst/>
+            </a:prstTxWarp>
+          </a:bodyPr>
+          <a:lstStyle/>
+          <a:p>
+            <a:pPr eaLnBrk="1" hangingPunct="1">
+              <a:spcBef>
+                <a:spcPct val="0"/>
+              </a:spcBef>
+            </a:pPr>
+            <a:endParaRPr lang="fr-FR" smtClean="0"/>
+          </a:p>
+        </p:txBody>
+      </p:sp>
+      <p:sp>
+        <p:nvSpPr>
+          <p:cNvPr id="22532" name="Espace réservé du numéro de diapositive 3"/>
+          <p:cNvSpPr>
+            <a:spLocks noGrp="1"/>
+          </p:cNvSpPr>
+          <p:nvPr>
+            <p:ph type="sldNum" sz="quarter" idx="5"/>
+          </p:nvPr>
+        </p:nvSpPr>
+        <p:spPr bwMode="auto">
+          <a:ln>
+            <a:miter lim="800000"/>
+            <a:headEnd/>
+            <a:tailEnd/>
+          </a:ln>
+        </p:spPr>
+        <p:txBody>
+          <a:bodyPr wrap="square" numCol="1" anchorCtr="0" compatLnSpc="1">
+            <a:prstTxWarp prst="textNoShape">
+              <a:avLst/>
+            </a:prstTxWarp>
+          </a:bodyPr>
+          <a:lstStyle/>
+          <a:p>
+            <a:pPr fontAlgn="base">
+              <a:spcBef>
+                <a:spcPct val="0"/>
+              </a:spcBef>
+              <a:spcAft>
+                <a:spcPct val="0"/>
+              </a:spcAft>
+              <a:defRPr/>
+            </a:pPr>
+            <a:fld id="{A33AA696-6DD1-4D5B-A801-270BC15C9C33}" type="slidenum">
+              <a:rPr lang="fr-FR" smtClean="0"/>
+              <a:pPr fontAlgn="base">
+                <a:spcBef>
+                  <a:spcPct val="0"/>
+                </a:spcBef>
+                <a:spcAft>
+                  <a:spcPct val="0"/>
+                </a:spcAft>
+                <a:defRPr/>
+              </a:pPr>
+              <a:t>3</a:t>
+            </a:fld>
+            <a:endParaRPr lang="fr-FR" smtClean="0"/>
+          </a:p>
+        </p:txBody>
+      </p:sp>
+    </p:spTree>
+  </p:cSld>
+  <p:clrMapOvr>
+    <a:masterClrMapping/>
+  </p:clrMapOvr>
+</p:notes>
+</file>
+
+<file path=ppt/notesSlides/notesSlide4.xml><?xml version="1.0" encoding="utf-8"?>
+<p:notes xmlns:a="http://schemas.openxmlformats.org/drawingml/2006/main" xmlns:r="http://schemas.openxmlformats.org/officeDocument/2006/relationships" xmlns:p="http://schemas.openxmlformats.org/presentationml/2006/main">
+  <p:cSld>
+    <p:spTree>
+      <p:nvGrpSpPr>
+        <p:cNvPr id="1" name=""/>
+        <p:cNvGrpSpPr/>
+        <p:nvPr/>
+      </p:nvGrpSpPr>
+      <p:grpSpPr>
+        <a:xfrm>
+          <a:off x="0" y="0"/>
+          <a:ext cx="0" cy="0"/>
+          <a:chOff x="0" y="0"/>
+          <a:chExt cx="0" cy="0"/>
+        </a:xfrm>
+      </p:grpSpPr>
+      <p:sp>
+        <p:nvSpPr>
+          <p:cNvPr id="21506" name="Espace réservé de l'image des diapositives 1"/>
+          <p:cNvSpPr>
+            <a:spLocks noGrp="1" noRot="1" noChangeAspect="1" noTextEdit="1"/>
+          </p:cNvSpPr>
+          <p:nvPr>
+            <p:ph type="sldImg"/>
+          </p:nvPr>
+        </p:nvSpPr>
+        <p:spPr bwMode="auto">
+          <a:noFill/>
+          <a:ln>
+            <a:solidFill>
+              <a:srgbClr val="000000"/>
+            </a:solidFill>
+            <a:miter lim="800000"/>
+            <a:headEnd/>
+            <a:tailEnd/>
+          </a:ln>
+        </p:spPr>
+      </p:sp>
+      <p:sp>
+        <p:nvSpPr>
+          <p:cNvPr id="21507" name="Espace réservé des commentaires 2"/>
+          <p:cNvSpPr>
+            <a:spLocks noGrp="1"/>
+          </p:cNvSpPr>
+          <p:nvPr>
+            <p:ph type="body" idx="1"/>
+          </p:nvPr>
+        </p:nvSpPr>
+        <p:spPr bwMode="auto">
+          <a:noFill/>
+        </p:spPr>
+        <p:txBody>
+          <a:bodyPr wrap="square" numCol="1" anchor="t" anchorCtr="0" compatLnSpc="1">
+            <a:prstTxWarp prst="textNoShape">
+              <a:avLst/>
+            </a:prstTxWarp>
+          </a:bodyPr>
+          <a:lstStyle/>
+          <a:p>
+            <a:pPr eaLnBrk="1" hangingPunct="1">
+              <a:spcBef>
+                <a:spcPct val="0"/>
+              </a:spcBef>
+            </a:pPr>
+            <a:endParaRPr lang="fr-FR" smtClean="0"/>
+          </a:p>
+        </p:txBody>
+      </p:sp>
+      <p:sp>
+        <p:nvSpPr>
+          <p:cNvPr id="21508" name="Espace réservé du numéro de diapositive 3"/>
+          <p:cNvSpPr>
+            <a:spLocks noGrp="1"/>
+          </p:cNvSpPr>
+          <p:nvPr>
+            <p:ph type="sldNum" sz="quarter" idx="5"/>
+          </p:nvPr>
+        </p:nvSpPr>
+        <p:spPr bwMode="auto">
+          <a:ln>
+            <a:miter lim="800000"/>
+            <a:headEnd/>
+            <a:tailEnd/>
+          </a:ln>
+        </p:spPr>
+        <p:txBody>
+          <a:bodyPr wrap="square" numCol="1" anchorCtr="0" compatLnSpc="1">
+            <a:prstTxWarp prst="textNoShape">
+              <a:avLst/>
+            </a:prstTxWarp>
+          </a:bodyPr>
+          <a:lstStyle/>
+          <a:p>
+            <a:pPr fontAlgn="base">
+              <a:spcBef>
+                <a:spcPct val="0"/>
+              </a:spcBef>
+              <a:spcAft>
+                <a:spcPct val="0"/>
+              </a:spcAft>
+              <a:defRPr/>
+            </a:pPr>
+            <a:fld id="{6F158A35-6982-42FE-9620-8ABCCAF34D16}" type="slidenum">
+              <a:rPr lang="fr-FR" smtClean="0"/>
+              <a:pPr fontAlgn="base">
+                <a:spcBef>
+                  <a:spcPct val="0"/>
+                </a:spcBef>
+                <a:spcAft>
+                  <a:spcPct val="0"/>
+                </a:spcAft>
+                <a:defRPr/>
+              </a:pPr>
+              <a:t>4</a:t>
+            </a:fld>
+            <a:endParaRPr lang="fr-FR" smtClean="0"/>
+          </a:p>
+        </p:txBody>
+      </p:sp>
+    </p:spTree>
+  </p:cSld>
+  <p:clrMapOvr>
+    <a:masterClrMapping/>
+  </p:clrMapOvr>
+</p:notes>
+</file>
+
+<file path=ppt/notesSlides/notesSlide5.xml><?xml version="1.0" encoding="utf-8"?>
+<p:notes xmlns:a="http://schemas.openxmlformats.org/drawingml/2006/main" xmlns:r="http://schemas.openxmlformats.org/officeDocument/2006/relationships" xmlns:p="http://schemas.openxmlformats.org/presentationml/2006/main">
+  <p:cSld>
+    <p:spTree>
+      <p:nvGrpSpPr>
+        <p:cNvPr id="1" name=""/>
+        <p:cNvGrpSpPr/>
+        <p:nvPr/>
+      </p:nvGrpSpPr>
+      <p:grpSpPr>
+        <a:xfrm>
+          <a:off x="0" y="0"/>
+          <a:ext cx="0" cy="0"/>
+          <a:chOff x="0" y="0"/>
+          <a:chExt cx="0" cy="0"/>
+        </a:xfrm>
+      </p:grpSpPr>
+      <p:sp>
+        <p:nvSpPr>
           <p:cNvPr id="2" name="Espace réservé de l'image des diapositives 1"/>
           <p:cNvSpPr>
             <a:spLocks noGrp="1" noRot="1" noChangeAspect="1"/>
@@ -606,9 +1885,475 @@
           <a:p>
             <a:fld id="{DDD0047E-26BF-4855-89DD-B12F040EA4CE}" type="slidenum">
               <a:rPr lang="fr-FR" smtClean="0"/>
-              <a:t>2</a:t>
+              <a:pPr/>
+              <a:t>5</a:t>
             </a:fld>
             <a:endParaRPr lang="fr-FR"/>
+          </a:p>
+        </p:txBody>
+      </p:sp>
+    </p:spTree>
+  </p:cSld>
+  <p:clrMapOvr>
+    <a:masterClrMapping/>
+  </p:clrMapOvr>
+</p:notes>
+</file>
+
+<file path=ppt/notesSlides/notesSlide6.xml><?xml version="1.0" encoding="utf-8"?>
+<p:notes xmlns:a="http://schemas.openxmlformats.org/drawingml/2006/main" xmlns:r="http://schemas.openxmlformats.org/officeDocument/2006/relationships" xmlns:p="http://schemas.openxmlformats.org/presentationml/2006/main">
+  <p:cSld>
+    <p:spTree>
+      <p:nvGrpSpPr>
+        <p:cNvPr id="1" name=""/>
+        <p:cNvGrpSpPr/>
+        <p:nvPr/>
+      </p:nvGrpSpPr>
+      <p:grpSpPr>
+        <a:xfrm>
+          <a:off x="0" y="0"/>
+          <a:ext cx="0" cy="0"/>
+          <a:chOff x="0" y="0"/>
+          <a:chExt cx="0" cy="0"/>
+        </a:xfrm>
+      </p:grpSpPr>
+      <p:sp>
+        <p:nvSpPr>
+          <p:cNvPr id="23554" name="Espace réservé de l'image des diapositives 1"/>
+          <p:cNvSpPr>
+            <a:spLocks noGrp="1" noRot="1" noChangeAspect="1" noTextEdit="1"/>
+          </p:cNvSpPr>
+          <p:nvPr>
+            <p:ph type="sldImg"/>
+          </p:nvPr>
+        </p:nvSpPr>
+        <p:spPr bwMode="auto">
+          <a:noFill/>
+          <a:ln>
+            <a:solidFill>
+              <a:srgbClr val="000000"/>
+            </a:solidFill>
+            <a:miter lim="800000"/>
+            <a:headEnd/>
+            <a:tailEnd/>
+          </a:ln>
+        </p:spPr>
+      </p:sp>
+      <p:sp>
+        <p:nvSpPr>
+          <p:cNvPr id="23555" name="Espace réservé des commentaires 2"/>
+          <p:cNvSpPr>
+            <a:spLocks noGrp="1"/>
+          </p:cNvSpPr>
+          <p:nvPr>
+            <p:ph type="body" idx="1"/>
+          </p:nvPr>
+        </p:nvSpPr>
+        <p:spPr bwMode="auto">
+          <a:noFill/>
+        </p:spPr>
+        <p:txBody>
+          <a:bodyPr wrap="square" numCol="1" anchor="t" anchorCtr="0" compatLnSpc="1">
+            <a:prstTxWarp prst="textNoShape">
+              <a:avLst/>
+            </a:prstTxWarp>
+          </a:bodyPr>
+          <a:lstStyle/>
+          <a:p>
+            <a:pPr eaLnBrk="1" hangingPunct="1">
+              <a:spcBef>
+                <a:spcPct val="0"/>
+              </a:spcBef>
+            </a:pPr>
+            <a:endParaRPr lang="fr-FR" smtClean="0"/>
+          </a:p>
+        </p:txBody>
+      </p:sp>
+      <p:sp>
+        <p:nvSpPr>
+          <p:cNvPr id="23556" name="Espace réservé du numéro de diapositive 3"/>
+          <p:cNvSpPr>
+            <a:spLocks noGrp="1"/>
+          </p:cNvSpPr>
+          <p:nvPr>
+            <p:ph type="sldNum" sz="quarter" idx="5"/>
+          </p:nvPr>
+        </p:nvSpPr>
+        <p:spPr bwMode="auto">
+          <a:ln>
+            <a:miter lim="800000"/>
+            <a:headEnd/>
+            <a:tailEnd/>
+          </a:ln>
+        </p:spPr>
+        <p:txBody>
+          <a:bodyPr wrap="square" numCol="1" anchorCtr="0" compatLnSpc="1">
+            <a:prstTxWarp prst="textNoShape">
+              <a:avLst/>
+            </a:prstTxWarp>
+          </a:bodyPr>
+          <a:lstStyle/>
+          <a:p>
+            <a:pPr fontAlgn="base">
+              <a:spcBef>
+                <a:spcPct val="0"/>
+              </a:spcBef>
+              <a:spcAft>
+                <a:spcPct val="0"/>
+              </a:spcAft>
+              <a:defRPr/>
+            </a:pPr>
+            <a:fld id="{8A14060E-76D8-4DB8-9829-4801C39EF7D2}" type="slidenum">
+              <a:rPr lang="fr-FR" smtClean="0"/>
+              <a:pPr fontAlgn="base">
+                <a:spcBef>
+                  <a:spcPct val="0"/>
+                </a:spcBef>
+                <a:spcAft>
+                  <a:spcPct val="0"/>
+                </a:spcAft>
+                <a:defRPr/>
+              </a:pPr>
+              <a:t>6</a:t>
+            </a:fld>
+            <a:endParaRPr lang="fr-FR" smtClean="0"/>
+          </a:p>
+        </p:txBody>
+      </p:sp>
+    </p:spTree>
+  </p:cSld>
+  <p:clrMapOvr>
+    <a:masterClrMapping/>
+  </p:clrMapOvr>
+</p:notes>
+</file>
+
+<file path=ppt/notesSlides/notesSlide7.xml><?xml version="1.0" encoding="utf-8"?>
+<p:notes xmlns:a="http://schemas.openxmlformats.org/drawingml/2006/main" xmlns:r="http://schemas.openxmlformats.org/officeDocument/2006/relationships" xmlns:p="http://schemas.openxmlformats.org/presentationml/2006/main">
+  <p:cSld>
+    <p:spTree>
+      <p:nvGrpSpPr>
+        <p:cNvPr id="1" name=""/>
+        <p:cNvGrpSpPr/>
+        <p:nvPr/>
+      </p:nvGrpSpPr>
+      <p:grpSpPr>
+        <a:xfrm>
+          <a:off x="0" y="0"/>
+          <a:ext cx="0" cy="0"/>
+          <a:chOff x="0" y="0"/>
+          <a:chExt cx="0" cy="0"/>
+        </a:xfrm>
+      </p:grpSpPr>
+      <p:sp>
+        <p:nvSpPr>
+          <p:cNvPr id="2" name="Espace réservé de l'image des diapositives 1"/>
+          <p:cNvSpPr>
+            <a:spLocks noGrp="1" noRot="1" noChangeAspect="1"/>
+          </p:cNvSpPr>
+          <p:nvPr>
+            <p:ph type="sldImg"/>
+          </p:nvPr>
+        </p:nvSpPr>
+        <p:spPr/>
+      </p:sp>
+      <p:sp>
+        <p:nvSpPr>
+          <p:cNvPr id="3" name="Espace réservé des commentaires 2"/>
+          <p:cNvSpPr>
+            <a:spLocks noGrp="1"/>
+          </p:cNvSpPr>
+          <p:nvPr>
+            <p:ph type="body" idx="1"/>
+          </p:nvPr>
+        </p:nvSpPr>
+        <p:spPr/>
+        <p:txBody>
+          <a:bodyPr>
+            <a:normAutofit/>
+          </a:bodyPr>
+          <a:lstStyle/>
+          <a:p>
+            <a:endParaRPr lang="fr-FR"/>
+          </a:p>
+        </p:txBody>
+      </p:sp>
+      <p:sp>
+        <p:nvSpPr>
+          <p:cNvPr id="4" name="Espace réservé du numéro de diapositive 3"/>
+          <p:cNvSpPr>
+            <a:spLocks noGrp="1"/>
+          </p:cNvSpPr>
+          <p:nvPr>
+            <p:ph type="sldNum" sz="quarter" idx="10"/>
+          </p:nvPr>
+        </p:nvSpPr>
+        <p:spPr/>
+        <p:txBody>
+          <a:bodyPr/>
+          <a:lstStyle/>
+          <a:p>
+            <a:fld id="{8C4FCC28-9478-4B67-8861-05C293FCE08E}" type="slidenum">
+              <a:rPr lang="fr-FR" smtClean="0"/>
+              <a:t>7</a:t>
+            </a:fld>
+            <a:endParaRPr lang="fr-FR"/>
+          </a:p>
+        </p:txBody>
+      </p:sp>
+    </p:spTree>
+  </p:cSld>
+  <p:clrMapOvr>
+    <a:masterClrMapping/>
+  </p:clrMapOvr>
+</p:notes>
+</file>
+
+<file path=ppt/notesSlides/notesSlide8.xml><?xml version="1.0" encoding="utf-8"?>
+<p:notes xmlns:a="http://schemas.openxmlformats.org/drawingml/2006/main" xmlns:r="http://schemas.openxmlformats.org/officeDocument/2006/relationships" xmlns:p="http://schemas.openxmlformats.org/presentationml/2006/main">
+  <p:cSld>
+    <p:spTree>
+      <p:nvGrpSpPr>
+        <p:cNvPr id="1" name=""/>
+        <p:cNvGrpSpPr/>
+        <p:nvPr/>
+      </p:nvGrpSpPr>
+      <p:grpSpPr>
+        <a:xfrm>
+          <a:off x="0" y="0"/>
+          <a:ext cx="0" cy="0"/>
+          <a:chOff x="0" y="0"/>
+          <a:chExt cx="0" cy="0"/>
+        </a:xfrm>
+      </p:grpSpPr>
+      <p:sp>
+        <p:nvSpPr>
+          <p:cNvPr id="25602" name="Espace réservé de l'image des diapositives 1"/>
+          <p:cNvSpPr>
+            <a:spLocks noGrp="1" noRot="1" noChangeAspect="1" noTextEdit="1"/>
+          </p:cNvSpPr>
+          <p:nvPr>
+            <p:ph type="sldImg"/>
+          </p:nvPr>
+        </p:nvSpPr>
+        <p:spPr bwMode="auto">
+          <a:noFill/>
+          <a:ln>
+            <a:solidFill>
+              <a:srgbClr val="000000"/>
+            </a:solidFill>
+            <a:miter lim="800000"/>
+            <a:headEnd/>
+            <a:tailEnd/>
+          </a:ln>
+        </p:spPr>
+      </p:sp>
+      <p:sp>
+        <p:nvSpPr>
+          <p:cNvPr id="25603" name="Espace réservé des commentaires 2"/>
+          <p:cNvSpPr>
+            <a:spLocks noGrp="1"/>
+          </p:cNvSpPr>
+          <p:nvPr>
+            <p:ph type="body" idx="1"/>
+          </p:nvPr>
+        </p:nvSpPr>
+        <p:spPr bwMode="auto">
+          <a:noFill/>
+        </p:spPr>
+        <p:txBody>
+          <a:bodyPr wrap="square" numCol="1" anchor="t" anchorCtr="0" compatLnSpc="1">
+            <a:prstTxWarp prst="textNoShape">
+              <a:avLst/>
+            </a:prstTxWarp>
+          </a:bodyPr>
+          <a:lstStyle/>
+          <a:p>
+            <a:pPr eaLnBrk="1" hangingPunct="1">
+              <a:spcBef>
+                <a:spcPct val="0"/>
+              </a:spcBef>
+            </a:pPr>
+            <a:endParaRPr lang="fr-FR" smtClean="0"/>
+          </a:p>
+        </p:txBody>
+      </p:sp>
+      <p:sp>
+        <p:nvSpPr>
+          <p:cNvPr id="25604" name="Espace réservé du numéro de diapositive 3"/>
+          <p:cNvSpPr>
+            <a:spLocks noGrp="1"/>
+          </p:cNvSpPr>
+          <p:nvPr>
+            <p:ph type="sldNum" sz="quarter" idx="5"/>
+          </p:nvPr>
+        </p:nvSpPr>
+        <p:spPr bwMode="auto">
+          <a:ln>
+            <a:miter lim="800000"/>
+            <a:headEnd/>
+            <a:tailEnd/>
+          </a:ln>
+        </p:spPr>
+        <p:txBody>
+          <a:bodyPr wrap="square" numCol="1" anchorCtr="0" compatLnSpc="1">
+            <a:prstTxWarp prst="textNoShape">
+              <a:avLst/>
+            </a:prstTxWarp>
+          </a:bodyPr>
+          <a:lstStyle/>
+          <a:p>
+            <a:pPr fontAlgn="base">
+              <a:spcBef>
+                <a:spcPct val="0"/>
+              </a:spcBef>
+              <a:spcAft>
+                <a:spcPct val="0"/>
+              </a:spcAft>
+              <a:defRPr/>
+            </a:pPr>
+            <a:fld id="{817B5D64-2A9C-4D4E-A5DD-08C1A8AE2ECE}" type="slidenum">
+              <a:rPr lang="fr-FR" smtClean="0"/>
+              <a:pPr fontAlgn="base">
+                <a:spcBef>
+                  <a:spcPct val="0"/>
+                </a:spcBef>
+                <a:spcAft>
+                  <a:spcPct val="0"/>
+                </a:spcAft>
+                <a:defRPr/>
+              </a:pPr>
+              <a:t>8</a:t>
+            </a:fld>
+            <a:endParaRPr lang="fr-FR" smtClean="0"/>
+          </a:p>
+        </p:txBody>
+      </p:sp>
+    </p:spTree>
+  </p:cSld>
+  <p:clrMapOvr>
+    <a:masterClrMapping/>
+  </p:clrMapOvr>
+</p:notes>
+</file>
+
+<file path=ppt/notesSlides/notesSlide9.xml><?xml version="1.0" encoding="utf-8"?>
+<p:notes xmlns:a="http://schemas.openxmlformats.org/drawingml/2006/main" xmlns:r="http://schemas.openxmlformats.org/officeDocument/2006/relationships" xmlns:p="http://schemas.openxmlformats.org/presentationml/2006/main">
+  <p:cSld>
+    <p:spTree>
+      <p:nvGrpSpPr>
+        <p:cNvPr id="1" name=""/>
+        <p:cNvGrpSpPr/>
+        <p:nvPr/>
+      </p:nvGrpSpPr>
+      <p:grpSpPr>
+        <a:xfrm>
+          <a:off x="0" y="0"/>
+          <a:ext cx="0" cy="0"/>
+          <a:chOff x="0" y="0"/>
+          <a:chExt cx="0" cy="0"/>
+        </a:xfrm>
+      </p:grpSpPr>
+      <p:sp>
+        <p:nvSpPr>
+          <p:cNvPr id="32770" name="Espace réservé de l'image des diapositives 1"/>
+          <p:cNvSpPr>
+            <a:spLocks noGrp="1" noRot="1" noChangeAspect="1" noTextEdit="1"/>
+          </p:cNvSpPr>
+          <p:nvPr>
+            <p:ph type="sldImg"/>
+          </p:nvPr>
+        </p:nvSpPr>
+        <p:spPr bwMode="auto">
+          <a:noFill/>
+          <a:ln>
+            <a:solidFill>
+              <a:srgbClr val="000000"/>
+            </a:solidFill>
+            <a:miter lim="800000"/>
+            <a:headEnd/>
+            <a:tailEnd/>
+          </a:ln>
+        </p:spPr>
+      </p:sp>
+      <p:sp>
+        <p:nvSpPr>
+          <p:cNvPr id="32771" name="Espace réservé des commentaires 2"/>
+          <p:cNvSpPr>
+            <a:spLocks noGrp="1"/>
+          </p:cNvSpPr>
+          <p:nvPr>
+            <p:ph type="body" idx="1"/>
+          </p:nvPr>
+        </p:nvSpPr>
+        <p:spPr bwMode="auto">
+          <a:noFill/>
+        </p:spPr>
+        <p:txBody>
+          <a:bodyPr wrap="square" numCol="1" anchor="t" anchorCtr="0" compatLnSpc="1">
+            <a:prstTxWarp prst="textNoShape">
+              <a:avLst/>
+            </a:prstTxWarp>
+          </a:bodyPr>
+          <a:lstStyle/>
+          <a:p>
+            <a:pPr eaLnBrk="1" hangingPunct="1">
+              <a:spcBef>
+                <a:spcPct val="0"/>
+              </a:spcBef>
+            </a:pPr>
+            <a:endParaRPr lang="fr-FR" smtClean="0"/>
+          </a:p>
+        </p:txBody>
+      </p:sp>
+      <p:sp>
+        <p:nvSpPr>
+          <p:cNvPr id="32772" name="Espace réservé du numéro de diapositive 3"/>
+          <p:cNvSpPr>
+            <a:spLocks noGrp="1"/>
+          </p:cNvSpPr>
+          <p:nvPr>
+            <p:ph type="sldNum" sz="quarter" idx="5"/>
+          </p:nvPr>
+        </p:nvSpPr>
+        <p:spPr bwMode="auto">
+          <a:ln>
+            <a:miter lim="800000"/>
+            <a:headEnd/>
+            <a:tailEnd/>
+          </a:ln>
+        </p:spPr>
+        <p:txBody>
+          <a:bodyPr wrap="square" numCol="1" anchorCtr="0" compatLnSpc="1">
+            <a:prstTxWarp prst="textNoShape">
+              <a:avLst/>
+            </a:prstTxWarp>
+          </a:bodyPr>
+          <a:lstStyle/>
+          <a:p>
+            <a:pPr fontAlgn="base">
+              <a:spcBef>
+                <a:spcPct val="0"/>
+              </a:spcBef>
+              <a:spcAft>
+                <a:spcPct val="0"/>
+              </a:spcAft>
+              <a:defRPr/>
+            </a:pPr>
+            <a:fld id="{D3106563-F73F-44DB-B734-B34197AFB95C}" type="slidenum">
+              <a:rPr lang="fr-FR" smtClean="0"/>
+              <a:pPr fontAlgn="base">
+                <a:spcBef>
+                  <a:spcPct val="0"/>
+                </a:spcBef>
+                <a:spcAft>
+                  <a:spcPct val="0"/>
+                </a:spcAft>
+                <a:defRPr/>
+              </a:pPr>
+              <a:t>9</a:t>
+            </a:fld>
+            <a:endParaRPr lang="fr-FR" smtClean="0"/>
           </a:p>
         </p:txBody>
       </p:sp>
@@ -801,7 +2546,8 @@
           <a:p>
             <a:fld id="{145E1FA6-C456-4650-8388-D6B1D40773A3}" type="datetimeFigureOut">
               <a:rPr lang="fr-FR" smtClean="0"/>
-              <a:t>14/03/2012</a:t>
+              <a:pPr/>
+              <a:t>15/03/2012</a:t>
             </a:fld>
             <a:endParaRPr lang="fr-FR"/>
           </a:p>
@@ -843,6 +2589,7 @@
           <a:p>
             <a:fld id="{3EF57CB7-FE0F-4927-BDD2-010DF69FB230}" type="slidenum">
               <a:rPr lang="fr-FR" smtClean="0"/>
+              <a:pPr/>
               <a:t>‹N°›</a:t>
             </a:fld>
             <a:endParaRPr lang="fr-FR"/>
@@ -966,7 +2713,8 @@
           <a:p>
             <a:fld id="{145E1FA6-C456-4650-8388-D6B1D40773A3}" type="datetimeFigureOut">
               <a:rPr lang="fr-FR" smtClean="0"/>
-              <a:t>14/03/2012</a:t>
+              <a:pPr/>
+              <a:t>15/03/2012</a:t>
             </a:fld>
             <a:endParaRPr lang="fr-FR"/>
           </a:p>
@@ -1008,6 +2756,7 @@
           <a:p>
             <a:fld id="{3EF57CB7-FE0F-4927-BDD2-010DF69FB230}" type="slidenum">
               <a:rPr lang="fr-FR" smtClean="0"/>
+              <a:pPr/>
               <a:t>‹N°›</a:t>
             </a:fld>
             <a:endParaRPr lang="fr-FR"/>
@@ -1141,7 +2890,8 @@
           <a:p>
             <a:fld id="{145E1FA6-C456-4650-8388-D6B1D40773A3}" type="datetimeFigureOut">
               <a:rPr lang="fr-FR" smtClean="0"/>
-              <a:t>14/03/2012</a:t>
+              <a:pPr/>
+              <a:t>15/03/2012</a:t>
             </a:fld>
             <a:endParaRPr lang="fr-FR"/>
           </a:p>
@@ -1183,6 +2933,7 @@
           <a:p>
             <a:fld id="{3EF57CB7-FE0F-4927-BDD2-010DF69FB230}" type="slidenum">
               <a:rPr lang="fr-FR" smtClean="0"/>
+              <a:pPr/>
               <a:t>‹N°›</a:t>
             </a:fld>
             <a:endParaRPr lang="fr-FR"/>
@@ -1306,7 +3057,8 @@
           <a:p>
             <a:fld id="{145E1FA6-C456-4650-8388-D6B1D40773A3}" type="datetimeFigureOut">
               <a:rPr lang="fr-FR" smtClean="0"/>
-              <a:t>14/03/2012</a:t>
+              <a:pPr/>
+              <a:t>15/03/2012</a:t>
             </a:fld>
             <a:endParaRPr lang="fr-FR"/>
           </a:p>
@@ -1348,6 +3100,7 @@
           <a:p>
             <a:fld id="{3EF57CB7-FE0F-4927-BDD2-010DF69FB230}" type="slidenum">
               <a:rPr lang="fr-FR" smtClean="0"/>
+              <a:pPr/>
               <a:t>‹N°›</a:t>
             </a:fld>
             <a:endParaRPr lang="fr-FR"/>
@@ -1547,7 +3300,8 @@
           <a:p>
             <a:fld id="{145E1FA6-C456-4650-8388-D6B1D40773A3}" type="datetimeFigureOut">
               <a:rPr lang="fr-FR" smtClean="0"/>
-              <a:t>14/03/2012</a:t>
+              <a:pPr/>
+              <a:t>15/03/2012</a:t>
             </a:fld>
             <a:endParaRPr lang="fr-FR"/>
           </a:p>
@@ -1589,6 +3343,7 @@
           <a:p>
             <a:fld id="{3EF57CB7-FE0F-4927-BDD2-010DF69FB230}" type="slidenum">
               <a:rPr lang="fr-FR" smtClean="0"/>
+              <a:pPr/>
               <a:t>‹N°›</a:t>
             </a:fld>
             <a:endParaRPr lang="fr-FR"/>
@@ -1830,7 +3585,8 @@
           <a:p>
             <a:fld id="{145E1FA6-C456-4650-8388-D6B1D40773A3}" type="datetimeFigureOut">
               <a:rPr lang="fr-FR" smtClean="0"/>
-              <a:t>14/03/2012</a:t>
+              <a:pPr/>
+              <a:t>15/03/2012</a:t>
             </a:fld>
             <a:endParaRPr lang="fr-FR"/>
           </a:p>
@@ -1872,6 +3628,7 @@
           <a:p>
             <a:fld id="{3EF57CB7-FE0F-4927-BDD2-010DF69FB230}" type="slidenum">
               <a:rPr lang="fr-FR" smtClean="0"/>
+              <a:pPr/>
               <a:t>‹N°›</a:t>
             </a:fld>
             <a:endParaRPr lang="fr-FR"/>
@@ -2247,7 +4004,8 @@
           <a:p>
             <a:fld id="{145E1FA6-C456-4650-8388-D6B1D40773A3}" type="datetimeFigureOut">
               <a:rPr lang="fr-FR" smtClean="0"/>
-              <a:t>14/03/2012</a:t>
+              <a:pPr/>
+              <a:t>15/03/2012</a:t>
             </a:fld>
             <a:endParaRPr lang="fr-FR"/>
           </a:p>
@@ -2289,6 +4047,7 @@
           <a:p>
             <a:fld id="{3EF57CB7-FE0F-4927-BDD2-010DF69FB230}" type="slidenum">
               <a:rPr lang="fr-FR" smtClean="0"/>
+              <a:pPr/>
               <a:t>‹N°›</a:t>
             </a:fld>
             <a:endParaRPr lang="fr-FR"/>
@@ -2360,7 +4119,8 @@
           <a:p>
             <a:fld id="{145E1FA6-C456-4650-8388-D6B1D40773A3}" type="datetimeFigureOut">
               <a:rPr lang="fr-FR" smtClean="0"/>
-              <a:t>14/03/2012</a:t>
+              <a:pPr/>
+              <a:t>15/03/2012</a:t>
             </a:fld>
             <a:endParaRPr lang="fr-FR"/>
           </a:p>
@@ -2402,6 +4162,7 @@
           <a:p>
             <a:fld id="{3EF57CB7-FE0F-4927-BDD2-010DF69FB230}" type="slidenum">
               <a:rPr lang="fr-FR" smtClean="0"/>
+              <a:pPr/>
               <a:t>‹N°›</a:t>
             </a:fld>
             <a:endParaRPr lang="fr-FR"/>
@@ -2450,7 +4211,8 @@
           <a:p>
             <a:fld id="{145E1FA6-C456-4650-8388-D6B1D40773A3}" type="datetimeFigureOut">
               <a:rPr lang="fr-FR" smtClean="0"/>
-              <a:t>14/03/2012</a:t>
+              <a:pPr/>
+              <a:t>15/03/2012</a:t>
             </a:fld>
             <a:endParaRPr lang="fr-FR"/>
           </a:p>
@@ -2492,6 +4254,7 @@
           <a:p>
             <a:fld id="{3EF57CB7-FE0F-4927-BDD2-010DF69FB230}" type="slidenum">
               <a:rPr lang="fr-FR" smtClean="0"/>
+              <a:pPr/>
               <a:t>‹N°›</a:t>
             </a:fld>
             <a:endParaRPr lang="fr-FR"/>
@@ -2722,7 +4485,8 @@
           <a:p>
             <a:fld id="{145E1FA6-C456-4650-8388-D6B1D40773A3}" type="datetimeFigureOut">
               <a:rPr lang="fr-FR" smtClean="0"/>
-              <a:t>14/03/2012</a:t>
+              <a:pPr/>
+              <a:t>15/03/2012</a:t>
             </a:fld>
             <a:endParaRPr lang="fr-FR"/>
           </a:p>
@@ -2764,6 +4528,7 @@
           <a:p>
             <a:fld id="{3EF57CB7-FE0F-4927-BDD2-010DF69FB230}" type="slidenum">
               <a:rPr lang="fr-FR" smtClean="0"/>
+              <a:pPr/>
               <a:t>‹N°›</a:t>
             </a:fld>
             <a:endParaRPr lang="fr-FR"/>
@@ -2970,7 +4735,8 @@
           <a:p>
             <a:fld id="{145E1FA6-C456-4650-8388-D6B1D40773A3}" type="datetimeFigureOut">
               <a:rPr lang="fr-FR" smtClean="0"/>
-              <a:t>14/03/2012</a:t>
+              <a:pPr/>
+              <a:t>15/03/2012</a:t>
             </a:fld>
             <a:endParaRPr lang="fr-FR"/>
           </a:p>
@@ -3012,6 +4778,7 @@
           <a:p>
             <a:fld id="{3EF57CB7-FE0F-4927-BDD2-010DF69FB230}" type="slidenum">
               <a:rPr lang="fr-FR" smtClean="0"/>
+              <a:pPr/>
               <a:t>‹N°›</a:t>
             </a:fld>
             <a:endParaRPr lang="fr-FR"/>
@@ -3178,7 +4945,8 @@
           <a:p>
             <a:fld id="{145E1FA6-C456-4650-8388-D6B1D40773A3}" type="datetimeFigureOut">
               <a:rPr lang="fr-FR" smtClean="0"/>
-              <a:t>14/03/2012</a:t>
+              <a:pPr/>
+              <a:t>15/03/2012</a:t>
             </a:fld>
             <a:endParaRPr lang="fr-FR"/>
           </a:p>
@@ -3256,6 +5024,7 @@
           <a:p>
             <a:fld id="{3EF57CB7-FE0F-4927-BDD2-010DF69FB230}" type="slidenum">
               <a:rPr lang="fr-FR" smtClean="0"/>
+              <a:pPr/>
               <a:t>‹N°›</a:t>
             </a:fld>
             <a:endParaRPr lang="fr-FR"/>
@@ -3550,9 +5319,9 @@
       </p:grpSpPr>
       <p:pic>
         <p:nvPicPr>
-          <p:cNvPr id="1026" name="Picture 2"/>
+          <p:cNvPr id="2050" name="Image 3" descr="logo_dum.png"/>
           <p:cNvPicPr>
-            <a:picLocks noChangeAspect="1" noChangeArrowheads="1"/>
+            <a:picLocks noChangeAspect="1"/>
           </p:cNvPicPr>
           <p:nvPr/>
         </p:nvPicPr>
@@ -3565,8 +5334,8 @@
         </p:blipFill>
         <p:spPr bwMode="auto">
           <a:xfrm>
-            <a:off x="0" y="188640"/>
-            <a:ext cx="3438525" cy="3981450"/>
+            <a:off x="1014413" y="762000"/>
+            <a:ext cx="7115175" cy="5334000"/>
           </a:xfrm>
           <a:prstGeom prst="rect">
             <a:avLst/>
@@ -3580,271 +5349,201 @@
           </a:ln>
         </p:spPr>
       </p:pic>
+    </p:spTree>
+  </p:cSld>
+  <p:clrMapOvr>
+    <a:masterClrMapping/>
+  </p:clrMapOvr>
+</p:sld>
+</file>
+
+<file path=ppt/slides/slide10.xml><?xml version="1.0" encoding="utf-8"?>
+<p:sld xmlns:a="http://schemas.openxmlformats.org/drawingml/2006/main" xmlns:r="http://schemas.openxmlformats.org/officeDocument/2006/relationships" xmlns:p="http://schemas.openxmlformats.org/presentationml/2006/main">
+  <p:cSld>
+    <p:spTree>
+      <p:nvGrpSpPr>
+        <p:cNvPr id="1" name=""/>
+        <p:cNvGrpSpPr/>
+        <p:nvPr/>
+      </p:nvGrpSpPr>
+      <p:grpSpPr>
+        <a:xfrm>
+          <a:off x="0" y="0"/>
+          <a:ext cx="0" cy="0"/>
+          <a:chOff x="0" y="0"/>
+          <a:chExt cx="0" cy="0"/>
+        </a:xfrm>
+      </p:grpSpPr>
+      <p:pic>
+        <p:nvPicPr>
+          <p:cNvPr id="1027" name="Picture 3"/>
+          <p:cNvPicPr>
+            <a:picLocks noChangeAspect="1" noChangeArrowheads="1"/>
+          </p:cNvPicPr>
+          <p:nvPr/>
+        </p:nvPicPr>
+        <p:blipFill>
+          <a:blip r:embed="rId3" cstate="print"/>
+          <a:srcRect/>
+          <a:stretch>
+            <a:fillRect/>
+          </a:stretch>
+        </p:blipFill>
+        <p:spPr bwMode="auto">
+          <a:xfrm>
+            <a:off x="323528" y="188640"/>
+            <a:ext cx="1562100" cy="1219200"/>
+          </a:xfrm>
+          <a:prstGeom prst="rect">
+            <a:avLst/>
+          </a:prstGeom>
+          <a:noFill/>
+          <a:ln w="9525">
+            <a:noFill/>
+            <a:miter lim="800000"/>
+            <a:headEnd/>
+            <a:tailEnd/>
+          </a:ln>
+        </p:spPr>
+      </p:pic>
+      <p:pic>
+        <p:nvPicPr>
+          <p:cNvPr id="1028" name="Picture 4"/>
+          <p:cNvPicPr>
+            <a:picLocks noChangeAspect="1" noChangeArrowheads="1"/>
+          </p:cNvPicPr>
+          <p:nvPr/>
+        </p:nvPicPr>
+        <p:blipFill>
+          <a:blip r:embed="rId4" cstate="print"/>
+          <a:srcRect/>
+          <a:stretch>
+            <a:fillRect/>
+          </a:stretch>
+        </p:blipFill>
+        <p:spPr bwMode="auto">
+          <a:xfrm>
+            <a:off x="2123728" y="332656"/>
+            <a:ext cx="2703980" cy="2680518"/>
+          </a:xfrm>
+          <a:prstGeom prst="rect">
+            <a:avLst/>
+          </a:prstGeom>
+          <a:noFill/>
+          <a:ln w="9525">
+            <a:noFill/>
+            <a:miter lim="800000"/>
+            <a:headEnd/>
+            <a:tailEnd/>
+          </a:ln>
+        </p:spPr>
+      </p:pic>
+      <p:pic>
+        <p:nvPicPr>
+          <p:cNvPr id="1029" name="Picture 5"/>
+          <p:cNvPicPr>
+            <a:picLocks noChangeAspect="1" noChangeArrowheads="1"/>
+          </p:cNvPicPr>
+          <p:nvPr/>
+        </p:nvPicPr>
+        <p:blipFill>
+          <a:blip r:embed="rId5" cstate="print"/>
+          <a:srcRect/>
+          <a:stretch>
+            <a:fillRect/>
+          </a:stretch>
+        </p:blipFill>
+        <p:spPr bwMode="auto">
+          <a:xfrm>
+            <a:off x="107504" y="1772816"/>
+            <a:ext cx="1779798" cy="2478410"/>
+          </a:xfrm>
+          <a:prstGeom prst="rect">
+            <a:avLst/>
+          </a:prstGeom>
+          <a:noFill/>
+          <a:ln w="9525">
+            <a:noFill/>
+            <a:miter lim="800000"/>
+            <a:headEnd/>
+            <a:tailEnd/>
+          </a:ln>
+        </p:spPr>
+      </p:pic>
+      <p:pic>
+        <p:nvPicPr>
+          <p:cNvPr id="1030" name="Picture 6"/>
+          <p:cNvPicPr>
+            <a:picLocks noChangeAspect="1" noChangeArrowheads="1"/>
+          </p:cNvPicPr>
+          <p:nvPr/>
+        </p:nvPicPr>
+        <p:blipFill>
+          <a:blip r:embed="rId6" cstate="print"/>
+          <a:srcRect/>
+          <a:stretch>
+            <a:fillRect/>
+          </a:stretch>
+        </p:blipFill>
+        <p:spPr bwMode="auto">
+          <a:xfrm>
+            <a:off x="5076057" y="4365104"/>
+            <a:ext cx="2972312" cy="2179315"/>
+          </a:xfrm>
+          <a:prstGeom prst="rect">
+            <a:avLst/>
+          </a:prstGeom>
+          <a:noFill/>
+          <a:ln w="9525">
+            <a:noFill/>
+            <a:miter lim="800000"/>
+            <a:headEnd/>
+            <a:tailEnd/>
+          </a:ln>
+        </p:spPr>
+      </p:pic>
+      <p:pic>
+        <p:nvPicPr>
+          <p:cNvPr id="1031" name="Picture 7"/>
+          <p:cNvPicPr>
+            <a:picLocks noChangeAspect="1" noChangeArrowheads="1"/>
+          </p:cNvPicPr>
+          <p:nvPr/>
+        </p:nvPicPr>
+        <p:blipFill>
+          <a:blip r:embed="rId7" cstate="print"/>
+          <a:srcRect/>
+          <a:stretch>
+            <a:fillRect/>
+          </a:stretch>
+        </p:blipFill>
+        <p:spPr bwMode="auto">
+          <a:xfrm>
+            <a:off x="5004048" y="548680"/>
+            <a:ext cx="3811332" cy="1977578"/>
+          </a:xfrm>
+          <a:prstGeom prst="rect">
+            <a:avLst/>
+          </a:prstGeom>
+          <a:noFill/>
+          <a:ln w="9525">
+            <a:noFill/>
+            <a:miter lim="800000"/>
+            <a:headEnd/>
+            <a:tailEnd/>
+          </a:ln>
+        </p:spPr>
+      </p:pic>
       <p:cxnSp>
         <p:nvCxnSpPr>
-          <p:cNvPr id="6" name="Connecteur droit avec flèche 5"/>
+          <p:cNvPr id="13" name="Connecteur droit avec flèche 12"/>
           <p:cNvCxnSpPr/>
           <p:nvPr/>
         </p:nvCxnSpPr>
         <p:spPr>
-          <a:xfrm flipH="1" flipV="1">
-            <a:off x="2627784" y="1412776"/>
-            <a:ext cx="216024" cy="179730"/>
-          </a:xfrm>
-          <a:prstGeom prst="straightConnector1">
-            <a:avLst/>
-          </a:prstGeom>
-          <a:ln>
-            <a:tailEnd type="arrow"/>
-          </a:ln>
-        </p:spPr>
-        <p:style>
-          <a:lnRef idx="1">
-            <a:schemeClr val="accent1"/>
-          </a:lnRef>
-          <a:fillRef idx="0">
-            <a:schemeClr val="accent1"/>
-          </a:fillRef>
-          <a:effectRef idx="0">
-            <a:schemeClr val="accent1"/>
-          </a:effectRef>
-          <a:fontRef idx="minor">
-            <a:schemeClr val="tx1"/>
-          </a:fontRef>
-        </p:style>
-      </p:cxnSp>
-      <p:sp>
-        <p:nvSpPr>
-          <p:cNvPr id="7" name="ZoneTexte 6"/>
-          <p:cNvSpPr txBox="1"/>
-          <p:nvPr/>
-        </p:nvSpPr>
-        <p:spPr>
-          <a:xfrm>
-            <a:off x="2843808" y="1628800"/>
-            <a:ext cx="1943161" cy="215444"/>
-          </a:xfrm>
-          <a:prstGeom prst="rect">
-            <a:avLst/>
-          </a:prstGeom>
-          <a:noFill/>
-        </p:spPr>
-        <p:txBody>
-          <a:bodyPr wrap="none" rtlCol="0">
-            <a:spAutoFit/>
-          </a:bodyPr>
-          <a:lstStyle/>
-          <a:p>
-            <a:r>
-              <a:rPr lang="fr-FR" sz="800" dirty="0" smtClean="0"/>
-              <a:t>Recherche sur le nom du macro processus</a:t>
-            </a:r>
-            <a:endParaRPr lang="fr-FR" sz="800" dirty="0"/>
-          </a:p>
-        </p:txBody>
-      </p:sp>
-      <p:cxnSp>
-        <p:nvCxnSpPr>
-          <p:cNvPr id="9" name="Connecteur droit avec flèche 8"/>
-          <p:cNvCxnSpPr/>
-          <p:nvPr/>
-        </p:nvCxnSpPr>
-        <p:spPr>
-          <a:xfrm flipH="1" flipV="1">
-            <a:off x="1835696" y="2060848"/>
-            <a:ext cx="576064" cy="72008"/>
-          </a:xfrm>
-          <a:prstGeom prst="straightConnector1">
-            <a:avLst/>
-          </a:prstGeom>
-          <a:ln>
-            <a:tailEnd type="arrow"/>
-          </a:ln>
-        </p:spPr>
-        <p:style>
-          <a:lnRef idx="1">
-            <a:schemeClr val="accent1"/>
-          </a:lnRef>
-          <a:fillRef idx="0">
-            <a:schemeClr val="accent1"/>
-          </a:fillRef>
-          <a:effectRef idx="0">
-            <a:schemeClr val="accent1"/>
-          </a:effectRef>
-          <a:fontRef idx="minor">
-            <a:schemeClr val="tx1"/>
-          </a:fontRef>
-        </p:style>
-      </p:cxnSp>
-      <p:sp>
-        <p:nvSpPr>
-          <p:cNvPr id="12" name="ZoneTexte 11"/>
-          <p:cNvSpPr txBox="1"/>
-          <p:nvPr/>
-        </p:nvSpPr>
-        <p:spPr>
-          <a:xfrm>
-            <a:off x="2483768" y="1988840"/>
-            <a:ext cx="2143536" cy="215444"/>
-          </a:xfrm>
-          <a:prstGeom prst="rect">
-            <a:avLst/>
-          </a:prstGeom>
-          <a:noFill/>
-        </p:spPr>
-        <p:txBody>
-          <a:bodyPr wrap="none" rtlCol="0">
-            <a:spAutoFit/>
-          </a:bodyPr>
-          <a:lstStyle/>
-          <a:p>
-            <a:r>
-              <a:rPr lang="fr-FR" sz="800" dirty="0" smtClean="0"/>
-              <a:t>Macro Processus ( un clic ouvre la page du MP)</a:t>
-            </a:r>
-            <a:endParaRPr lang="fr-FR" sz="800" dirty="0"/>
-          </a:p>
-        </p:txBody>
-      </p:sp>
-      <p:cxnSp>
-        <p:nvCxnSpPr>
-          <p:cNvPr id="15" name="Connecteur droit avec flèche 14"/>
-          <p:cNvCxnSpPr/>
-          <p:nvPr/>
-        </p:nvCxnSpPr>
-        <p:spPr>
-          <a:xfrm flipH="1">
-            <a:off x="1403648" y="2420888"/>
-            <a:ext cx="936104" cy="0"/>
-          </a:xfrm>
-          <a:prstGeom prst="straightConnector1">
-            <a:avLst/>
-          </a:prstGeom>
-          <a:ln>
-            <a:tailEnd type="arrow"/>
-          </a:ln>
-        </p:spPr>
-        <p:style>
-          <a:lnRef idx="1">
-            <a:schemeClr val="accent1"/>
-          </a:lnRef>
-          <a:fillRef idx="0">
-            <a:schemeClr val="accent1"/>
-          </a:fillRef>
-          <a:effectRef idx="0">
-            <a:schemeClr val="accent1"/>
-          </a:effectRef>
-          <a:fontRef idx="minor">
-            <a:schemeClr val="tx1"/>
-          </a:fontRef>
-        </p:style>
-      </p:cxnSp>
-      <p:sp>
-        <p:nvSpPr>
-          <p:cNvPr id="16" name="ZoneTexte 15"/>
-          <p:cNvSpPr txBox="1"/>
-          <p:nvPr/>
-        </p:nvSpPr>
-        <p:spPr>
-          <a:xfrm>
-            <a:off x="2339752" y="2348880"/>
-            <a:ext cx="2116285" cy="338554"/>
-          </a:xfrm>
-          <a:prstGeom prst="rect">
-            <a:avLst/>
-          </a:prstGeom>
-          <a:noFill/>
-        </p:spPr>
-        <p:txBody>
-          <a:bodyPr wrap="none" rtlCol="0">
-            <a:spAutoFit/>
-          </a:bodyPr>
-          <a:lstStyle/>
-          <a:p>
-            <a:r>
-              <a:rPr lang="fr-FR" sz="800" dirty="0" smtClean="0"/>
-              <a:t>Domaine Métier </a:t>
-            </a:r>
-          </a:p>
-          <a:p>
-            <a:r>
-              <a:rPr lang="fr-FR" sz="800" dirty="0" smtClean="0"/>
-              <a:t>( un clic ouvre la Vue d’ensemble du domaine)</a:t>
-            </a:r>
-            <a:endParaRPr lang="fr-FR" sz="800" dirty="0"/>
-          </a:p>
-        </p:txBody>
-      </p:sp>
-      <p:sp>
-        <p:nvSpPr>
-          <p:cNvPr id="18" name="ZoneTexte 17"/>
-          <p:cNvSpPr txBox="1"/>
-          <p:nvPr/>
-        </p:nvSpPr>
-        <p:spPr>
-          <a:xfrm>
-            <a:off x="755576" y="4437112"/>
-            <a:ext cx="3024336" cy="707886"/>
-          </a:xfrm>
-          <a:prstGeom prst="rect">
-            <a:avLst/>
-          </a:prstGeom>
-          <a:noFill/>
-        </p:spPr>
-        <p:txBody>
-          <a:bodyPr wrap="square" rtlCol="0">
-            <a:spAutoFit/>
-          </a:bodyPr>
-          <a:lstStyle/>
-          <a:p>
-            <a:r>
-              <a:rPr lang="fr-FR" sz="1000" dirty="0" smtClean="0"/>
-              <a:t>La bordure renseigne sur le type de Macro Processus:</a:t>
-            </a:r>
-          </a:p>
-          <a:p>
-            <a:r>
-              <a:rPr lang="fr-FR" sz="1000" dirty="0" smtClean="0"/>
-              <a:t>rouge </a:t>
-            </a:r>
-            <a:r>
-              <a:rPr lang="fr-FR" sz="1000" dirty="0" smtClean="0">
-                <a:sym typeface="Wingdings" pitchFamily="2" charset="2"/>
-              </a:rPr>
-              <a:t> Pilotage</a:t>
-            </a:r>
-          </a:p>
-          <a:p>
-            <a:r>
-              <a:rPr lang="fr-FR" sz="1000" dirty="0" smtClean="0">
-                <a:sym typeface="Wingdings" pitchFamily="2" charset="2"/>
-              </a:rPr>
-              <a:t>bleu     Support</a:t>
-            </a:r>
-          </a:p>
-          <a:p>
-            <a:r>
-              <a:rPr lang="fr-FR" sz="1000" dirty="0" smtClean="0">
-                <a:sym typeface="Wingdings" pitchFamily="2" charset="2"/>
-              </a:rPr>
-              <a:t>vert      Production</a:t>
-            </a:r>
-            <a:endParaRPr lang="fr-FR" sz="1000" dirty="0"/>
-          </a:p>
-        </p:txBody>
-      </p:sp>
-      <p:cxnSp>
-        <p:nvCxnSpPr>
-          <p:cNvPr id="20" name="Connecteur droit avec flèche 19"/>
-          <p:cNvCxnSpPr>
-            <a:endCxn id="1026" idx="2"/>
-          </p:cNvCxnSpPr>
-          <p:nvPr/>
-        </p:nvCxnSpPr>
-        <p:spPr>
-          <a:xfrm flipH="1" flipV="1">
-            <a:off x="1719263" y="4170090"/>
-            <a:ext cx="116433" cy="267022"/>
+          <a:xfrm>
+            <a:off x="1763688" y="548680"/>
+            <a:ext cx="1296144" cy="432048"/>
           </a:xfrm>
           <a:prstGeom prst="straightConnector1">
             <a:avLst/>
@@ -3870,14 +5569,14 @@
       </p:cxnSp>
       <p:cxnSp>
         <p:nvCxnSpPr>
-          <p:cNvPr id="22" name="Connecteur droit avec flèche 21"/>
+          <p:cNvPr id="15" name="Connecteur droit avec flèche 14"/>
           <p:cNvCxnSpPr/>
           <p:nvPr/>
         </p:nvCxnSpPr>
         <p:spPr>
-          <a:xfrm flipV="1">
-            <a:off x="2267744" y="3717032"/>
-            <a:ext cx="216024" cy="648072"/>
+          <a:xfrm>
+            <a:off x="683568" y="764704"/>
+            <a:ext cx="360040" cy="1800200"/>
           </a:xfrm>
           <a:prstGeom prst="straightConnector1">
             <a:avLst/>
@@ -3901,6 +5600,3434 @@
           </a:fontRef>
         </p:style>
       </p:cxnSp>
+      <p:sp>
+        <p:nvSpPr>
+          <p:cNvPr id="16" name="Flèche droite 15"/>
+          <p:cNvSpPr/>
+          <p:nvPr/>
+        </p:nvSpPr>
+        <p:spPr>
+          <a:xfrm rot="17065438">
+            <a:off x="750796" y="4143015"/>
+            <a:ext cx="360040" cy="864096"/>
+          </a:xfrm>
+          <a:prstGeom prst="rightArrow">
+            <a:avLst>
+              <a:gd name="adj1" fmla="val 50000"/>
+              <a:gd name="adj2" fmla="val 100000"/>
+            </a:avLst>
+          </a:prstGeom>
+        </p:spPr>
+        <p:style>
+          <a:lnRef idx="2">
+            <a:schemeClr val="accent1">
+              <a:shade val="50000"/>
+            </a:schemeClr>
+          </a:lnRef>
+          <a:fillRef idx="1">
+            <a:schemeClr val="accent1"/>
+          </a:fillRef>
+          <a:effectRef idx="0">
+            <a:schemeClr val="accent1"/>
+          </a:effectRef>
+          <a:fontRef idx="minor">
+            <a:schemeClr val="lt1"/>
+          </a:fontRef>
+        </p:style>
+        <p:txBody>
+          <a:bodyPr rtlCol="0" anchor="ctr"/>
+          <a:lstStyle/>
+          <a:p>
+            <a:pPr algn="ctr"/>
+            <a:endParaRPr lang="fr-FR"/>
+          </a:p>
+        </p:txBody>
+      </p:sp>
+      <p:sp>
+        <p:nvSpPr>
+          <p:cNvPr id="17" name="ZoneTexte 16"/>
+          <p:cNvSpPr txBox="1"/>
+          <p:nvPr/>
+        </p:nvSpPr>
+        <p:spPr>
+          <a:xfrm>
+            <a:off x="395536" y="5373216"/>
+            <a:ext cx="2013052" cy="369332"/>
+          </a:xfrm>
+          <a:prstGeom prst="rect">
+            <a:avLst/>
+          </a:prstGeom>
+          <a:noFill/>
+        </p:spPr>
+        <p:txBody>
+          <a:bodyPr wrap="none" rtlCol="0">
+            <a:spAutoFit/>
+          </a:bodyPr>
+          <a:lstStyle/>
+          <a:p>
+            <a:r>
+              <a:rPr lang="fr-FR" dirty="0" smtClean="0"/>
+              <a:t>Aide à la navigation</a:t>
+            </a:r>
+            <a:endParaRPr lang="fr-FR" dirty="0"/>
+          </a:p>
+        </p:txBody>
+      </p:sp>
+      <p:cxnSp>
+        <p:nvCxnSpPr>
+          <p:cNvPr id="20" name="Connecteur droit avec flèche 19"/>
+          <p:cNvCxnSpPr/>
+          <p:nvPr/>
+        </p:nvCxnSpPr>
+        <p:spPr>
+          <a:xfrm>
+            <a:off x="1187624" y="1052736"/>
+            <a:ext cx="3888432" cy="3888432"/>
+          </a:xfrm>
+          <a:prstGeom prst="straightConnector1">
+            <a:avLst/>
+          </a:prstGeom>
+          <a:ln>
+            <a:tailEnd type="arrow"/>
+          </a:ln>
+        </p:spPr>
+        <p:style>
+          <a:lnRef idx="1">
+            <a:schemeClr val="accent1"/>
+          </a:lnRef>
+          <a:fillRef idx="0">
+            <a:schemeClr val="accent1"/>
+          </a:fillRef>
+          <a:effectRef idx="0">
+            <a:schemeClr val="accent1"/>
+          </a:effectRef>
+          <a:fontRef idx="minor">
+            <a:schemeClr val="tx1"/>
+          </a:fontRef>
+        </p:style>
+      </p:cxnSp>
+      <p:sp>
+        <p:nvSpPr>
+          <p:cNvPr id="21" name="ZoneTexte 20"/>
+          <p:cNvSpPr txBox="1"/>
+          <p:nvPr/>
+        </p:nvSpPr>
+        <p:spPr>
+          <a:xfrm>
+            <a:off x="2843808" y="5013176"/>
+            <a:ext cx="2184381" cy="646331"/>
+          </a:xfrm>
+          <a:prstGeom prst="rect">
+            <a:avLst/>
+          </a:prstGeom>
+          <a:noFill/>
+        </p:spPr>
+        <p:txBody>
+          <a:bodyPr wrap="none" rtlCol="0">
+            <a:spAutoFit/>
+          </a:bodyPr>
+          <a:lstStyle/>
+          <a:p>
+            <a:r>
+              <a:rPr lang="fr-FR" dirty="0" smtClean="0"/>
+              <a:t>Clic sur l’image ouvre</a:t>
+            </a:r>
+          </a:p>
+          <a:p>
+            <a:r>
+              <a:rPr lang="fr-FR" dirty="0" smtClean="0"/>
+              <a:t> le Méta Modèle</a:t>
+            </a:r>
+            <a:endParaRPr lang="fr-FR" dirty="0"/>
+          </a:p>
+        </p:txBody>
+      </p:sp>
+      <p:cxnSp>
+        <p:nvCxnSpPr>
+          <p:cNvPr id="23" name="Connecteur droit avec flèche 22"/>
+          <p:cNvCxnSpPr/>
+          <p:nvPr/>
+        </p:nvCxnSpPr>
+        <p:spPr>
+          <a:xfrm flipV="1">
+            <a:off x="1259632" y="548680"/>
+            <a:ext cx="3672408" cy="648072"/>
+          </a:xfrm>
+          <a:prstGeom prst="straightConnector1">
+            <a:avLst/>
+          </a:prstGeom>
+          <a:ln>
+            <a:tailEnd type="arrow"/>
+          </a:ln>
+        </p:spPr>
+        <p:style>
+          <a:lnRef idx="1">
+            <a:schemeClr val="accent1"/>
+          </a:lnRef>
+          <a:fillRef idx="0">
+            <a:schemeClr val="accent1"/>
+          </a:fillRef>
+          <a:effectRef idx="0">
+            <a:schemeClr val="accent1"/>
+          </a:effectRef>
+          <a:fontRef idx="minor">
+            <a:schemeClr val="tx1"/>
+          </a:fontRef>
+        </p:style>
+      </p:cxnSp>
+      <p:cxnSp>
+        <p:nvCxnSpPr>
+          <p:cNvPr id="25" name="Connecteur droit avec flèche 24"/>
+          <p:cNvCxnSpPr/>
+          <p:nvPr/>
+        </p:nvCxnSpPr>
+        <p:spPr>
+          <a:xfrm flipV="1">
+            <a:off x="6012160" y="1772816"/>
+            <a:ext cx="432048" cy="1368152"/>
+          </a:xfrm>
+          <a:prstGeom prst="straightConnector1">
+            <a:avLst/>
+          </a:prstGeom>
+          <a:ln>
+            <a:tailEnd type="arrow"/>
+          </a:ln>
+        </p:spPr>
+        <p:style>
+          <a:lnRef idx="1">
+            <a:schemeClr val="accent1"/>
+          </a:lnRef>
+          <a:fillRef idx="0">
+            <a:schemeClr val="accent1"/>
+          </a:fillRef>
+          <a:effectRef idx="0">
+            <a:schemeClr val="accent1"/>
+          </a:effectRef>
+          <a:fontRef idx="minor">
+            <a:schemeClr val="tx1"/>
+          </a:fontRef>
+        </p:style>
+      </p:cxnSp>
+      <p:sp>
+        <p:nvSpPr>
+          <p:cNvPr id="26" name="ZoneTexte 25"/>
+          <p:cNvSpPr txBox="1"/>
+          <p:nvPr/>
+        </p:nvSpPr>
+        <p:spPr>
+          <a:xfrm>
+            <a:off x="4932040" y="3212976"/>
+            <a:ext cx="1854995" cy="400110"/>
+          </a:xfrm>
+          <a:prstGeom prst="rect">
+            <a:avLst/>
+          </a:prstGeom>
+          <a:noFill/>
+        </p:spPr>
+        <p:txBody>
+          <a:bodyPr wrap="none" rtlCol="0">
+            <a:spAutoFit/>
+          </a:bodyPr>
+          <a:lstStyle/>
+          <a:p>
+            <a:r>
+              <a:rPr lang="fr-FR" sz="1000" dirty="0" smtClean="0"/>
+              <a:t>Processus ( un clic ouvre la page</a:t>
+            </a:r>
+          </a:p>
+          <a:p>
+            <a:r>
+              <a:rPr lang="fr-FR" sz="1000" dirty="0" smtClean="0"/>
+              <a:t>processus)</a:t>
+            </a:r>
+            <a:endParaRPr lang="fr-FR" sz="1000" dirty="0"/>
+          </a:p>
+        </p:txBody>
+      </p:sp>
+      <p:cxnSp>
+        <p:nvCxnSpPr>
+          <p:cNvPr id="28" name="Connecteur droit avec flèche 27"/>
+          <p:cNvCxnSpPr/>
+          <p:nvPr/>
+        </p:nvCxnSpPr>
+        <p:spPr>
+          <a:xfrm flipV="1">
+            <a:off x="7812360" y="1628800"/>
+            <a:ext cx="0" cy="1584176"/>
+          </a:xfrm>
+          <a:prstGeom prst="straightConnector1">
+            <a:avLst/>
+          </a:prstGeom>
+          <a:ln>
+            <a:tailEnd type="arrow"/>
+          </a:ln>
+        </p:spPr>
+        <p:style>
+          <a:lnRef idx="1">
+            <a:schemeClr val="accent1"/>
+          </a:lnRef>
+          <a:fillRef idx="0">
+            <a:schemeClr val="accent1"/>
+          </a:fillRef>
+          <a:effectRef idx="0">
+            <a:schemeClr val="accent1"/>
+          </a:effectRef>
+          <a:fontRef idx="minor">
+            <a:schemeClr val="tx1"/>
+          </a:fontRef>
+        </p:style>
+      </p:cxnSp>
+      <p:sp>
+        <p:nvSpPr>
+          <p:cNvPr id="29" name="ZoneTexte 28"/>
+          <p:cNvSpPr txBox="1"/>
+          <p:nvPr/>
+        </p:nvSpPr>
+        <p:spPr>
+          <a:xfrm>
+            <a:off x="6660232" y="3573016"/>
+            <a:ext cx="2153154" cy="400110"/>
+          </a:xfrm>
+          <a:prstGeom prst="rect">
+            <a:avLst/>
+          </a:prstGeom>
+          <a:noFill/>
+        </p:spPr>
+        <p:txBody>
+          <a:bodyPr wrap="none" rtlCol="0">
+            <a:spAutoFit/>
+          </a:bodyPr>
+          <a:lstStyle/>
+          <a:p>
+            <a:r>
+              <a:rPr lang="fr-FR" sz="1000" dirty="0" smtClean="0"/>
+              <a:t>Macro Processus</a:t>
+            </a:r>
+          </a:p>
+          <a:p>
+            <a:r>
+              <a:rPr lang="fr-FR" sz="1000" dirty="0" smtClean="0"/>
+              <a:t>un clic ouvre la page Macro Processus</a:t>
+            </a:r>
+            <a:endParaRPr lang="fr-FR" sz="1000" dirty="0"/>
+          </a:p>
+        </p:txBody>
+      </p:sp>
+      <p:cxnSp>
+        <p:nvCxnSpPr>
+          <p:cNvPr id="31" name="Connecteur droit avec flèche 30"/>
+          <p:cNvCxnSpPr/>
+          <p:nvPr/>
+        </p:nvCxnSpPr>
+        <p:spPr>
+          <a:xfrm flipH="1" flipV="1">
+            <a:off x="6444208" y="1124744"/>
+            <a:ext cx="936104" cy="1944216"/>
+          </a:xfrm>
+          <a:prstGeom prst="straightConnector1">
+            <a:avLst/>
+          </a:prstGeom>
+          <a:ln>
+            <a:tailEnd type="arrow"/>
+          </a:ln>
+        </p:spPr>
+        <p:style>
+          <a:lnRef idx="1">
+            <a:schemeClr val="accent1"/>
+          </a:lnRef>
+          <a:fillRef idx="0">
+            <a:schemeClr val="accent1"/>
+          </a:fillRef>
+          <a:effectRef idx="0">
+            <a:schemeClr val="accent1"/>
+          </a:effectRef>
+          <a:fontRef idx="minor">
+            <a:schemeClr val="tx1"/>
+          </a:fontRef>
+        </p:style>
+      </p:cxnSp>
+      <p:sp>
+        <p:nvSpPr>
+          <p:cNvPr id="32" name="ZoneTexte 31"/>
+          <p:cNvSpPr txBox="1"/>
+          <p:nvPr/>
+        </p:nvSpPr>
+        <p:spPr>
+          <a:xfrm>
+            <a:off x="6804248" y="3140968"/>
+            <a:ext cx="788999" cy="246221"/>
+          </a:xfrm>
+          <a:prstGeom prst="rect">
+            <a:avLst/>
+          </a:prstGeom>
+          <a:noFill/>
+        </p:spPr>
+        <p:txBody>
+          <a:bodyPr wrap="none" rtlCol="0">
+            <a:spAutoFit/>
+          </a:bodyPr>
+          <a:lstStyle/>
+          <a:p>
+            <a:r>
+              <a:rPr lang="fr-FR" sz="1000" dirty="0" smtClean="0"/>
+              <a:t>Diagramme</a:t>
+            </a:r>
+            <a:endParaRPr lang="fr-FR" sz="1000" dirty="0"/>
+          </a:p>
+        </p:txBody>
+      </p:sp>
+    </p:spTree>
+  </p:cSld>
+  <p:clrMapOvr>
+    <a:masterClrMapping/>
+  </p:clrMapOvr>
+</p:sld>
+</file>
+
+<file path=ppt/slides/slide11.xml><?xml version="1.0" encoding="utf-8"?>
+<p:sld xmlns:a="http://schemas.openxmlformats.org/drawingml/2006/main" xmlns:r="http://schemas.openxmlformats.org/officeDocument/2006/relationships" xmlns:p="http://schemas.openxmlformats.org/presentationml/2006/main">
+  <p:cSld>
+    <p:spTree>
+      <p:nvGrpSpPr>
+        <p:cNvPr id="1" name=""/>
+        <p:cNvGrpSpPr/>
+        <p:nvPr/>
+      </p:nvGrpSpPr>
+      <p:grpSpPr>
+        <a:xfrm>
+          <a:off x="0" y="0"/>
+          <a:ext cx="0" cy="0"/>
+          <a:chOff x="0" y="0"/>
+          <a:chExt cx="0" cy="0"/>
+        </a:xfrm>
+      </p:grpSpPr>
+      <p:sp>
+        <p:nvSpPr>
+          <p:cNvPr id="3" name="ZoneTexte 2"/>
+          <p:cNvSpPr txBox="1"/>
+          <p:nvPr/>
+        </p:nvSpPr>
+        <p:spPr>
+          <a:xfrm>
+            <a:off x="251520" y="5229200"/>
+            <a:ext cx="3168650" cy="646112"/>
+          </a:xfrm>
+          <a:prstGeom prst="rect">
+            <a:avLst/>
+          </a:prstGeom>
+        </p:spPr>
+        <p:style>
+          <a:lnRef idx="1">
+            <a:schemeClr val="accent1"/>
+          </a:lnRef>
+          <a:fillRef idx="2">
+            <a:schemeClr val="accent1"/>
+          </a:fillRef>
+          <a:effectRef idx="1">
+            <a:schemeClr val="accent1"/>
+          </a:effectRef>
+          <a:fontRef idx="minor">
+            <a:schemeClr val="dk1"/>
+          </a:fontRef>
+        </p:style>
+        <p:txBody>
+          <a:bodyPr>
+            <a:spAutoFit/>
+          </a:bodyPr>
+          <a:lstStyle/>
+          <a:p>
+            <a:pPr fontAlgn="auto">
+              <a:spcBef>
+                <a:spcPts val="0"/>
+              </a:spcBef>
+              <a:spcAft>
+                <a:spcPts val="0"/>
+              </a:spcAft>
+              <a:defRPr/>
+            </a:pPr>
+            <a:r>
+              <a:rPr lang="fr-FR" dirty="0"/>
+              <a:t>Un clic </a:t>
+            </a:r>
+            <a:r>
+              <a:rPr lang="fr-FR" dirty="0" smtClean="0"/>
+              <a:t>ouvre </a:t>
+            </a:r>
+            <a:r>
+              <a:rPr lang="fr-FR" dirty="0"/>
+              <a:t>la page Fiche applicative</a:t>
+            </a:r>
+          </a:p>
+        </p:txBody>
+      </p:sp>
+      <p:sp>
+        <p:nvSpPr>
+          <p:cNvPr id="4" name="ZoneTexte 3"/>
+          <p:cNvSpPr txBox="1"/>
+          <p:nvPr/>
+        </p:nvSpPr>
+        <p:spPr>
+          <a:xfrm>
+            <a:off x="3924350" y="4940598"/>
+            <a:ext cx="2160587" cy="646331"/>
+          </a:xfrm>
+          <a:prstGeom prst="rect">
+            <a:avLst/>
+          </a:prstGeom>
+        </p:spPr>
+        <p:style>
+          <a:lnRef idx="1">
+            <a:schemeClr val="accent1"/>
+          </a:lnRef>
+          <a:fillRef idx="2">
+            <a:schemeClr val="accent1"/>
+          </a:fillRef>
+          <a:effectRef idx="1">
+            <a:schemeClr val="accent1"/>
+          </a:effectRef>
+          <a:fontRef idx="minor">
+            <a:schemeClr val="dk1"/>
+          </a:fontRef>
+        </p:style>
+        <p:txBody>
+          <a:bodyPr>
+            <a:spAutoFit/>
+          </a:bodyPr>
+          <a:lstStyle/>
+          <a:p>
+            <a:pPr fontAlgn="auto">
+              <a:spcBef>
+                <a:spcPts val="0"/>
+              </a:spcBef>
+              <a:spcAft>
+                <a:spcPts val="0"/>
+              </a:spcAft>
+              <a:defRPr/>
+            </a:pPr>
+            <a:r>
+              <a:rPr lang="fr-FR" dirty="0"/>
+              <a:t>Un clic </a:t>
+            </a:r>
+            <a:r>
+              <a:rPr lang="fr-FR" dirty="0" smtClean="0"/>
+              <a:t>ouvre la page du système applicatif</a:t>
+            </a:r>
+          </a:p>
+        </p:txBody>
+      </p:sp>
+      <p:sp>
+        <p:nvSpPr>
+          <p:cNvPr id="5" name="ZoneTexte 4"/>
+          <p:cNvSpPr txBox="1"/>
+          <p:nvPr/>
+        </p:nvSpPr>
+        <p:spPr>
+          <a:xfrm>
+            <a:off x="4644008" y="260648"/>
+            <a:ext cx="2232224" cy="1477328"/>
+          </a:xfrm>
+          <a:prstGeom prst="rect">
+            <a:avLst/>
+          </a:prstGeom>
+        </p:spPr>
+        <p:style>
+          <a:lnRef idx="1">
+            <a:schemeClr val="accent1"/>
+          </a:lnRef>
+          <a:fillRef idx="3">
+            <a:schemeClr val="accent1"/>
+          </a:fillRef>
+          <a:effectRef idx="2">
+            <a:schemeClr val="accent1"/>
+          </a:effectRef>
+          <a:fontRef idx="minor">
+            <a:schemeClr val="lt1"/>
+          </a:fontRef>
+        </p:style>
+        <p:txBody>
+          <a:bodyPr wrap="square">
+            <a:spAutoFit/>
+          </a:bodyPr>
+          <a:lstStyle/>
+          <a:p>
+            <a:pPr fontAlgn="auto">
+              <a:spcBef>
+                <a:spcPts val="0"/>
+              </a:spcBef>
+              <a:spcAft>
+                <a:spcPts val="0"/>
+              </a:spcAft>
+              <a:defRPr/>
+            </a:pPr>
+            <a:r>
+              <a:rPr lang="fr-FR" dirty="0"/>
+              <a:t>Une fonction de recherche sur le nom pour les systèmes </a:t>
+            </a:r>
+            <a:r>
+              <a:rPr lang="fr-FR" dirty="0" smtClean="0"/>
+              <a:t>applicatifs</a:t>
+            </a:r>
+            <a:endParaRPr lang="fr-FR" dirty="0"/>
+          </a:p>
+          <a:p>
+            <a:pPr fontAlgn="auto">
+              <a:spcBef>
+                <a:spcPts val="0"/>
+              </a:spcBef>
+              <a:spcAft>
+                <a:spcPts val="0"/>
+              </a:spcAft>
+              <a:defRPr/>
+            </a:pPr>
+            <a:endParaRPr lang="fr-FR" dirty="0"/>
+          </a:p>
+        </p:txBody>
+      </p:sp>
+      <p:pic>
+        <p:nvPicPr>
+          <p:cNvPr id="6" name="Picture 2"/>
+          <p:cNvPicPr>
+            <a:picLocks noChangeAspect="1" noChangeArrowheads="1"/>
+          </p:cNvPicPr>
+          <p:nvPr/>
+        </p:nvPicPr>
+        <p:blipFill>
+          <a:blip r:embed="rId3" cstate="print"/>
+          <a:srcRect/>
+          <a:stretch>
+            <a:fillRect/>
+          </a:stretch>
+        </p:blipFill>
+        <p:spPr bwMode="auto">
+          <a:xfrm>
+            <a:off x="360412" y="1268710"/>
+            <a:ext cx="3630613" cy="2376488"/>
+          </a:xfrm>
+          <a:prstGeom prst="rect">
+            <a:avLst/>
+          </a:prstGeom>
+          <a:noFill/>
+          <a:ln w="9525">
+            <a:noFill/>
+            <a:miter lim="800000"/>
+            <a:headEnd/>
+            <a:tailEnd/>
+          </a:ln>
+        </p:spPr>
+      </p:pic>
+      <p:pic>
+        <p:nvPicPr>
+          <p:cNvPr id="7" name="Picture 3"/>
+          <p:cNvPicPr>
+            <a:picLocks noChangeAspect="1" noChangeArrowheads="1"/>
+          </p:cNvPicPr>
+          <p:nvPr/>
+        </p:nvPicPr>
+        <p:blipFill>
+          <a:blip r:embed="rId4" cstate="print"/>
+          <a:srcRect/>
+          <a:stretch>
+            <a:fillRect/>
+          </a:stretch>
+        </p:blipFill>
+        <p:spPr bwMode="auto">
+          <a:xfrm>
+            <a:off x="1187500" y="2924473"/>
+            <a:ext cx="2925762" cy="1944687"/>
+          </a:xfrm>
+          <a:prstGeom prst="rect">
+            <a:avLst/>
+          </a:prstGeom>
+          <a:noFill/>
+          <a:ln w="9525">
+            <a:noFill/>
+            <a:miter lim="800000"/>
+            <a:headEnd/>
+            <a:tailEnd/>
+          </a:ln>
+        </p:spPr>
+      </p:pic>
+      <p:sp>
+        <p:nvSpPr>
+          <p:cNvPr id="8" name="Bulle ronde 7"/>
+          <p:cNvSpPr/>
+          <p:nvPr/>
+        </p:nvSpPr>
+        <p:spPr>
+          <a:xfrm rot="1665299">
+            <a:off x="4916537" y="2029123"/>
+            <a:ext cx="2136775" cy="1695450"/>
+          </a:xfrm>
+          <a:prstGeom prst="wedgeEllipseCallout">
+            <a:avLst>
+              <a:gd name="adj1" fmla="val -54344"/>
+              <a:gd name="adj2" fmla="val 130116"/>
+            </a:avLst>
+          </a:prstGeom>
+        </p:spPr>
+        <p:style>
+          <a:lnRef idx="2">
+            <a:schemeClr val="accent1">
+              <a:shade val="50000"/>
+            </a:schemeClr>
+          </a:lnRef>
+          <a:fillRef idx="1">
+            <a:schemeClr val="accent1"/>
+          </a:fillRef>
+          <a:effectRef idx="0">
+            <a:schemeClr val="accent1"/>
+          </a:effectRef>
+          <a:fontRef idx="minor">
+            <a:schemeClr val="lt1"/>
+          </a:fontRef>
+        </p:style>
+        <p:txBody>
+          <a:bodyPr anchor="ctr"/>
+          <a:lstStyle/>
+          <a:p>
+            <a:pPr algn="ctr" fontAlgn="auto">
+              <a:spcBef>
+                <a:spcPts val="0"/>
+              </a:spcBef>
+              <a:spcAft>
+                <a:spcPts val="0"/>
+              </a:spcAft>
+              <a:defRPr/>
+            </a:pPr>
+            <a:endParaRPr lang="fr-FR"/>
+          </a:p>
+        </p:txBody>
+      </p:sp>
+      <p:sp>
+        <p:nvSpPr>
+          <p:cNvPr id="9" name="ZoneTexte 21"/>
+          <p:cNvSpPr txBox="1">
+            <a:spLocks noChangeArrowheads="1"/>
+          </p:cNvSpPr>
+          <p:nvPr/>
+        </p:nvSpPr>
+        <p:spPr bwMode="auto">
+          <a:xfrm>
+            <a:off x="5003850" y="2492673"/>
+            <a:ext cx="1944687" cy="923925"/>
+          </a:xfrm>
+          <a:prstGeom prst="rect">
+            <a:avLst/>
+          </a:prstGeom>
+          <a:noFill/>
+          <a:ln w="9525">
+            <a:noFill/>
+            <a:miter lim="800000"/>
+            <a:headEnd/>
+            <a:tailEnd/>
+          </a:ln>
+        </p:spPr>
+        <p:txBody>
+          <a:bodyPr>
+            <a:spAutoFit/>
+          </a:bodyPr>
+          <a:lstStyle/>
+          <a:p>
+            <a:pPr algn="ctr"/>
+            <a:r>
+              <a:rPr lang="fr-FR" b="1">
+                <a:solidFill>
+                  <a:schemeClr val="bg1"/>
+                </a:solidFill>
+                <a:latin typeface="Calibri" pitchFamily="34" charset="0"/>
+              </a:rPr>
+              <a:t>Applications par système applicatif</a:t>
+            </a:r>
+          </a:p>
+          <a:p>
+            <a:endParaRPr lang="fr-FR">
+              <a:latin typeface="Calibri" pitchFamily="34" charset="0"/>
+            </a:endParaRPr>
+          </a:p>
+        </p:txBody>
+      </p:sp>
+      <p:cxnSp>
+        <p:nvCxnSpPr>
+          <p:cNvPr id="11" name="Connecteur droit avec flèche 10"/>
+          <p:cNvCxnSpPr/>
+          <p:nvPr/>
+        </p:nvCxnSpPr>
+        <p:spPr>
+          <a:xfrm flipH="1">
+            <a:off x="3275856" y="1412776"/>
+            <a:ext cx="2808312" cy="792088"/>
+          </a:xfrm>
+          <a:prstGeom prst="straightConnector1">
+            <a:avLst/>
+          </a:prstGeom>
+          <a:ln>
+            <a:tailEnd type="arrow"/>
+          </a:ln>
+        </p:spPr>
+        <p:style>
+          <a:lnRef idx="1">
+            <a:schemeClr val="accent1"/>
+          </a:lnRef>
+          <a:fillRef idx="0">
+            <a:schemeClr val="accent1"/>
+          </a:fillRef>
+          <a:effectRef idx="0">
+            <a:schemeClr val="accent1"/>
+          </a:effectRef>
+          <a:fontRef idx="minor">
+            <a:schemeClr val="tx1"/>
+          </a:fontRef>
+        </p:style>
+      </p:cxnSp>
+      <p:cxnSp>
+        <p:nvCxnSpPr>
+          <p:cNvPr id="13" name="Connecteur droit avec flèche 12"/>
+          <p:cNvCxnSpPr/>
+          <p:nvPr/>
+        </p:nvCxnSpPr>
+        <p:spPr>
+          <a:xfrm flipV="1">
+            <a:off x="899592" y="3429000"/>
+            <a:ext cx="1080120" cy="1872208"/>
+          </a:xfrm>
+          <a:prstGeom prst="straightConnector1">
+            <a:avLst/>
+          </a:prstGeom>
+          <a:ln>
+            <a:tailEnd type="arrow"/>
+          </a:ln>
+        </p:spPr>
+        <p:style>
+          <a:lnRef idx="1">
+            <a:schemeClr val="accent1"/>
+          </a:lnRef>
+          <a:fillRef idx="0">
+            <a:schemeClr val="accent1"/>
+          </a:fillRef>
+          <a:effectRef idx="0">
+            <a:schemeClr val="accent1"/>
+          </a:effectRef>
+          <a:fontRef idx="minor">
+            <a:schemeClr val="tx1"/>
+          </a:fontRef>
+        </p:style>
+      </p:cxnSp>
+      <p:cxnSp>
+        <p:nvCxnSpPr>
+          <p:cNvPr id="15" name="Connecteur droit avec flèche 14"/>
+          <p:cNvCxnSpPr/>
+          <p:nvPr/>
+        </p:nvCxnSpPr>
+        <p:spPr>
+          <a:xfrm flipH="1" flipV="1">
+            <a:off x="2771800" y="3140968"/>
+            <a:ext cx="1728192" cy="1800200"/>
+          </a:xfrm>
+          <a:prstGeom prst="straightConnector1">
+            <a:avLst/>
+          </a:prstGeom>
+          <a:ln>
+            <a:tailEnd type="arrow"/>
+          </a:ln>
+        </p:spPr>
+        <p:style>
+          <a:lnRef idx="1">
+            <a:schemeClr val="accent1"/>
+          </a:lnRef>
+          <a:fillRef idx="0">
+            <a:schemeClr val="accent1"/>
+          </a:fillRef>
+          <a:effectRef idx="0">
+            <a:schemeClr val="accent1"/>
+          </a:effectRef>
+          <a:fontRef idx="minor">
+            <a:schemeClr val="tx1"/>
+          </a:fontRef>
+        </p:style>
+      </p:cxnSp>
+    </p:spTree>
+  </p:cSld>
+  <p:clrMapOvr>
+    <a:masterClrMapping/>
+  </p:clrMapOvr>
+</p:sld>
+</file>
+
+<file path=ppt/slides/slide12.xml><?xml version="1.0" encoding="utf-8"?>
+<p:sld xmlns:a="http://schemas.openxmlformats.org/drawingml/2006/main" xmlns:r="http://schemas.openxmlformats.org/officeDocument/2006/relationships" xmlns:p="http://schemas.openxmlformats.org/presentationml/2006/main">
+  <p:cSld>
+    <p:spTree>
+      <p:nvGrpSpPr>
+        <p:cNvPr id="1" name=""/>
+        <p:cNvGrpSpPr/>
+        <p:nvPr/>
+      </p:nvGrpSpPr>
+      <p:grpSpPr>
+        <a:xfrm>
+          <a:off x="0" y="0"/>
+          <a:ext cx="0" cy="0"/>
+          <a:chOff x="0" y="0"/>
+          <a:chExt cx="0" cy="0"/>
+        </a:xfrm>
+      </p:grpSpPr>
+      <p:pic>
+        <p:nvPicPr>
+          <p:cNvPr id="2050" name="Picture 2"/>
+          <p:cNvPicPr>
+            <a:picLocks noChangeAspect="1" noChangeArrowheads="1"/>
+          </p:cNvPicPr>
+          <p:nvPr/>
+        </p:nvPicPr>
+        <p:blipFill>
+          <a:blip r:embed="rId3" cstate="print"/>
+          <a:srcRect/>
+          <a:stretch>
+            <a:fillRect/>
+          </a:stretch>
+        </p:blipFill>
+        <p:spPr bwMode="auto">
+          <a:xfrm>
+            <a:off x="0" y="260648"/>
+            <a:ext cx="5705475" cy="3429000"/>
+          </a:xfrm>
+          <a:prstGeom prst="rect">
+            <a:avLst/>
+          </a:prstGeom>
+          <a:noFill/>
+          <a:ln w="9525">
+            <a:noFill/>
+            <a:miter lim="800000"/>
+            <a:headEnd/>
+            <a:tailEnd/>
+          </a:ln>
+        </p:spPr>
+      </p:pic>
+      <p:cxnSp>
+        <p:nvCxnSpPr>
+          <p:cNvPr id="4" name="Connecteur droit avec flèche 3"/>
+          <p:cNvCxnSpPr/>
+          <p:nvPr/>
+        </p:nvCxnSpPr>
+        <p:spPr>
+          <a:xfrm flipH="1" flipV="1">
+            <a:off x="4860032" y="1196752"/>
+            <a:ext cx="648072" cy="2736304"/>
+          </a:xfrm>
+          <a:prstGeom prst="straightConnector1">
+            <a:avLst/>
+          </a:prstGeom>
+          <a:ln>
+            <a:tailEnd type="arrow"/>
+          </a:ln>
+        </p:spPr>
+        <p:style>
+          <a:lnRef idx="1">
+            <a:schemeClr val="accent1"/>
+          </a:lnRef>
+          <a:fillRef idx="0">
+            <a:schemeClr val="accent1"/>
+          </a:fillRef>
+          <a:effectRef idx="0">
+            <a:schemeClr val="accent1"/>
+          </a:effectRef>
+          <a:fontRef idx="minor">
+            <a:schemeClr val="tx1"/>
+          </a:fontRef>
+        </p:style>
+      </p:cxnSp>
+      <p:sp>
+        <p:nvSpPr>
+          <p:cNvPr id="5" name="ZoneTexte 4"/>
+          <p:cNvSpPr txBox="1"/>
+          <p:nvPr/>
+        </p:nvSpPr>
+        <p:spPr>
+          <a:xfrm>
+            <a:off x="4572000" y="3933056"/>
+            <a:ext cx="1402948" cy="246221"/>
+          </a:xfrm>
+          <a:prstGeom prst="rect">
+            <a:avLst/>
+          </a:prstGeom>
+          <a:noFill/>
+        </p:spPr>
+        <p:txBody>
+          <a:bodyPr wrap="none" rtlCol="0">
+            <a:spAutoFit/>
+          </a:bodyPr>
+          <a:lstStyle/>
+          <a:p>
+            <a:r>
+              <a:rPr lang="fr-FR" sz="1000" dirty="0" smtClean="0"/>
+              <a:t>Coordonnées urbaniste</a:t>
+            </a:r>
+            <a:endParaRPr lang="fr-FR" sz="1000" dirty="0"/>
+          </a:p>
+        </p:txBody>
+      </p:sp>
+      <p:cxnSp>
+        <p:nvCxnSpPr>
+          <p:cNvPr id="7" name="Connecteur droit avec flèche 6"/>
+          <p:cNvCxnSpPr/>
+          <p:nvPr/>
+        </p:nvCxnSpPr>
+        <p:spPr>
+          <a:xfrm flipV="1">
+            <a:off x="2987824" y="1196752"/>
+            <a:ext cx="432048" cy="2880320"/>
+          </a:xfrm>
+          <a:prstGeom prst="straightConnector1">
+            <a:avLst/>
+          </a:prstGeom>
+          <a:ln>
+            <a:tailEnd type="arrow"/>
+          </a:ln>
+        </p:spPr>
+        <p:style>
+          <a:lnRef idx="1">
+            <a:schemeClr val="accent1"/>
+          </a:lnRef>
+          <a:fillRef idx="0">
+            <a:schemeClr val="accent1"/>
+          </a:fillRef>
+          <a:effectRef idx="0">
+            <a:schemeClr val="accent1"/>
+          </a:effectRef>
+          <a:fontRef idx="minor">
+            <a:schemeClr val="tx1"/>
+          </a:fontRef>
+        </p:style>
+      </p:cxnSp>
+      <p:sp>
+        <p:nvSpPr>
+          <p:cNvPr id="8" name="ZoneTexte 7"/>
+          <p:cNvSpPr txBox="1"/>
+          <p:nvPr/>
+        </p:nvSpPr>
+        <p:spPr>
+          <a:xfrm>
+            <a:off x="2483768" y="4149080"/>
+            <a:ext cx="788999" cy="246221"/>
+          </a:xfrm>
+          <a:prstGeom prst="rect">
+            <a:avLst/>
+          </a:prstGeom>
+          <a:noFill/>
+        </p:spPr>
+        <p:txBody>
+          <a:bodyPr wrap="none" rtlCol="0">
+            <a:spAutoFit/>
+          </a:bodyPr>
+          <a:lstStyle/>
+          <a:p>
+            <a:r>
+              <a:rPr lang="fr-FR" sz="1000" dirty="0" smtClean="0"/>
+              <a:t>Diagramme</a:t>
+            </a:r>
+            <a:endParaRPr lang="fr-FR" sz="1000" dirty="0"/>
+          </a:p>
+        </p:txBody>
+      </p:sp>
+      <p:sp>
+        <p:nvSpPr>
+          <p:cNvPr id="9" name="Flèche vers le bas 8"/>
+          <p:cNvSpPr/>
+          <p:nvPr/>
+        </p:nvSpPr>
+        <p:spPr>
+          <a:xfrm rot="11733144">
+            <a:off x="1020292" y="3416656"/>
+            <a:ext cx="504056" cy="432048"/>
+          </a:xfrm>
+          <a:prstGeom prst="downArrow">
+            <a:avLst/>
+          </a:prstGeom>
+        </p:spPr>
+        <p:style>
+          <a:lnRef idx="2">
+            <a:schemeClr val="accent1">
+              <a:shade val="50000"/>
+            </a:schemeClr>
+          </a:lnRef>
+          <a:fillRef idx="1">
+            <a:schemeClr val="accent1"/>
+          </a:fillRef>
+          <a:effectRef idx="0">
+            <a:schemeClr val="accent1"/>
+          </a:effectRef>
+          <a:fontRef idx="minor">
+            <a:schemeClr val="lt1"/>
+          </a:fontRef>
+        </p:style>
+        <p:txBody>
+          <a:bodyPr rtlCol="0" anchor="ctr"/>
+          <a:lstStyle/>
+          <a:p>
+            <a:pPr algn="ctr"/>
+            <a:endParaRPr lang="fr-FR"/>
+          </a:p>
+        </p:txBody>
+      </p:sp>
+      <p:sp>
+        <p:nvSpPr>
+          <p:cNvPr id="10" name="ZoneTexte 9"/>
+          <p:cNvSpPr txBox="1"/>
+          <p:nvPr/>
+        </p:nvSpPr>
+        <p:spPr>
+          <a:xfrm>
+            <a:off x="539552" y="3933056"/>
+            <a:ext cx="1099981" cy="400110"/>
+          </a:xfrm>
+          <a:prstGeom prst="rect">
+            <a:avLst/>
+          </a:prstGeom>
+          <a:noFill/>
+        </p:spPr>
+        <p:txBody>
+          <a:bodyPr wrap="none" rtlCol="0">
+            <a:spAutoFit/>
+          </a:bodyPr>
+          <a:lstStyle/>
+          <a:p>
+            <a:pPr algn="ctr"/>
+            <a:r>
+              <a:rPr lang="fr-FR" sz="1000" dirty="0" smtClean="0"/>
+              <a:t>Un clic ouvre </a:t>
+            </a:r>
+          </a:p>
+          <a:p>
+            <a:pPr algn="ctr"/>
+            <a:r>
+              <a:rPr lang="fr-FR" sz="1000" dirty="0" smtClean="0"/>
+              <a:t>la page processus</a:t>
+            </a:r>
+            <a:endParaRPr lang="fr-FR" sz="1000" dirty="0"/>
+          </a:p>
+        </p:txBody>
+      </p:sp>
+      <p:sp>
+        <p:nvSpPr>
+          <p:cNvPr id="12" name="ZoneTexte 11"/>
+          <p:cNvSpPr txBox="1"/>
+          <p:nvPr/>
+        </p:nvSpPr>
+        <p:spPr>
+          <a:xfrm>
+            <a:off x="611560" y="4581128"/>
+            <a:ext cx="3024336" cy="861774"/>
+          </a:xfrm>
+          <a:prstGeom prst="rect">
+            <a:avLst/>
+          </a:prstGeom>
+          <a:noFill/>
+        </p:spPr>
+        <p:txBody>
+          <a:bodyPr wrap="square" rtlCol="0">
+            <a:spAutoFit/>
+          </a:bodyPr>
+          <a:lstStyle/>
+          <a:p>
+            <a:r>
+              <a:rPr lang="fr-FR" sz="1000" dirty="0" smtClean="0"/>
+              <a:t>La bordure </a:t>
+            </a:r>
+            <a:r>
+              <a:rPr lang="fr-FR" sz="1000" dirty="0" smtClean="0"/>
+              <a:t>ou couleur renseigne </a:t>
+            </a:r>
+            <a:r>
+              <a:rPr lang="fr-FR" sz="1000" dirty="0" smtClean="0"/>
+              <a:t>sur le type </a:t>
+            </a:r>
+            <a:r>
+              <a:rPr lang="fr-FR" sz="1000" dirty="0" smtClean="0"/>
+              <a:t>de Processus </a:t>
+            </a:r>
+            <a:endParaRPr lang="fr-FR" sz="1000" dirty="0" smtClean="0"/>
+          </a:p>
+          <a:p>
+            <a:r>
+              <a:rPr lang="fr-FR" sz="1000" dirty="0" smtClean="0"/>
+              <a:t>rouge </a:t>
+            </a:r>
+            <a:r>
+              <a:rPr lang="fr-FR" sz="1000" dirty="0" smtClean="0">
+                <a:sym typeface="Wingdings" pitchFamily="2" charset="2"/>
+              </a:rPr>
+              <a:t> Pilotage</a:t>
+            </a:r>
+          </a:p>
+          <a:p>
+            <a:r>
+              <a:rPr lang="fr-FR" sz="1000" dirty="0" smtClean="0">
+                <a:sym typeface="Wingdings" pitchFamily="2" charset="2"/>
+              </a:rPr>
+              <a:t>bleu     Support</a:t>
+            </a:r>
+          </a:p>
+          <a:p>
+            <a:r>
+              <a:rPr lang="fr-FR" sz="1000" dirty="0" smtClean="0">
+                <a:sym typeface="Wingdings" pitchFamily="2" charset="2"/>
+              </a:rPr>
+              <a:t>vert      Production</a:t>
+            </a:r>
+            <a:endParaRPr lang="fr-FR" sz="1000" dirty="0"/>
+          </a:p>
+        </p:txBody>
+      </p:sp>
+      <p:cxnSp>
+        <p:nvCxnSpPr>
+          <p:cNvPr id="14" name="Connecteur droit avec flèche 13"/>
+          <p:cNvCxnSpPr/>
+          <p:nvPr/>
+        </p:nvCxnSpPr>
+        <p:spPr>
+          <a:xfrm flipH="1" flipV="1">
+            <a:off x="3203848" y="3140968"/>
+            <a:ext cx="144016" cy="1440160"/>
+          </a:xfrm>
+          <a:prstGeom prst="straightConnector1">
+            <a:avLst/>
+          </a:prstGeom>
+          <a:ln>
+            <a:tailEnd type="arrow"/>
+          </a:ln>
+        </p:spPr>
+        <p:style>
+          <a:lnRef idx="1">
+            <a:schemeClr val="accent1"/>
+          </a:lnRef>
+          <a:fillRef idx="0">
+            <a:schemeClr val="accent1"/>
+          </a:fillRef>
+          <a:effectRef idx="0">
+            <a:schemeClr val="accent1"/>
+          </a:effectRef>
+          <a:fontRef idx="minor">
+            <a:schemeClr val="tx1"/>
+          </a:fontRef>
+        </p:style>
+      </p:cxnSp>
+    </p:spTree>
+  </p:cSld>
+  <p:clrMapOvr>
+    <a:masterClrMapping/>
+  </p:clrMapOvr>
+</p:sld>
+</file>
+
+<file path=ppt/slides/slide13.xml><?xml version="1.0" encoding="utf-8"?>
+<p:sld xmlns:a="http://schemas.openxmlformats.org/drawingml/2006/main" xmlns:r="http://schemas.openxmlformats.org/officeDocument/2006/relationships" xmlns:p="http://schemas.openxmlformats.org/presentationml/2006/main">
+  <p:cSld>
+    <p:spTree>
+      <p:nvGrpSpPr>
+        <p:cNvPr id="1" name=""/>
+        <p:cNvGrpSpPr/>
+        <p:nvPr/>
+      </p:nvGrpSpPr>
+      <p:grpSpPr>
+        <a:xfrm>
+          <a:off x="0" y="0"/>
+          <a:ext cx="0" cy="0"/>
+          <a:chOff x="0" y="0"/>
+          <a:chExt cx="0" cy="0"/>
+        </a:xfrm>
+      </p:grpSpPr>
+      <p:pic>
+        <p:nvPicPr>
+          <p:cNvPr id="5122" name="Picture 2"/>
+          <p:cNvPicPr>
+            <a:picLocks noChangeAspect="1" noChangeArrowheads="1"/>
+          </p:cNvPicPr>
+          <p:nvPr/>
+        </p:nvPicPr>
+        <p:blipFill>
+          <a:blip r:embed="rId3" cstate="print"/>
+          <a:srcRect/>
+          <a:stretch>
+            <a:fillRect/>
+          </a:stretch>
+        </p:blipFill>
+        <p:spPr bwMode="auto">
+          <a:xfrm>
+            <a:off x="395536" y="260648"/>
+            <a:ext cx="4514850" cy="2476500"/>
+          </a:xfrm>
+          <a:prstGeom prst="rect">
+            <a:avLst/>
+          </a:prstGeom>
+          <a:noFill/>
+          <a:ln w="9525">
+            <a:noFill/>
+            <a:miter lim="800000"/>
+            <a:headEnd/>
+            <a:tailEnd/>
+          </a:ln>
+        </p:spPr>
+      </p:pic>
+      <p:cxnSp>
+        <p:nvCxnSpPr>
+          <p:cNvPr id="4" name="Connecteur droit avec flèche 3"/>
+          <p:cNvCxnSpPr/>
+          <p:nvPr/>
+        </p:nvCxnSpPr>
+        <p:spPr>
+          <a:xfrm flipH="1" flipV="1">
+            <a:off x="755576" y="2708920"/>
+            <a:ext cx="144016" cy="1224136"/>
+          </a:xfrm>
+          <a:prstGeom prst="straightConnector1">
+            <a:avLst/>
+          </a:prstGeom>
+          <a:ln>
+            <a:tailEnd type="arrow"/>
+          </a:ln>
+        </p:spPr>
+        <p:style>
+          <a:lnRef idx="1">
+            <a:schemeClr val="accent1"/>
+          </a:lnRef>
+          <a:fillRef idx="0">
+            <a:schemeClr val="accent1"/>
+          </a:fillRef>
+          <a:effectRef idx="0">
+            <a:schemeClr val="accent1"/>
+          </a:effectRef>
+          <a:fontRef idx="minor">
+            <a:schemeClr val="tx1"/>
+          </a:fontRef>
+        </p:style>
+      </p:cxnSp>
+      <p:sp>
+        <p:nvSpPr>
+          <p:cNvPr id="7" name="Ellipse 6"/>
+          <p:cNvSpPr/>
+          <p:nvPr/>
+        </p:nvSpPr>
+        <p:spPr>
+          <a:xfrm>
+            <a:off x="323528" y="3933056"/>
+            <a:ext cx="1584176" cy="504056"/>
+          </a:xfrm>
+          <a:prstGeom prst="ellipse">
+            <a:avLst/>
+          </a:prstGeom>
+        </p:spPr>
+        <p:style>
+          <a:lnRef idx="2">
+            <a:schemeClr val="accent1">
+              <a:shade val="50000"/>
+            </a:schemeClr>
+          </a:lnRef>
+          <a:fillRef idx="1">
+            <a:schemeClr val="accent1"/>
+          </a:fillRef>
+          <a:effectRef idx="0">
+            <a:schemeClr val="accent1"/>
+          </a:effectRef>
+          <a:fontRef idx="minor">
+            <a:schemeClr val="lt1"/>
+          </a:fontRef>
+        </p:style>
+        <p:txBody>
+          <a:bodyPr rtlCol="0" anchor="ctr"/>
+          <a:lstStyle/>
+          <a:p>
+            <a:pPr algn="ctr"/>
+            <a:r>
+              <a:rPr lang="fr-FR" sz="1000" dirty="0" smtClean="0"/>
+              <a:t>Description</a:t>
+            </a:r>
+            <a:endParaRPr lang="fr-FR" sz="1000" dirty="0"/>
+          </a:p>
+        </p:txBody>
+      </p:sp>
+      <p:cxnSp>
+        <p:nvCxnSpPr>
+          <p:cNvPr id="9" name="Connecteur droit avec flèche 8"/>
+          <p:cNvCxnSpPr/>
+          <p:nvPr/>
+        </p:nvCxnSpPr>
+        <p:spPr>
+          <a:xfrm flipH="1" flipV="1">
+            <a:off x="1259632" y="1196752"/>
+            <a:ext cx="1800200" cy="2232248"/>
+          </a:xfrm>
+          <a:prstGeom prst="straightConnector1">
+            <a:avLst/>
+          </a:prstGeom>
+          <a:ln>
+            <a:tailEnd type="arrow"/>
+          </a:ln>
+        </p:spPr>
+        <p:style>
+          <a:lnRef idx="1">
+            <a:schemeClr val="accent1"/>
+          </a:lnRef>
+          <a:fillRef idx="0">
+            <a:schemeClr val="accent1"/>
+          </a:fillRef>
+          <a:effectRef idx="0">
+            <a:schemeClr val="accent1"/>
+          </a:effectRef>
+          <a:fontRef idx="minor">
+            <a:schemeClr val="tx1"/>
+          </a:fontRef>
+        </p:style>
+      </p:cxnSp>
+      <p:sp>
+        <p:nvSpPr>
+          <p:cNvPr id="11" name="Rectangle 10"/>
+          <p:cNvSpPr/>
+          <p:nvPr/>
+        </p:nvSpPr>
+        <p:spPr>
+          <a:xfrm>
+            <a:off x="2915816" y="3429000"/>
+            <a:ext cx="914400" cy="914400"/>
+          </a:xfrm>
+          <a:prstGeom prst="rect">
+            <a:avLst/>
+          </a:prstGeom>
+        </p:spPr>
+        <p:style>
+          <a:lnRef idx="2">
+            <a:schemeClr val="accent1">
+              <a:shade val="50000"/>
+            </a:schemeClr>
+          </a:lnRef>
+          <a:fillRef idx="1">
+            <a:schemeClr val="accent1"/>
+          </a:fillRef>
+          <a:effectRef idx="0">
+            <a:schemeClr val="accent1"/>
+          </a:effectRef>
+          <a:fontRef idx="minor">
+            <a:schemeClr val="lt1"/>
+          </a:fontRef>
+        </p:style>
+        <p:txBody>
+          <a:bodyPr rtlCol="0" anchor="ctr"/>
+          <a:lstStyle/>
+          <a:p>
+            <a:pPr algn="ctr"/>
+            <a:r>
+              <a:rPr lang="fr-FR" sz="1200" dirty="0" smtClean="0"/>
+              <a:t>un clic ouvre la page du domaine</a:t>
+            </a:r>
+            <a:endParaRPr lang="fr-FR" sz="1200" dirty="0"/>
+          </a:p>
+        </p:txBody>
+      </p:sp>
+      <p:pic>
+        <p:nvPicPr>
+          <p:cNvPr id="5123" name="Picture 3"/>
+          <p:cNvPicPr>
+            <a:picLocks noChangeAspect="1" noChangeArrowheads="1"/>
+          </p:cNvPicPr>
+          <p:nvPr/>
+        </p:nvPicPr>
+        <p:blipFill>
+          <a:blip r:embed="rId4" cstate="print"/>
+          <a:srcRect/>
+          <a:stretch>
+            <a:fillRect/>
+          </a:stretch>
+        </p:blipFill>
+        <p:spPr bwMode="auto">
+          <a:xfrm>
+            <a:off x="4211960" y="3284984"/>
+            <a:ext cx="4257469" cy="2031876"/>
+          </a:xfrm>
+          <a:prstGeom prst="rect">
+            <a:avLst/>
+          </a:prstGeom>
+          <a:noFill/>
+          <a:ln w="9525">
+            <a:noFill/>
+            <a:miter lim="800000"/>
+            <a:headEnd/>
+            <a:tailEnd/>
+          </a:ln>
+        </p:spPr>
+      </p:pic>
+      <p:cxnSp>
+        <p:nvCxnSpPr>
+          <p:cNvPr id="14" name="Connecteur droit avec flèche 13"/>
+          <p:cNvCxnSpPr/>
+          <p:nvPr/>
+        </p:nvCxnSpPr>
+        <p:spPr>
+          <a:xfrm>
+            <a:off x="3851920" y="4293096"/>
+            <a:ext cx="360040" cy="360040"/>
+          </a:xfrm>
+          <a:prstGeom prst="straightConnector1">
+            <a:avLst/>
+          </a:prstGeom>
+          <a:ln>
+            <a:tailEnd type="arrow"/>
+          </a:ln>
+        </p:spPr>
+        <p:style>
+          <a:lnRef idx="1">
+            <a:schemeClr val="accent1"/>
+          </a:lnRef>
+          <a:fillRef idx="0">
+            <a:schemeClr val="accent1"/>
+          </a:fillRef>
+          <a:effectRef idx="0">
+            <a:schemeClr val="accent1"/>
+          </a:effectRef>
+          <a:fontRef idx="minor">
+            <a:schemeClr val="tx1"/>
+          </a:fontRef>
+        </p:style>
+      </p:cxnSp>
+    </p:spTree>
+  </p:cSld>
+  <p:clrMapOvr>
+    <a:masterClrMapping/>
+  </p:clrMapOvr>
+</p:sld>
+</file>
+
+<file path=ppt/slides/slide14.xml><?xml version="1.0" encoding="utf-8"?>
+<p:sld xmlns:a="http://schemas.openxmlformats.org/drawingml/2006/main" xmlns:r="http://schemas.openxmlformats.org/officeDocument/2006/relationships" xmlns:p="http://schemas.openxmlformats.org/presentationml/2006/main">
+  <p:cSld>
+    <p:spTree>
+      <p:nvGrpSpPr>
+        <p:cNvPr id="1" name=""/>
+        <p:cNvGrpSpPr/>
+        <p:nvPr/>
+      </p:nvGrpSpPr>
+      <p:grpSpPr>
+        <a:xfrm>
+          <a:off x="0" y="0"/>
+          <a:ext cx="0" cy="0"/>
+          <a:chOff x="0" y="0"/>
+          <a:chExt cx="0" cy="0"/>
+        </a:xfrm>
+      </p:grpSpPr>
+      <p:pic>
+        <p:nvPicPr>
+          <p:cNvPr id="2" name="Picture 2"/>
+          <p:cNvPicPr>
+            <a:picLocks noChangeAspect="1" noChangeArrowheads="1"/>
+          </p:cNvPicPr>
+          <p:nvPr/>
+        </p:nvPicPr>
+        <p:blipFill>
+          <a:blip r:embed="rId3" cstate="print"/>
+          <a:srcRect/>
+          <a:stretch>
+            <a:fillRect/>
+          </a:stretch>
+        </p:blipFill>
+        <p:spPr bwMode="auto">
+          <a:xfrm>
+            <a:off x="4572000" y="3717032"/>
+            <a:ext cx="4283075" cy="2232025"/>
+          </a:xfrm>
+          <a:prstGeom prst="rect">
+            <a:avLst/>
+          </a:prstGeom>
+          <a:noFill/>
+          <a:ln w="9525">
+            <a:noFill/>
+            <a:miter lim="800000"/>
+            <a:headEnd/>
+            <a:tailEnd/>
+          </a:ln>
+        </p:spPr>
+      </p:pic>
+      <p:pic>
+        <p:nvPicPr>
+          <p:cNvPr id="3" name="Picture 3"/>
+          <p:cNvPicPr>
+            <a:picLocks noChangeAspect="1" noChangeArrowheads="1"/>
+          </p:cNvPicPr>
+          <p:nvPr/>
+        </p:nvPicPr>
+        <p:blipFill>
+          <a:blip r:embed="rId4" cstate="print"/>
+          <a:srcRect/>
+          <a:stretch>
+            <a:fillRect/>
+          </a:stretch>
+        </p:blipFill>
+        <p:spPr bwMode="auto">
+          <a:xfrm>
+            <a:off x="179512" y="260648"/>
+            <a:ext cx="4257469" cy="2031876"/>
+          </a:xfrm>
+          <a:prstGeom prst="rect">
+            <a:avLst/>
+          </a:prstGeom>
+          <a:noFill/>
+          <a:ln w="9525">
+            <a:noFill/>
+            <a:miter lim="800000"/>
+            <a:headEnd/>
+            <a:tailEnd/>
+          </a:ln>
+        </p:spPr>
+      </p:pic>
+      <p:cxnSp>
+        <p:nvCxnSpPr>
+          <p:cNvPr id="5" name="Connecteur droit avec flèche 4"/>
+          <p:cNvCxnSpPr/>
+          <p:nvPr/>
+        </p:nvCxnSpPr>
+        <p:spPr>
+          <a:xfrm>
+            <a:off x="2843808" y="620688"/>
+            <a:ext cx="2520280" cy="2808312"/>
+          </a:xfrm>
+          <a:prstGeom prst="straightConnector1">
+            <a:avLst/>
+          </a:prstGeom>
+          <a:ln>
+            <a:tailEnd type="arrow"/>
+          </a:ln>
+        </p:spPr>
+        <p:style>
+          <a:lnRef idx="1">
+            <a:schemeClr val="accent1"/>
+          </a:lnRef>
+          <a:fillRef idx="0">
+            <a:schemeClr val="accent1"/>
+          </a:fillRef>
+          <a:effectRef idx="0">
+            <a:schemeClr val="accent1"/>
+          </a:effectRef>
+          <a:fontRef idx="minor">
+            <a:schemeClr val="tx1"/>
+          </a:fontRef>
+        </p:style>
+      </p:cxnSp>
+      <p:sp>
+        <p:nvSpPr>
+          <p:cNvPr id="6" name="Rectangle 5"/>
+          <p:cNvSpPr/>
+          <p:nvPr/>
+        </p:nvSpPr>
+        <p:spPr>
+          <a:xfrm>
+            <a:off x="4860032" y="3429000"/>
+            <a:ext cx="1944216" cy="216024"/>
+          </a:xfrm>
+          <a:prstGeom prst="rect">
+            <a:avLst/>
+          </a:prstGeom>
+        </p:spPr>
+        <p:style>
+          <a:lnRef idx="2">
+            <a:schemeClr val="accent1">
+              <a:shade val="50000"/>
+            </a:schemeClr>
+          </a:lnRef>
+          <a:fillRef idx="1">
+            <a:schemeClr val="accent1"/>
+          </a:fillRef>
+          <a:effectRef idx="0">
+            <a:schemeClr val="accent1"/>
+          </a:effectRef>
+          <a:fontRef idx="minor">
+            <a:schemeClr val="lt1"/>
+          </a:fontRef>
+        </p:style>
+        <p:txBody>
+          <a:bodyPr rtlCol="0" anchor="ctr"/>
+          <a:lstStyle/>
+          <a:p>
+            <a:pPr algn="ctr"/>
+            <a:r>
+              <a:rPr lang="fr-FR" sz="1000" dirty="0" smtClean="0"/>
+              <a:t>Plan d’occupation des sols</a:t>
+            </a:r>
+            <a:endParaRPr lang="fr-FR" sz="1000" dirty="0"/>
+          </a:p>
+        </p:txBody>
+      </p:sp>
+      <p:sp>
+        <p:nvSpPr>
+          <p:cNvPr id="7" name="Rectangle 6"/>
+          <p:cNvSpPr/>
+          <p:nvPr/>
+        </p:nvSpPr>
+        <p:spPr>
+          <a:xfrm>
+            <a:off x="971600" y="2348880"/>
+            <a:ext cx="1944216" cy="216024"/>
+          </a:xfrm>
+          <a:prstGeom prst="rect">
+            <a:avLst/>
+          </a:prstGeom>
+        </p:spPr>
+        <p:style>
+          <a:lnRef idx="2">
+            <a:schemeClr val="accent1">
+              <a:shade val="50000"/>
+            </a:schemeClr>
+          </a:lnRef>
+          <a:fillRef idx="1">
+            <a:schemeClr val="accent1"/>
+          </a:fillRef>
+          <a:effectRef idx="0">
+            <a:schemeClr val="accent1"/>
+          </a:effectRef>
+          <a:fontRef idx="minor">
+            <a:schemeClr val="lt1"/>
+          </a:fontRef>
+        </p:style>
+        <p:txBody>
+          <a:bodyPr rtlCol="0" anchor="ctr"/>
+          <a:lstStyle/>
+          <a:p>
+            <a:pPr algn="ctr"/>
+            <a:r>
+              <a:rPr lang="fr-FR" sz="1000" dirty="0" smtClean="0"/>
+              <a:t>Couverture applicative</a:t>
+            </a:r>
+            <a:endParaRPr lang="fr-FR" sz="1000" dirty="0"/>
+          </a:p>
+        </p:txBody>
+      </p:sp>
+      <p:cxnSp>
+        <p:nvCxnSpPr>
+          <p:cNvPr id="9" name="Connecteur droit avec flèche 8"/>
+          <p:cNvCxnSpPr/>
+          <p:nvPr/>
+        </p:nvCxnSpPr>
+        <p:spPr>
+          <a:xfrm flipH="1" flipV="1">
+            <a:off x="971600" y="692696"/>
+            <a:ext cx="360040" cy="1656184"/>
+          </a:xfrm>
+          <a:prstGeom prst="straightConnector1">
+            <a:avLst/>
+          </a:prstGeom>
+          <a:ln>
+            <a:tailEnd type="arrow"/>
+          </a:ln>
+        </p:spPr>
+        <p:style>
+          <a:lnRef idx="1">
+            <a:schemeClr val="accent1"/>
+          </a:lnRef>
+          <a:fillRef idx="0">
+            <a:schemeClr val="accent1"/>
+          </a:fillRef>
+          <a:effectRef idx="0">
+            <a:schemeClr val="accent1"/>
+          </a:effectRef>
+          <a:fontRef idx="minor">
+            <a:schemeClr val="tx1"/>
+          </a:fontRef>
+        </p:style>
+      </p:cxnSp>
+      <p:pic>
+        <p:nvPicPr>
+          <p:cNvPr id="6146" name="Picture 2"/>
+          <p:cNvPicPr>
+            <a:picLocks noChangeAspect="1" noChangeArrowheads="1"/>
+          </p:cNvPicPr>
+          <p:nvPr/>
+        </p:nvPicPr>
+        <p:blipFill>
+          <a:blip r:embed="rId5" cstate="print"/>
+          <a:srcRect/>
+          <a:stretch>
+            <a:fillRect/>
+          </a:stretch>
+        </p:blipFill>
+        <p:spPr bwMode="auto">
+          <a:xfrm>
+            <a:off x="467544" y="4005064"/>
+            <a:ext cx="3416821" cy="1233644"/>
+          </a:xfrm>
+          <a:prstGeom prst="rect">
+            <a:avLst/>
+          </a:prstGeom>
+          <a:noFill/>
+          <a:ln w="9525">
+            <a:noFill/>
+            <a:miter lim="800000"/>
+            <a:headEnd/>
+            <a:tailEnd/>
+          </a:ln>
+        </p:spPr>
+      </p:pic>
+      <p:cxnSp>
+        <p:nvCxnSpPr>
+          <p:cNvPr id="13" name="Connecteur droit avec flèche 12"/>
+          <p:cNvCxnSpPr/>
+          <p:nvPr/>
+        </p:nvCxnSpPr>
+        <p:spPr>
+          <a:xfrm>
+            <a:off x="1763688" y="620688"/>
+            <a:ext cx="72008" cy="3312368"/>
+          </a:xfrm>
+          <a:prstGeom prst="straightConnector1">
+            <a:avLst/>
+          </a:prstGeom>
+          <a:ln>
+            <a:tailEnd type="arrow"/>
+          </a:ln>
+        </p:spPr>
+        <p:style>
+          <a:lnRef idx="1">
+            <a:schemeClr val="accent1"/>
+          </a:lnRef>
+          <a:fillRef idx="0">
+            <a:schemeClr val="accent1"/>
+          </a:fillRef>
+          <a:effectRef idx="0">
+            <a:schemeClr val="accent1"/>
+          </a:effectRef>
+          <a:fontRef idx="minor">
+            <a:schemeClr val="tx1"/>
+          </a:fontRef>
+        </p:style>
+      </p:cxnSp>
+      <p:sp>
+        <p:nvSpPr>
+          <p:cNvPr id="14" name="Rectangle 13"/>
+          <p:cNvSpPr/>
+          <p:nvPr/>
+        </p:nvSpPr>
+        <p:spPr>
+          <a:xfrm>
+            <a:off x="611560" y="5301208"/>
+            <a:ext cx="1944216" cy="216024"/>
+          </a:xfrm>
+          <a:prstGeom prst="rect">
+            <a:avLst/>
+          </a:prstGeom>
+        </p:spPr>
+        <p:style>
+          <a:lnRef idx="2">
+            <a:schemeClr val="accent1">
+              <a:shade val="50000"/>
+            </a:schemeClr>
+          </a:lnRef>
+          <a:fillRef idx="1">
+            <a:schemeClr val="accent1"/>
+          </a:fillRef>
+          <a:effectRef idx="0">
+            <a:schemeClr val="accent1"/>
+          </a:effectRef>
+          <a:fontRef idx="minor">
+            <a:schemeClr val="lt1"/>
+          </a:fontRef>
+        </p:style>
+        <p:txBody>
+          <a:bodyPr rtlCol="0" anchor="ctr"/>
+          <a:lstStyle/>
+          <a:p>
+            <a:pPr algn="ctr"/>
+            <a:r>
+              <a:rPr lang="fr-FR" sz="1000" dirty="0" smtClean="0"/>
+              <a:t>Décomposition applicative</a:t>
+            </a:r>
+            <a:endParaRPr lang="fr-FR" sz="1000" dirty="0"/>
+          </a:p>
+        </p:txBody>
+      </p:sp>
+      <p:cxnSp>
+        <p:nvCxnSpPr>
+          <p:cNvPr id="16" name="Connecteur droit avec flèche 15"/>
+          <p:cNvCxnSpPr/>
+          <p:nvPr/>
+        </p:nvCxnSpPr>
+        <p:spPr>
+          <a:xfrm flipH="1" flipV="1">
+            <a:off x="3491880" y="4941168"/>
+            <a:ext cx="216024" cy="864096"/>
+          </a:xfrm>
+          <a:prstGeom prst="straightConnector1">
+            <a:avLst/>
+          </a:prstGeom>
+          <a:ln>
+            <a:tailEnd type="arrow"/>
+          </a:ln>
+        </p:spPr>
+        <p:style>
+          <a:lnRef idx="1">
+            <a:schemeClr val="accent1"/>
+          </a:lnRef>
+          <a:fillRef idx="0">
+            <a:schemeClr val="accent1"/>
+          </a:fillRef>
+          <a:effectRef idx="0">
+            <a:schemeClr val="accent1"/>
+          </a:effectRef>
+          <a:fontRef idx="minor">
+            <a:schemeClr val="tx1"/>
+          </a:fontRef>
+        </p:style>
+      </p:cxnSp>
+      <p:sp>
+        <p:nvSpPr>
+          <p:cNvPr id="20" name="Rectangle à coins arrondis 19"/>
+          <p:cNvSpPr/>
+          <p:nvPr/>
+        </p:nvSpPr>
+        <p:spPr>
+          <a:xfrm>
+            <a:off x="2987824" y="5949280"/>
+            <a:ext cx="1728192" cy="648072"/>
+          </a:xfrm>
+          <a:prstGeom prst="roundRect">
+            <a:avLst/>
+          </a:prstGeom>
+        </p:spPr>
+        <p:style>
+          <a:lnRef idx="2">
+            <a:schemeClr val="accent1">
+              <a:shade val="50000"/>
+            </a:schemeClr>
+          </a:lnRef>
+          <a:fillRef idx="1">
+            <a:schemeClr val="accent1"/>
+          </a:fillRef>
+          <a:effectRef idx="0">
+            <a:schemeClr val="accent1"/>
+          </a:effectRef>
+          <a:fontRef idx="minor">
+            <a:schemeClr val="lt1"/>
+          </a:fontRef>
+        </p:style>
+        <p:txBody>
+          <a:bodyPr rtlCol="0" anchor="ctr"/>
+          <a:lstStyle/>
+          <a:p>
+            <a:pPr algn="ctr"/>
+            <a:r>
+              <a:rPr lang="fr-FR" sz="1000" dirty="0" smtClean="0"/>
+              <a:t>Décomposition en Zone-Quartier-Application</a:t>
+            </a:r>
+            <a:endParaRPr lang="fr-FR" sz="1000" dirty="0"/>
+          </a:p>
+        </p:txBody>
+      </p:sp>
+      <p:cxnSp>
+        <p:nvCxnSpPr>
+          <p:cNvPr id="24" name="Connecteur droit avec flèche 23"/>
+          <p:cNvCxnSpPr/>
+          <p:nvPr/>
+        </p:nvCxnSpPr>
+        <p:spPr>
+          <a:xfrm flipV="1">
+            <a:off x="2627784" y="4797152"/>
+            <a:ext cx="144016" cy="1368152"/>
+          </a:xfrm>
+          <a:prstGeom prst="straightConnector1">
+            <a:avLst/>
+          </a:prstGeom>
+          <a:ln>
+            <a:tailEnd type="arrow"/>
+          </a:ln>
+        </p:spPr>
+        <p:style>
+          <a:lnRef idx="1">
+            <a:schemeClr val="accent1"/>
+          </a:lnRef>
+          <a:fillRef idx="0">
+            <a:schemeClr val="accent1"/>
+          </a:fillRef>
+          <a:effectRef idx="0">
+            <a:schemeClr val="accent1"/>
+          </a:effectRef>
+          <a:fontRef idx="minor">
+            <a:schemeClr val="tx1"/>
+          </a:fontRef>
+        </p:style>
+      </p:cxnSp>
+      <p:sp>
+        <p:nvSpPr>
+          <p:cNvPr id="25" name="ZoneTexte 24"/>
+          <p:cNvSpPr txBox="1"/>
+          <p:nvPr/>
+        </p:nvSpPr>
+        <p:spPr>
+          <a:xfrm>
+            <a:off x="827584" y="6165304"/>
+            <a:ext cx="2085827" cy="246221"/>
+          </a:xfrm>
+          <a:prstGeom prst="rect">
+            <a:avLst/>
+          </a:prstGeom>
+          <a:noFill/>
+        </p:spPr>
+        <p:txBody>
+          <a:bodyPr wrap="none" rtlCol="0">
+            <a:spAutoFit/>
+          </a:bodyPr>
+          <a:lstStyle/>
+          <a:p>
+            <a:r>
+              <a:rPr lang="fr-FR" sz="1000" dirty="0" smtClean="0"/>
+              <a:t>Un clic ouvre la page de l’application</a:t>
+            </a:r>
+            <a:endParaRPr lang="fr-FR" sz="1000" dirty="0"/>
+          </a:p>
+        </p:txBody>
+      </p:sp>
+      <p:pic>
+        <p:nvPicPr>
+          <p:cNvPr id="6147" name="Picture 3"/>
+          <p:cNvPicPr>
+            <a:picLocks noChangeAspect="1" noChangeArrowheads="1"/>
+          </p:cNvPicPr>
+          <p:nvPr/>
+        </p:nvPicPr>
+        <p:blipFill>
+          <a:blip r:embed="rId6" cstate="print"/>
+          <a:srcRect/>
+          <a:stretch>
+            <a:fillRect/>
+          </a:stretch>
+        </p:blipFill>
+        <p:spPr bwMode="auto">
+          <a:xfrm>
+            <a:off x="4716016" y="260648"/>
+            <a:ext cx="4233863" cy="1295400"/>
+          </a:xfrm>
+          <a:prstGeom prst="rect">
+            <a:avLst/>
+          </a:prstGeom>
+          <a:noFill/>
+          <a:ln w="9525">
+            <a:noFill/>
+            <a:miter lim="800000"/>
+            <a:headEnd/>
+            <a:tailEnd/>
+          </a:ln>
+        </p:spPr>
+      </p:pic>
+      <p:cxnSp>
+        <p:nvCxnSpPr>
+          <p:cNvPr id="29" name="Connecteur droit avec flèche 28"/>
+          <p:cNvCxnSpPr/>
+          <p:nvPr/>
+        </p:nvCxnSpPr>
+        <p:spPr>
+          <a:xfrm>
+            <a:off x="3635896" y="620688"/>
+            <a:ext cx="1080120" cy="0"/>
+          </a:xfrm>
+          <a:prstGeom prst="straightConnector1">
+            <a:avLst/>
+          </a:prstGeom>
+          <a:ln>
+            <a:tailEnd type="arrow"/>
+          </a:ln>
+        </p:spPr>
+        <p:style>
+          <a:lnRef idx="1">
+            <a:schemeClr val="accent1"/>
+          </a:lnRef>
+          <a:fillRef idx="0">
+            <a:schemeClr val="accent1"/>
+          </a:fillRef>
+          <a:effectRef idx="0">
+            <a:schemeClr val="accent1"/>
+          </a:effectRef>
+          <a:fontRef idx="minor">
+            <a:schemeClr val="tx1"/>
+          </a:fontRef>
+        </p:style>
+      </p:cxnSp>
+      <p:sp>
+        <p:nvSpPr>
+          <p:cNvPr id="31" name="Rectangle 30"/>
+          <p:cNvSpPr/>
+          <p:nvPr/>
+        </p:nvSpPr>
+        <p:spPr>
+          <a:xfrm>
+            <a:off x="5364088" y="1484784"/>
+            <a:ext cx="1944216" cy="216024"/>
+          </a:xfrm>
+          <a:prstGeom prst="rect">
+            <a:avLst/>
+          </a:prstGeom>
+        </p:spPr>
+        <p:style>
+          <a:lnRef idx="2">
+            <a:schemeClr val="accent1">
+              <a:shade val="50000"/>
+            </a:schemeClr>
+          </a:lnRef>
+          <a:fillRef idx="1">
+            <a:schemeClr val="accent1"/>
+          </a:fillRef>
+          <a:effectRef idx="0">
+            <a:schemeClr val="accent1"/>
+          </a:effectRef>
+          <a:fontRef idx="minor">
+            <a:schemeClr val="lt1"/>
+          </a:fontRef>
+        </p:style>
+        <p:txBody>
+          <a:bodyPr rtlCol="0" anchor="ctr"/>
+          <a:lstStyle/>
+          <a:p>
+            <a:pPr algn="ctr"/>
+            <a:r>
+              <a:rPr lang="fr-FR" sz="1000" dirty="0" smtClean="0"/>
+              <a:t>Décomposition fonctionnelle</a:t>
+            </a:r>
+            <a:endParaRPr lang="fr-FR" sz="1000" dirty="0"/>
+          </a:p>
+        </p:txBody>
+      </p:sp>
+      <p:sp>
+        <p:nvSpPr>
+          <p:cNvPr id="32" name="Rectangle à coins arrondis 31"/>
+          <p:cNvSpPr/>
+          <p:nvPr/>
+        </p:nvSpPr>
+        <p:spPr>
+          <a:xfrm>
+            <a:off x="7020272" y="1844824"/>
+            <a:ext cx="1728192" cy="648072"/>
+          </a:xfrm>
+          <a:prstGeom prst="roundRect">
+            <a:avLst/>
+          </a:prstGeom>
+        </p:spPr>
+        <p:style>
+          <a:lnRef idx="2">
+            <a:schemeClr val="accent1">
+              <a:shade val="50000"/>
+            </a:schemeClr>
+          </a:lnRef>
+          <a:fillRef idx="1">
+            <a:schemeClr val="accent1"/>
+          </a:fillRef>
+          <a:effectRef idx="0">
+            <a:schemeClr val="accent1"/>
+          </a:effectRef>
+          <a:fontRef idx="minor">
+            <a:schemeClr val="lt1"/>
+          </a:fontRef>
+        </p:style>
+        <p:txBody>
+          <a:bodyPr rtlCol="0" anchor="ctr"/>
+          <a:lstStyle/>
+          <a:p>
+            <a:pPr algn="ctr"/>
+            <a:r>
+              <a:rPr lang="fr-FR" sz="1000" dirty="0" smtClean="0"/>
+              <a:t>Décomposition en Zone-Quartier-</a:t>
+            </a:r>
+            <a:r>
+              <a:rPr lang="fr-FR" sz="1000" dirty="0" err="1" smtClean="0"/>
+              <a:t>Ilôt</a:t>
+            </a:r>
+            <a:r>
+              <a:rPr lang="fr-FR" sz="1000" dirty="0" smtClean="0"/>
+              <a:t>-Fonction</a:t>
+            </a:r>
+            <a:endParaRPr lang="fr-FR" sz="1000" dirty="0"/>
+          </a:p>
+        </p:txBody>
+      </p:sp>
+      <p:cxnSp>
+        <p:nvCxnSpPr>
+          <p:cNvPr id="34" name="Connecteur droit avec flèche 33"/>
+          <p:cNvCxnSpPr/>
+          <p:nvPr/>
+        </p:nvCxnSpPr>
+        <p:spPr>
+          <a:xfrm flipV="1">
+            <a:off x="4860032" y="1412776"/>
+            <a:ext cx="288032" cy="504056"/>
+          </a:xfrm>
+          <a:prstGeom prst="straightConnector1">
+            <a:avLst/>
+          </a:prstGeom>
+          <a:ln>
+            <a:tailEnd type="arrow"/>
+          </a:ln>
+        </p:spPr>
+        <p:style>
+          <a:lnRef idx="1">
+            <a:schemeClr val="accent1"/>
+          </a:lnRef>
+          <a:fillRef idx="0">
+            <a:schemeClr val="accent1"/>
+          </a:fillRef>
+          <a:effectRef idx="0">
+            <a:schemeClr val="accent1"/>
+          </a:effectRef>
+          <a:fontRef idx="minor">
+            <a:schemeClr val="tx1"/>
+          </a:fontRef>
+        </p:style>
+      </p:cxnSp>
+      <p:sp>
+        <p:nvSpPr>
+          <p:cNvPr id="36" name="ZoneTexte 35"/>
+          <p:cNvSpPr txBox="1"/>
+          <p:nvPr/>
+        </p:nvSpPr>
+        <p:spPr>
+          <a:xfrm>
+            <a:off x="4572000" y="1988840"/>
+            <a:ext cx="2002471" cy="246221"/>
+          </a:xfrm>
+          <a:prstGeom prst="rect">
+            <a:avLst/>
+          </a:prstGeom>
+          <a:noFill/>
+        </p:spPr>
+        <p:txBody>
+          <a:bodyPr wrap="none" rtlCol="0">
+            <a:spAutoFit/>
+          </a:bodyPr>
+          <a:lstStyle/>
+          <a:p>
+            <a:r>
+              <a:rPr lang="fr-FR" sz="1000" dirty="0" smtClean="0"/>
+              <a:t>Un clic ouvre la page de la fonction</a:t>
+            </a:r>
+            <a:endParaRPr lang="fr-FR" sz="1000" dirty="0"/>
+          </a:p>
+        </p:txBody>
+      </p:sp>
+      <p:pic>
+        <p:nvPicPr>
+          <p:cNvPr id="6149" name="Picture 5"/>
+          <p:cNvPicPr>
+            <a:picLocks noChangeAspect="1" noChangeArrowheads="1"/>
+          </p:cNvPicPr>
+          <p:nvPr/>
+        </p:nvPicPr>
+        <p:blipFill>
+          <a:blip r:embed="rId7" cstate="print"/>
+          <a:srcRect/>
+          <a:stretch>
+            <a:fillRect/>
+          </a:stretch>
+        </p:blipFill>
+        <p:spPr bwMode="auto">
+          <a:xfrm>
+            <a:off x="5868144" y="2276872"/>
+            <a:ext cx="908124" cy="984437"/>
+          </a:xfrm>
+          <a:prstGeom prst="rect">
+            <a:avLst/>
+          </a:prstGeom>
+          <a:noFill/>
+          <a:ln w="9525">
+            <a:noFill/>
+            <a:miter lim="800000"/>
+            <a:headEnd/>
+            <a:tailEnd/>
+          </a:ln>
+        </p:spPr>
+      </p:pic>
+      <p:cxnSp>
+        <p:nvCxnSpPr>
+          <p:cNvPr id="39" name="Connecteur droit avec flèche 38"/>
+          <p:cNvCxnSpPr/>
+          <p:nvPr/>
+        </p:nvCxnSpPr>
+        <p:spPr>
+          <a:xfrm>
+            <a:off x="5436096" y="2204864"/>
+            <a:ext cx="432048" cy="432048"/>
+          </a:xfrm>
+          <a:prstGeom prst="straightConnector1">
+            <a:avLst/>
+          </a:prstGeom>
+          <a:ln>
+            <a:tailEnd type="arrow"/>
+          </a:ln>
+        </p:spPr>
+        <p:style>
+          <a:lnRef idx="1">
+            <a:schemeClr val="accent1"/>
+          </a:lnRef>
+          <a:fillRef idx="0">
+            <a:schemeClr val="accent1"/>
+          </a:fillRef>
+          <a:effectRef idx="0">
+            <a:schemeClr val="accent1"/>
+          </a:effectRef>
+          <a:fontRef idx="minor">
+            <a:schemeClr val="tx1"/>
+          </a:fontRef>
+        </p:style>
+      </p:cxnSp>
+    </p:spTree>
+  </p:cSld>
+  <p:clrMapOvr>
+    <a:masterClrMapping/>
+  </p:clrMapOvr>
+</p:sld>
+</file>
+
+<file path=ppt/slides/slide15.xml><?xml version="1.0" encoding="utf-8"?>
+<p:sld xmlns:a="http://schemas.openxmlformats.org/drawingml/2006/main" xmlns:r="http://schemas.openxmlformats.org/officeDocument/2006/relationships" xmlns:p="http://schemas.openxmlformats.org/presentationml/2006/main">
+  <p:cSld>
+    <p:spTree>
+      <p:nvGrpSpPr>
+        <p:cNvPr id="1" name=""/>
+        <p:cNvGrpSpPr/>
+        <p:nvPr/>
+      </p:nvGrpSpPr>
+      <p:grpSpPr>
+        <a:xfrm>
+          <a:off x="0" y="0"/>
+          <a:ext cx="0" cy="0"/>
+          <a:chOff x="0" y="0"/>
+          <a:chExt cx="0" cy="0"/>
+        </a:xfrm>
+      </p:grpSpPr>
+      <p:pic>
+        <p:nvPicPr>
+          <p:cNvPr id="7170" name="Picture 2"/>
+          <p:cNvPicPr>
+            <a:picLocks noChangeAspect="1" noChangeArrowheads="1"/>
+          </p:cNvPicPr>
+          <p:nvPr/>
+        </p:nvPicPr>
+        <p:blipFill>
+          <a:blip r:embed="rId3" cstate="print"/>
+          <a:srcRect/>
+          <a:stretch>
+            <a:fillRect/>
+          </a:stretch>
+        </p:blipFill>
+        <p:spPr bwMode="auto">
+          <a:xfrm>
+            <a:off x="395536" y="476672"/>
+            <a:ext cx="3009180" cy="2759571"/>
+          </a:xfrm>
+          <a:prstGeom prst="rect">
+            <a:avLst/>
+          </a:prstGeom>
+          <a:noFill/>
+          <a:ln w="9525">
+            <a:noFill/>
+            <a:miter lim="800000"/>
+            <a:headEnd/>
+            <a:tailEnd/>
+          </a:ln>
+        </p:spPr>
+      </p:pic>
+      <p:sp>
+        <p:nvSpPr>
+          <p:cNvPr id="3" name="Rectangle 2"/>
+          <p:cNvSpPr/>
+          <p:nvPr/>
+        </p:nvSpPr>
+        <p:spPr>
+          <a:xfrm>
+            <a:off x="3347864" y="1340768"/>
+            <a:ext cx="914400" cy="914400"/>
+          </a:xfrm>
+          <a:prstGeom prst="rect">
+            <a:avLst/>
+          </a:prstGeom>
+        </p:spPr>
+        <p:style>
+          <a:lnRef idx="2">
+            <a:schemeClr val="accent1">
+              <a:shade val="50000"/>
+            </a:schemeClr>
+          </a:lnRef>
+          <a:fillRef idx="1">
+            <a:schemeClr val="accent1"/>
+          </a:fillRef>
+          <a:effectRef idx="0">
+            <a:schemeClr val="accent1"/>
+          </a:effectRef>
+          <a:fontRef idx="minor">
+            <a:schemeClr val="lt1"/>
+          </a:fontRef>
+        </p:style>
+        <p:txBody>
+          <a:bodyPr rtlCol="0" anchor="ctr"/>
+          <a:lstStyle/>
+          <a:p>
+            <a:pPr algn="ctr"/>
+            <a:r>
+              <a:rPr lang="fr-FR" sz="1200" dirty="0" smtClean="0"/>
+              <a:t>Page de la fonction</a:t>
+            </a:r>
+            <a:endParaRPr lang="fr-FR" sz="1200" dirty="0"/>
+          </a:p>
+        </p:txBody>
+      </p:sp>
+    </p:spTree>
+  </p:cSld>
+  <p:clrMapOvr>
+    <a:masterClrMapping/>
+  </p:clrMapOvr>
+</p:sld>
+</file>
+
+<file path=ppt/slides/slide16.xml><?xml version="1.0" encoding="utf-8"?>
+<p:sld xmlns:a="http://schemas.openxmlformats.org/drawingml/2006/main" xmlns:r="http://schemas.openxmlformats.org/officeDocument/2006/relationships" xmlns:p="http://schemas.openxmlformats.org/presentationml/2006/main">
+  <p:cSld>
+    <p:spTree>
+      <p:nvGrpSpPr>
+        <p:cNvPr id="1" name=""/>
+        <p:cNvGrpSpPr/>
+        <p:nvPr/>
+      </p:nvGrpSpPr>
+      <p:grpSpPr>
+        <a:xfrm>
+          <a:off x="0" y="0"/>
+          <a:ext cx="0" cy="0"/>
+          <a:chOff x="0" y="0"/>
+          <a:chExt cx="0" cy="0"/>
+        </a:xfrm>
+      </p:grpSpPr>
+      <p:sp>
+        <p:nvSpPr>
+          <p:cNvPr id="2" name="ZoneTexte 1"/>
+          <p:cNvSpPr txBox="1"/>
+          <p:nvPr/>
+        </p:nvSpPr>
+        <p:spPr>
+          <a:xfrm>
+            <a:off x="107504" y="4509120"/>
+            <a:ext cx="2580130" cy="276999"/>
+          </a:xfrm>
+          <a:prstGeom prst="rect">
+            <a:avLst/>
+          </a:prstGeom>
+        </p:spPr>
+        <p:style>
+          <a:lnRef idx="1">
+            <a:schemeClr val="accent1"/>
+          </a:lnRef>
+          <a:fillRef idx="2">
+            <a:schemeClr val="accent1"/>
+          </a:fillRef>
+          <a:effectRef idx="1">
+            <a:schemeClr val="accent1"/>
+          </a:effectRef>
+          <a:fontRef idx="minor">
+            <a:schemeClr val="dk1"/>
+          </a:fontRef>
+        </p:style>
+        <p:txBody>
+          <a:bodyPr wrap="none">
+            <a:spAutoFit/>
+          </a:bodyPr>
+          <a:lstStyle/>
+          <a:p>
+            <a:pPr fontAlgn="auto">
+              <a:spcBef>
+                <a:spcPts val="0"/>
+              </a:spcBef>
+              <a:spcAft>
+                <a:spcPts val="0"/>
+              </a:spcAft>
+              <a:defRPr/>
+            </a:pPr>
+            <a:r>
+              <a:rPr lang="fr-FR" sz="1200" dirty="0"/>
+              <a:t>Fiche applicative avec flux et fonctions</a:t>
+            </a:r>
+          </a:p>
+        </p:txBody>
+      </p:sp>
+      <p:sp>
+        <p:nvSpPr>
+          <p:cNvPr id="3" name="ZoneTexte 2"/>
+          <p:cNvSpPr txBox="1"/>
+          <p:nvPr/>
+        </p:nvSpPr>
+        <p:spPr>
+          <a:xfrm>
+            <a:off x="2699792" y="3933056"/>
+            <a:ext cx="968598" cy="276999"/>
+          </a:xfrm>
+          <a:prstGeom prst="rect">
+            <a:avLst/>
+          </a:prstGeom>
+        </p:spPr>
+        <p:style>
+          <a:lnRef idx="1">
+            <a:schemeClr val="accent1"/>
+          </a:lnRef>
+          <a:fillRef idx="2">
+            <a:schemeClr val="accent1"/>
+          </a:fillRef>
+          <a:effectRef idx="1">
+            <a:schemeClr val="accent1"/>
+          </a:effectRef>
+          <a:fontRef idx="minor">
+            <a:schemeClr val="dk1"/>
+          </a:fontRef>
+        </p:style>
+        <p:txBody>
+          <a:bodyPr wrap="none">
+            <a:spAutoFit/>
+          </a:bodyPr>
+          <a:lstStyle/>
+          <a:p>
+            <a:pPr fontAlgn="auto">
+              <a:spcBef>
+                <a:spcPts val="0"/>
+              </a:spcBef>
+              <a:spcAft>
+                <a:spcPts val="0"/>
+              </a:spcAft>
+              <a:defRPr/>
+            </a:pPr>
+            <a:r>
+              <a:rPr lang="fr-FR" sz="1200" dirty="0" smtClean="0"/>
+              <a:t>Diagrammes</a:t>
+            </a:r>
+            <a:endParaRPr lang="fr-FR" sz="1200" dirty="0"/>
+          </a:p>
+        </p:txBody>
+      </p:sp>
+      <p:pic>
+        <p:nvPicPr>
+          <p:cNvPr id="4" name="Picture 2"/>
+          <p:cNvPicPr>
+            <a:picLocks noChangeAspect="1" noChangeArrowheads="1"/>
+          </p:cNvPicPr>
+          <p:nvPr/>
+        </p:nvPicPr>
+        <p:blipFill>
+          <a:blip r:embed="rId3" cstate="print"/>
+          <a:srcRect/>
+          <a:stretch>
+            <a:fillRect/>
+          </a:stretch>
+        </p:blipFill>
+        <p:spPr bwMode="auto">
+          <a:xfrm>
+            <a:off x="0" y="0"/>
+            <a:ext cx="5184775" cy="3411538"/>
+          </a:xfrm>
+          <a:prstGeom prst="rect">
+            <a:avLst/>
+          </a:prstGeom>
+          <a:noFill/>
+          <a:ln w="9525">
+            <a:noFill/>
+            <a:miter lim="800000"/>
+            <a:headEnd/>
+            <a:tailEnd/>
+          </a:ln>
+        </p:spPr>
+      </p:pic>
+      <p:sp>
+        <p:nvSpPr>
+          <p:cNvPr id="5" name="ZoneTexte 4"/>
+          <p:cNvSpPr txBox="1"/>
+          <p:nvPr/>
+        </p:nvSpPr>
+        <p:spPr>
+          <a:xfrm>
+            <a:off x="5364088" y="332656"/>
+            <a:ext cx="2924175" cy="646331"/>
+          </a:xfrm>
+          <a:prstGeom prst="rect">
+            <a:avLst/>
+          </a:prstGeom>
+        </p:spPr>
+        <p:style>
+          <a:lnRef idx="1">
+            <a:schemeClr val="accent1"/>
+          </a:lnRef>
+          <a:fillRef idx="2">
+            <a:schemeClr val="accent1"/>
+          </a:fillRef>
+          <a:effectRef idx="1">
+            <a:schemeClr val="accent1"/>
+          </a:effectRef>
+          <a:fontRef idx="minor">
+            <a:schemeClr val="dk1"/>
+          </a:fontRef>
+        </p:style>
+        <p:txBody>
+          <a:bodyPr>
+            <a:spAutoFit/>
+          </a:bodyPr>
+          <a:lstStyle/>
+          <a:p>
+            <a:pPr fontAlgn="auto">
+              <a:spcBef>
+                <a:spcPts val="0"/>
+              </a:spcBef>
+              <a:spcAft>
+                <a:spcPts val="0"/>
+              </a:spcAft>
+              <a:defRPr/>
+            </a:pPr>
+            <a:r>
+              <a:rPr lang="fr-FR" sz="1200" dirty="0"/>
+              <a:t>Un clic ouvre le détail de</a:t>
+            </a:r>
+          </a:p>
+          <a:p>
+            <a:pPr fontAlgn="auto">
+              <a:spcBef>
+                <a:spcPts val="0"/>
+              </a:spcBef>
+              <a:spcAft>
+                <a:spcPts val="0"/>
+              </a:spcAft>
+              <a:defRPr/>
+            </a:pPr>
+            <a:r>
+              <a:rPr lang="fr-FR" sz="1200" dirty="0"/>
+              <a:t>la fonction : Description – </a:t>
+            </a:r>
+            <a:r>
+              <a:rPr lang="fr-FR" sz="1200" dirty="0" err="1"/>
+              <a:t>Ilôt</a:t>
+            </a:r>
+            <a:r>
+              <a:rPr lang="fr-FR" sz="1200" dirty="0"/>
+              <a:t> fonctionnel – Activités - Applications</a:t>
+            </a:r>
+          </a:p>
+        </p:txBody>
+      </p:sp>
+      <p:pic>
+        <p:nvPicPr>
+          <p:cNvPr id="6" name="Picture 4"/>
+          <p:cNvPicPr>
+            <a:picLocks noChangeAspect="1" noChangeArrowheads="1"/>
+          </p:cNvPicPr>
+          <p:nvPr/>
+        </p:nvPicPr>
+        <p:blipFill>
+          <a:blip r:embed="rId4" cstate="print"/>
+          <a:srcRect/>
+          <a:stretch>
+            <a:fillRect/>
+          </a:stretch>
+        </p:blipFill>
+        <p:spPr bwMode="auto">
+          <a:xfrm>
+            <a:off x="5364088" y="2132856"/>
+            <a:ext cx="2593975" cy="1727200"/>
+          </a:xfrm>
+          <a:prstGeom prst="rect">
+            <a:avLst/>
+          </a:prstGeom>
+          <a:noFill/>
+          <a:ln w="9525">
+            <a:noFill/>
+            <a:miter lim="800000"/>
+            <a:headEnd/>
+            <a:tailEnd/>
+          </a:ln>
+        </p:spPr>
+      </p:pic>
+      <p:cxnSp>
+        <p:nvCxnSpPr>
+          <p:cNvPr id="8" name="Connecteur droit avec flèche 7"/>
+          <p:cNvCxnSpPr/>
+          <p:nvPr/>
+        </p:nvCxnSpPr>
+        <p:spPr>
+          <a:xfrm>
+            <a:off x="6300192" y="1484784"/>
+            <a:ext cx="216024" cy="720080"/>
+          </a:xfrm>
+          <a:prstGeom prst="straightConnector1">
+            <a:avLst/>
+          </a:prstGeom>
+          <a:ln>
+            <a:tailEnd type="arrow"/>
+          </a:ln>
+        </p:spPr>
+        <p:style>
+          <a:lnRef idx="1">
+            <a:schemeClr val="accent1"/>
+          </a:lnRef>
+          <a:fillRef idx="0">
+            <a:schemeClr val="accent1"/>
+          </a:fillRef>
+          <a:effectRef idx="0">
+            <a:schemeClr val="accent1"/>
+          </a:effectRef>
+          <a:fontRef idx="minor">
+            <a:schemeClr val="tx1"/>
+          </a:fontRef>
+        </p:style>
+      </p:cxnSp>
+      <p:cxnSp>
+        <p:nvCxnSpPr>
+          <p:cNvPr id="11" name="Connecteur droit avec flèche 10"/>
+          <p:cNvCxnSpPr/>
+          <p:nvPr/>
+        </p:nvCxnSpPr>
+        <p:spPr>
+          <a:xfrm flipV="1">
+            <a:off x="4644008" y="1484784"/>
+            <a:ext cx="1008112" cy="792088"/>
+          </a:xfrm>
+          <a:prstGeom prst="straightConnector1">
+            <a:avLst/>
+          </a:prstGeom>
+          <a:ln>
+            <a:tailEnd type="arrow"/>
+          </a:ln>
+        </p:spPr>
+        <p:style>
+          <a:lnRef idx="1">
+            <a:schemeClr val="accent1"/>
+          </a:lnRef>
+          <a:fillRef idx="0">
+            <a:schemeClr val="accent1"/>
+          </a:fillRef>
+          <a:effectRef idx="0">
+            <a:schemeClr val="accent1"/>
+          </a:effectRef>
+          <a:fontRef idx="minor">
+            <a:schemeClr val="tx1"/>
+          </a:fontRef>
+        </p:style>
+      </p:cxnSp>
+      <p:cxnSp>
+        <p:nvCxnSpPr>
+          <p:cNvPr id="16" name="Connecteur droit avec flèche 15"/>
+          <p:cNvCxnSpPr/>
+          <p:nvPr/>
+        </p:nvCxnSpPr>
+        <p:spPr>
+          <a:xfrm flipH="1" flipV="1">
+            <a:off x="1547664" y="188640"/>
+            <a:ext cx="1152128" cy="3744416"/>
+          </a:xfrm>
+          <a:prstGeom prst="straightConnector1">
+            <a:avLst/>
+          </a:prstGeom>
+          <a:ln>
+            <a:tailEnd type="arrow"/>
+          </a:ln>
+        </p:spPr>
+        <p:style>
+          <a:lnRef idx="1">
+            <a:schemeClr val="accent1"/>
+          </a:lnRef>
+          <a:fillRef idx="0">
+            <a:schemeClr val="accent1"/>
+          </a:fillRef>
+          <a:effectRef idx="0">
+            <a:schemeClr val="accent1"/>
+          </a:effectRef>
+          <a:fontRef idx="minor">
+            <a:schemeClr val="tx1"/>
+          </a:fontRef>
+        </p:style>
+      </p:cxnSp>
+      <p:cxnSp>
+        <p:nvCxnSpPr>
+          <p:cNvPr id="18" name="Connecteur droit avec flèche 17"/>
+          <p:cNvCxnSpPr/>
+          <p:nvPr/>
+        </p:nvCxnSpPr>
+        <p:spPr>
+          <a:xfrm flipV="1">
+            <a:off x="3131840" y="116632"/>
+            <a:ext cx="864096" cy="3816424"/>
+          </a:xfrm>
+          <a:prstGeom prst="straightConnector1">
+            <a:avLst/>
+          </a:prstGeom>
+          <a:ln>
+            <a:tailEnd type="arrow"/>
+          </a:ln>
+        </p:spPr>
+        <p:style>
+          <a:lnRef idx="1">
+            <a:schemeClr val="accent1"/>
+          </a:lnRef>
+          <a:fillRef idx="0">
+            <a:schemeClr val="accent1"/>
+          </a:fillRef>
+          <a:effectRef idx="0">
+            <a:schemeClr val="accent1"/>
+          </a:effectRef>
+          <a:fontRef idx="minor">
+            <a:schemeClr val="tx1"/>
+          </a:fontRef>
+        </p:style>
+      </p:cxnSp>
+      <p:cxnSp>
+        <p:nvCxnSpPr>
+          <p:cNvPr id="20" name="Connecteur droit avec flèche 19"/>
+          <p:cNvCxnSpPr/>
+          <p:nvPr/>
+        </p:nvCxnSpPr>
+        <p:spPr>
+          <a:xfrm flipV="1">
+            <a:off x="4139952" y="116632"/>
+            <a:ext cx="936104" cy="3672408"/>
+          </a:xfrm>
+          <a:prstGeom prst="straightConnector1">
+            <a:avLst/>
+          </a:prstGeom>
+          <a:ln>
+            <a:tailEnd type="arrow"/>
+          </a:ln>
+        </p:spPr>
+        <p:style>
+          <a:lnRef idx="1">
+            <a:schemeClr val="accent1"/>
+          </a:lnRef>
+          <a:fillRef idx="0">
+            <a:schemeClr val="accent1"/>
+          </a:fillRef>
+          <a:effectRef idx="0">
+            <a:schemeClr val="accent1"/>
+          </a:effectRef>
+          <a:fontRef idx="minor">
+            <a:schemeClr val="tx1"/>
+          </a:fontRef>
+        </p:style>
+      </p:cxnSp>
+      <p:sp>
+        <p:nvSpPr>
+          <p:cNvPr id="21" name="ZoneTexte 20"/>
+          <p:cNvSpPr txBox="1"/>
+          <p:nvPr/>
+        </p:nvSpPr>
+        <p:spPr>
+          <a:xfrm>
+            <a:off x="3851920" y="4005064"/>
+            <a:ext cx="1361270" cy="246221"/>
+          </a:xfrm>
+          <a:prstGeom prst="rect">
+            <a:avLst/>
+          </a:prstGeom>
+          <a:noFill/>
+        </p:spPr>
+        <p:txBody>
+          <a:bodyPr wrap="none" rtlCol="0">
+            <a:spAutoFit/>
+          </a:bodyPr>
+          <a:lstStyle/>
+          <a:p>
+            <a:r>
+              <a:rPr lang="fr-FR" sz="1000" dirty="0" smtClean="0"/>
+              <a:t>Urbaniste à contacter</a:t>
+            </a:r>
+            <a:endParaRPr lang="fr-FR" sz="1000" dirty="0"/>
+          </a:p>
+        </p:txBody>
+      </p:sp>
+      <p:cxnSp>
+        <p:nvCxnSpPr>
+          <p:cNvPr id="23" name="Connecteur droit avec flèche 22"/>
+          <p:cNvCxnSpPr/>
+          <p:nvPr/>
+        </p:nvCxnSpPr>
+        <p:spPr>
+          <a:xfrm flipV="1">
+            <a:off x="755576" y="3501008"/>
+            <a:ext cx="144016" cy="1080120"/>
+          </a:xfrm>
+          <a:prstGeom prst="straightConnector1">
+            <a:avLst/>
+          </a:prstGeom>
+          <a:ln>
+            <a:tailEnd type="arrow"/>
+          </a:ln>
+        </p:spPr>
+        <p:style>
+          <a:lnRef idx="1">
+            <a:schemeClr val="accent1"/>
+          </a:lnRef>
+          <a:fillRef idx="0">
+            <a:schemeClr val="accent1"/>
+          </a:fillRef>
+          <a:effectRef idx="0">
+            <a:schemeClr val="accent1"/>
+          </a:effectRef>
+          <a:fontRef idx="minor">
+            <a:schemeClr val="tx1"/>
+          </a:fontRef>
+        </p:style>
+      </p:cxnSp>
+      <p:pic>
+        <p:nvPicPr>
+          <p:cNvPr id="3074" name="Picture 2"/>
+          <p:cNvPicPr>
+            <a:picLocks noChangeAspect="1" noChangeArrowheads="1"/>
+          </p:cNvPicPr>
+          <p:nvPr/>
+        </p:nvPicPr>
+        <p:blipFill>
+          <a:blip r:embed="rId5" cstate="print"/>
+          <a:srcRect/>
+          <a:stretch>
+            <a:fillRect/>
+          </a:stretch>
+        </p:blipFill>
+        <p:spPr bwMode="auto">
+          <a:xfrm>
+            <a:off x="5364088" y="4077072"/>
+            <a:ext cx="3578924" cy="1327596"/>
+          </a:xfrm>
+          <a:prstGeom prst="rect">
+            <a:avLst/>
+          </a:prstGeom>
+          <a:noFill/>
+          <a:ln w="9525">
+            <a:noFill/>
+            <a:miter lim="800000"/>
+            <a:headEnd/>
+            <a:tailEnd/>
+          </a:ln>
+        </p:spPr>
+      </p:pic>
+      <p:cxnSp>
+        <p:nvCxnSpPr>
+          <p:cNvPr id="26" name="Connecteur droit avec flèche 25"/>
+          <p:cNvCxnSpPr/>
+          <p:nvPr/>
+        </p:nvCxnSpPr>
+        <p:spPr>
+          <a:xfrm flipH="1" flipV="1">
+            <a:off x="2627784" y="188640"/>
+            <a:ext cx="3024336" cy="3888432"/>
+          </a:xfrm>
+          <a:prstGeom prst="straightConnector1">
+            <a:avLst/>
+          </a:prstGeom>
+          <a:ln>
+            <a:tailEnd type="arrow"/>
+          </a:ln>
+        </p:spPr>
+        <p:style>
+          <a:lnRef idx="1">
+            <a:schemeClr val="accent1"/>
+          </a:lnRef>
+          <a:fillRef idx="0">
+            <a:schemeClr val="accent1"/>
+          </a:fillRef>
+          <a:effectRef idx="0">
+            <a:schemeClr val="accent1"/>
+          </a:effectRef>
+          <a:fontRef idx="minor">
+            <a:schemeClr val="tx1"/>
+          </a:fontRef>
+        </p:style>
+      </p:cxnSp>
+      <p:sp>
+        <p:nvSpPr>
+          <p:cNvPr id="27" name="Bulle ronde 26"/>
+          <p:cNvSpPr/>
+          <p:nvPr/>
+        </p:nvSpPr>
+        <p:spPr>
+          <a:xfrm rot="18678268">
+            <a:off x="6083183" y="5334910"/>
+            <a:ext cx="1512023" cy="1448442"/>
+          </a:xfrm>
+          <a:prstGeom prst="wedgeEllipseCallout">
+            <a:avLst>
+              <a:gd name="adj1" fmla="val 62195"/>
+              <a:gd name="adj2" fmla="val 27004"/>
+            </a:avLst>
+          </a:prstGeom>
+        </p:spPr>
+        <p:style>
+          <a:lnRef idx="2">
+            <a:schemeClr val="accent1">
+              <a:shade val="50000"/>
+            </a:schemeClr>
+          </a:lnRef>
+          <a:fillRef idx="1">
+            <a:schemeClr val="accent1"/>
+          </a:fillRef>
+          <a:effectRef idx="0">
+            <a:schemeClr val="accent1"/>
+          </a:effectRef>
+          <a:fontRef idx="minor">
+            <a:schemeClr val="lt1"/>
+          </a:fontRef>
+        </p:style>
+        <p:txBody>
+          <a:bodyPr anchor="ctr"/>
+          <a:lstStyle/>
+          <a:p>
+            <a:pPr algn="ctr" fontAlgn="auto">
+              <a:spcBef>
+                <a:spcPts val="0"/>
+              </a:spcBef>
+              <a:spcAft>
+                <a:spcPts val="0"/>
+              </a:spcAft>
+              <a:defRPr/>
+            </a:pPr>
+            <a:r>
+              <a:rPr lang="fr-FR" sz="1200" dirty="0"/>
+              <a:t>Vision  fonctionnelle ( Domaine –Zone-Quartier-</a:t>
+            </a:r>
+            <a:r>
+              <a:rPr lang="fr-FR" sz="1200" dirty="0" err="1"/>
+              <a:t>Ilôts</a:t>
+            </a:r>
+            <a:r>
+              <a:rPr lang="fr-FR" sz="1200" dirty="0"/>
+              <a:t>-Fonctions)</a:t>
+            </a:r>
+          </a:p>
+        </p:txBody>
+      </p:sp>
+      <p:pic>
+        <p:nvPicPr>
+          <p:cNvPr id="28" name="Picture 5"/>
+          <p:cNvPicPr>
+            <a:picLocks noChangeAspect="1" noChangeArrowheads="1"/>
+          </p:cNvPicPr>
+          <p:nvPr/>
+        </p:nvPicPr>
+        <p:blipFill>
+          <a:blip r:embed="rId6" cstate="print"/>
+          <a:srcRect/>
+          <a:stretch>
+            <a:fillRect/>
+          </a:stretch>
+        </p:blipFill>
+        <p:spPr bwMode="auto">
+          <a:xfrm>
+            <a:off x="251520" y="5589240"/>
+            <a:ext cx="2894150" cy="1080244"/>
+          </a:xfrm>
+          <a:prstGeom prst="rect">
+            <a:avLst/>
+          </a:prstGeom>
+          <a:noFill/>
+          <a:ln w="9525">
+            <a:noFill/>
+            <a:miter lim="800000"/>
+            <a:headEnd/>
+            <a:tailEnd/>
+          </a:ln>
+        </p:spPr>
+      </p:pic>
+      <p:sp>
+        <p:nvSpPr>
+          <p:cNvPr id="29" name="Bulle ronde 28"/>
+          <p:cNvSpPr/>
+          <p:nvPr/>
+        </p:nvSpPr>
+        <p:spPr>
+          <a:xfrm rot="2030100">
+            <a:off x="3594006" y="5213487"/>
+            <a:ext cx="1678016" cy="1450625"/>
+          </a:xfrm>
+          <a:prstGeom prst="wedgeEllipseCallout">
+            <a:avLst>
+              <a:gd name="adj1" fmla="val -77606"/>
+              <a:gd name="adj2" fmla="val 29801"/>
+            </a:avLst>
+          </a:prstGeom>
+        </p:spPr>
+        <p:style>
+          <a:lnRef idx="2">
+            <a:schemeClr val="accent1">
+              <a:shade val="50000"/>
+            </a:schemeClr>
+          </a:lnRef>
+          <a:fillRef idx="1">
+            <a:schemeClr val="accent1"/>
+          </a:fillRef>
+          <a:effectRef idx="0">
+            <a:schemeClr val="accent1"/>
+          </a:effectRef>
+          <a:fontRef idx="minor">
+            <a:schemeClr val="lt1"/>
+          </a:fontRef>
+        </p:style>
+        <p:txBody>
+          <a:bodyPr anchor="ctr"/>
+          <a:lstStyle/>
+          <a:p>
+            <a:pPr algn="ctr" fontAlgn="auto">
+              <a:spcBef>
+                <a:spcPts val="0"/>
+              </a:spcBef>
+              <a:spcAft>
+                <a:spcPts val="0"/>
+              </a:spcAft>
+              <a:defRPr/>
+            </a:pPr>
+            <a:r>
+              <a:rPr lang="fr-FR" sz="1200" dirty="0"/>
+              <a:t>Vision métier ( Domaine –Macro Processus-Processus-Activités</a:t>
+            </a:r>
+          </a:p>
+          <a:p>
+            <a:pPr algn="ctr" fontAlgn="auto">
+              <a:spcBef>
+                <a:spcPts val="0"/>
+              </a:spcBef>
+              <a:spcAft>
+                <a:spcPts val="0"/>
+              </a:spcAft>
+              <a:defRPr/>
+            </a:pPr>
+            <a:r>
+              <a:rPr lang="fr-FR" sz="1200" dirty="0"/>
+              <a:t>Fonctions)</a:t>
+            </a:r>
+          </a:p>
+        </p:txBody>
+      </p:sp>
+      <p:cxnSp>
+        <p:nvCxnSpPr>
+          <p:cNvPr id="31" name="Connecteur droit avec flèche 30"/>
+          <p:cNvCxnSpPr/>
+          <p:nvPr/>
+        </p:nvCxnSpPr>
+        <p:spPr>
+          <a:xfrm flipV="1">
+            <a:off x="2483768" y="188640"/>
+            <a:ext cx="720080" cy="5328592"/>
+          </a:xfrm>
+          <a:prstGeom prst="straightConnector1">
+            <a:avLst/>
+          </a:prstGeom>
+          <a:ln>
+            <a:tailEnd type="arrow"/>
+          </a:ln>
+        </p:spPr>
+        <p:style>
+          <a:lnRef idx="1">
+            <a:schemeClr val="accent1"/>
+          </a:lnRef>
+          <a:fillRef idx="0">
+            <a:schemeClr val="accent1"/>
+          </a:fillRef>
+          <a:effectRef idx="0">
+            <a:schemeClr val="accent1"/>
+          </a:effectRef>
+          <a:fontRef idx="minor">
+            <a:schemeClr val="tx1"/>
+          </a:fontRef>
+        </p:style>
+      </p:cxnSp>
+    </p:spTree>
+  </p:cSld>
+  <p:clrMapOvr>
+    <a:masterClrMapping/>
+  </p:clrMapOvr>
+</p:sld>
+</file>
+
+<file path=ppt/slides/slide17.xml><?xml version="1.0" encoding="utf-8"?>
+<p:sld xmlns:a="http://schemas.openxmlformats.org/drawingml/2006/main" xmlns:r="http://schemas.openxmlformats.org/officeDocument/2006/relationships" xmlns:p="http://schemas.openxmlformats.org/presentationml/2006/main">
+  <p:cSld>
+    <p:spTree>
+      <p:nvGrpSpPr>
+        <p:cNvPr id="1" name=""/>
+        <p:cNvGrpSpPr/>
+        <p:nvPr/>
+      </p:nvGrpSpPr>
+      <p:grpSpPr>
+        <a:xfrm>
+          <a:off x="0" y="0"/>
+          <a:ext cx="0" cy="0"/>
+          <a:chOff x="0" y="0"/>
+          <a:chExt cx="0" cy="0"/>
+        </a:xfrm>
+      </p:grpSpPr>
+      <p:pic>
+        <p:nvPicPr>
+          <p:cNvPr id="4098" name="Picture 2"/>
+          <p:cNvPicPr>
+            <a:picLocks noChangeAspect="1" noChangeArrowheads="1"/>
+          </p:cNvPicPr>
+          <p:nvPr/>
+        </p:nvPicPr>
+        <p:blipFill>
+          <a:blip r:embed="rId3" cstate="print"/>
+          <a:srcRect/>
+          <a:stretch>
+            <a:fillRect/>
+          </a:stretch>
+        </p:blipFill>
+        <p:spPr bwMode="auto">
+          <a:xfrm>
+            <a:off x="107504" y="260648"/>
+            <a:ext cx="5114925" cy="2657475"/>
+          </a:xfrm>
+          <a:prstGeom prst="rect">
+            <a:avLst/>
+          </a:prstGeom>
+          <a:noFill/>
+          <a:ln w="9525">
+            <a:noFill/>
+            <a:miter lim="800000"/>
+            <a:headEnd/>
+            <a:tailEnd/>
+          </a:ln>
+        </p:spPr>
+      </p:pic>
+      <p:pic>
+        <p:nvPicPr>
+          <p:cNvPr id="4099" name="Picture 3"/>
+          <p:cNvPicPr>
+            <a:picLocks noChangeAspect="1" noChangeArrowheads="1"/>
+          </p:cNvPicPr>
+          <p:nvPr/>
+        </p:nvPicPr>
+        <p:blipFill>
+          <a:blip r:embed="rId4" cstate="print"/>
+          <a:srcRect/>
+          <a:stretch>
+            <a:fillRect/>
+          </a:stretch>
+        </p:blipFill>
+        <p:spPr bwMode="auto">
+          <a:xfrm>
+            <a:off x="3059832" y="2996952"/>
+            <a:ext cx="5190132" cy="2520280"/>
+          </a:xfrm>
+          <a:prstGeom prst="rect">
+            <a:avLst/>
+          </a:prstGeom>
+          <a:noFill/>
+          <a:ln w="9525">
+            <a:noFill/>
+            <a:miter lim="800000"/>
+            <a:headEnd/>
+            <a:tailEnd/>
+          </a:ln>
+        </p:spPr>
+      </p:pic>
+      <p:cxnSp>
+        <p:nvCxnSpPr>
+          <p:cNvPr id="5" name="Connecteur droit avec flèche 4"/>
+          <p:cNvCxnSpPr/>
+          <p:nvPr/>
+        </p:nvCxnSpPr>
+        <p:spPr>
+          <a:xfrm>
+            <a:off x="4355976" y="980728"/>
+            <a:ext cx="1512168" cy="1944216"/>
+          </a:xfrm>
+          <a:prstGeom prst="straightConnector1">
+            <a:avLst/>
+          </a:prstGeom>
+          <a:ln>
+            <a:tailEnd type="arrow"/>
+          </a:ln>
+        </p:spPr>
+        <p:style>
+          <a:lnRef idx="1">
+            <a:schemeClr val="accent1"/>
+          </a:lnRef>
+          <a:fillRef idx="0">
+            <a:schemeClr val="accent1"/>
+          </a:fillRef>
+          <a:effectRef idx="0">
+            <a:schemeClr val="accent1"/>
+          </a:effectRef>
+          <a:fontRef idx="minor">
+            <a:schemeClr val="tx1"/>
+          </a:fontRef>
+        </p:style>
+      </p:cxnSp>
+      <p:cxnSp>
+        <p:nvCxnSpPr>
+          <p:cNvPr id="7" name="Connecteur droit avec flèche 6"/>
+          <p:cNvCxnSpPr/>
+          <p:nvPr/>
+        </p:nvCxnSpPr>
+        <p:spPr>
+          <a:xfrm flipV="1">
+            <a:off x="683568" y="2420888"/>
+            <a:ext cx="432048" cy="1440160"/>
+          </a:xfrm>
+          <a:prstGeom prst="straightConnector1">
+            <a:avLst/>
+          </a:prstGeom>
+          <a:ln>
+            <a:tailEnd type="arrow"/>
+          </a:ln>
+        </p:spPr>
+        <p:style>
+          <a:lnRef idx="1">
+            <a:schemeClr val="accent1"/>
+          </a:lnRef>
+          <a:fillRef idx="0">
+            <a:schemeClr val="accent1"/>
+          </a:fillRef>
+          <a:effectRef idx="0">
+            <a:schemeClr val="accent1"/>
+          </a:effectRef>
+          <a:fontRef idx="minor">
+            <a:schemeClr val="tx1"/>
+          </a:fontRef>
+        </p:style>
+      </p:cxnSp>
+      <p:sp>
+        <p:nvSpPr>
+          <p:cNvPr id="9" name="ZoneTexte 8"/>
+          <p:cNvSpPr txBox="1"/>
+          <p:nvPr/>
+        </p:nvSpPr>
+        <p:spPr>
+          <a:xfrm>
+            <a:off x="179512" y="3861048"/>
+            <a:ext cx="1649682" cy="461665"/>
+          </a:xfrm>
+          <a:prstGeom prst="rect">
+            <a:avLst/>
+          </a:prstGeom>
+        </p:spPr>
+        <p:style>
+          <a:lnRef idx="3">
+            <a:schemeClr val="lt1"/>
+          </a:lnRef>
+          <a:fillRef idx="1">
+            <a:schemeClr val="accent1"/>
+          </a:fillRef>
+          <a:effectRef idx="1">
+            <a:schemeClr val="accent1"/>
+          </a:effectRef>
+          <a:fontRef idx="minor">
+            <a:schemeClr val="lt1"/>
+          </a:fontRef>
+        </p:style>
+        <p:txBody>
+          <a:bodyPr wrap="none" rtlCol="0">
+            <a:spAutoFit/>
+          </a:bodyPr>
+          <a:lstStyle/>
+          <a:p>
+            <a:r>
+              <a:rPr lang="fr-FR" sz="1200" dirty="0" smtClean="0"/>
+              <a:t>un clic ouvre la page de</a:t>
+            </a:r>
+          </a:p>
+          <a:p>
+            <a:r>
+              <a:rPr lang="fr-FR" sz="1200" dirty="0" smtClean="0"/>
+              <a:t>l’application</a:t>
+            </a:r>
+            <a:endParaRPr lang="fr-FR" sz="1200" dirty="0"/>
+          </a:p>
+        </p:txBody>
+      </p:sp>
+      <p:sp>
+        <p:nvSpPr>
+          <p:cNvPr id="10" name="Ellipse 9"/>
+          <p:cNvSpPr/>
+          <p:nvPr/>
+        </p:nvSpPr>
+        <p:spPr>
+          <a:xfrm>
+            <a:off x="6732240" y="836712"/>
+            <a:ext cx="2016224" cy="1440160"/>
+          </a:xfrm>
+          <a:prstGeom prst="ellipse">
+            <a:avLst/>
+          </a:prstGeom>
+        </p:spPr>
+        <p:style>
+          <a:lnRef idx="2">
+            <a:schemeClr val="accent1">
+              <a:shade val="50000"/>
+            </a:schemeClr>
+          </a:lnRef>
+          <a:fillRef idx="1">
+            <a:schemeClr val="accent1"/>
+          </a:fillRef>
+          <a:effectRef idx="0">
+            <a:schemeClr val="accent1"/>
+          </a:effectRef>
+          <a:fontRef idx="minor">
+            <a:schemeClr val="lt1"/>
+          </a:fontRef>
+        </p:style>
+        <p:txBody>
+          <a:bodyPr rtlCol="0" anchor="ctr"/>
+          <a:lstStyle/>
+          <a:p>
+            <a:pPr algn="ctr"/>
+            <a:r>
+              <a:rPr lang="fr-FR" dirty="0" smtClean="0"/>
+              <a:t>Présentation du système applicatif</a:t>
+            </a:r>
+            <a:endParaRPr lang="fr-FR" dirty="0"/>
+          </a:p>
+        </p:txBody>
+      </p:sp>
+    </p:spTree>
+  </p:cSld>
+  <p:clrMapOvr>
+    <a:masterClrMapping/>
+  </p:clrMapOvr>
+</p:sld>
+</file>
+
+<file path=ppt/slides/slide18.xml><?xml version="1.0" encoding="utf-8"?>
+<p:sld xmlns:a="http://schemas.openxmlformats.org/drawingml/2006/main" xmlns:r="http://schemas.openxmlformats.org/officeDocument/2006/relationships" xmlns:p="http://schemas.openxmlformats.org/presentationml/2006/main">
+  <p:cSld>
+    <p:spTree>
+      <p:nvGrpSpPr>
+        <p:cNvPr id="1" name=""/>
+        <p:cNvGrpSpPr/>
+        <p:nvPr/>
+      </p:nvGrpSpPr>
+      <p:grpSpPr>
+        <a:xfrm>
+          <a:off x="0" y="0"/>
+          <a:ext cx="0" cy="0"/>
+          <a:chOff x="0" y="0"/>
+          <a:chExt cx="0" cy="0"/>
+        </a:xfrm>
+      </p:grpSpPr>
+      <p:pic>
+        <p:nvPicPr>
+          <p:cNvPr id="17410" name="Picture 2"/>
+          <p:cNvPicPr>
+            <a:picLocks noChangeAspect="1" noChangeArrowheads="1"/>
+          </p:cNvPicPr>
+          <p:nvPr/>
+        </p:nvPicPr>
+        <p:blipFill>
+          <a:blip r:embed="rId3" cstate="print"/>
+          <a:srcRect/>
+          <a:stretch>
+            <a:fillRect/>
+          </a:stretch>
+        </p:blipFill>
+        <p:spPr bwMode="auto">
+          <a:xfrm>
+            <a:off x="1995488" y="1409700"/>
+            <a:ext cx="5153025" cy="4038600"/>
+          </a:xfrm>
+          <a:prstGeom prst="rect">
+            <a:avLst/>
+          </a:prstGeom>
+          <a:noFill/>
+          <a:ln w="9525">
+            <a:noFill/>
+            <a:miter lim="800000"/>
+            <a:headEnd/>
+            <a:tailEnd/>
+          </a:ln>
+        </p:spPr>
+      </p:pic>
     </p:spTree>
   </p:cSld>
   <p:clrMapOvr>
@@ -3926,6 +9053,3340 @@
           <a:chExt cx="0" cy="0"/>
         </a:xfrm>
       </p:grpSpPr>
+      <p:sp>
+        <p:nvSpPr>
+          <p:cNvPr id="3074" name="Titre 1"/>
+          <p:cNvSpPr>
+            <a:spLocks noGrp="1"/>
+          </p:cNvSpPr>
+          <p:nvPr>
+            <p:ph type="ctrTitle"/>
+          </p:nvPr>
+        </p:nvSpPr>
+        <p:spPr>
+          <a:xfrm>
+            <a:off x="179388" y="2130425"/>
+            <a:ext cx="8964612" cy="1470025"/>
+          </a:xfrm>
+        </p:spPr>
+        <p:txBody>
+          <a:bodyPr/>
+          <a:lstStyle/>
+          <a:p>
+            <a:pPr eaLnBrk="1" hangingPunct="1"/>
+            <a:r>
+              <a:rPr lang="fr-FR" smtClean="0"/>
+              <a:t>Aide pour  la navigation dans le  site</a:t>
+            </a:r>
+          </a:p>
+        </p:txBody>
+      </p:sp>
+    </p:spTree>
+  </p:cSld>
+  <p:clrMapOvr>
+    <a:masterClrMapping/>
+  </p:clrMapOvr>
+</p:sld>
+</file>
+
+<file path=ppt/slides/slide3.xml><?xml version="1.0" encoding="utf-8"?>
+<p:sld xmlns:a="http://schemas.openxmlformats.org/drawingml/2006/main" xmlns:r="http://schemas.openxmlformats.org/officeDocument/2006/relationships" xmlns:p="http://schemas.openxmlformats.org/presentationml/2006/main">
+  <p:cSld>
+    <p:spTree>
+      <p:nvGrpSpPr>
+        <p:cNvPr id="1" name=""/>
+        <p:cNvGrpSpPr/>
+        <p:nvPr/>
+      </p:nvGrpSpPr>
+      <p:grpSpPr>
+        <a:xfrm>
+          <a:off x="0" y="0"/>
+          <a:ext cx="0" cy="0"/>
+          <a:chOff x="0" y="0"/>
+          <a:chExt cx="0" cy="0"/>
+        </a:xfrm>
+      </p:grpSpPr>
+      <p:pic>
+        <p:nvPicPr>
+          <p:cNvPr id="5122" name="Picture 2"/>
+          <p:cNvPicPr>
+            <a:picLocks noChangeAspect="1" noChangeArrowheads="1"/>
+          </p:cNvPicPr>
+          <p:nvPr/>
+        </p:nvPicPr>
+        <p:blipFill>
+          <a:blip r:embed="rId3" cstate="print"/>
+          <a:srcRect/>
+          <a:stretch>
+            <a:fillRect/>
+          </a:stretch>
+        </p:blipFill>
+        <p:spPr bwMode="auto">
+          <a:xfrm>
+            <a:off x="1187450" y="404813"/>
+            <a:ext cx="7291388" cy="2016125"/>
+          </a:xfrm>
+          <a:prstGeom prst="rect">
+            <a:avLst/>
+          </a:prstGeom>
+          <a:noFill/>
+          <a:ln w="9525">
+            <a:noFill/>
+            <a:miter lim="800000"/>
+            <a:headEnd/>
+            <a:tailEnd/>
+          </a:ln>
+        </p:spPr>
+      </p:pic>
+      <p:sp>
+        <p:nvSpPr>
+          <p:cNvPr id="6" name="Flèche courbée vers le bas 5"/>
+          <p:cNvSpPr/>
+          <p:nvPr/>
+        </p:nvSpPr>
+        <p:spPr>
+          <a:xfrm rot="17168417" flipV="1">
+            <a:off x="5410201" y="2374900"/>
+            <a:ext cx="3636962" cy="579437"/>
+          </a:xfrm>
+          <a:prstGeom prst="curvedDownArrow">
+            <a:avLst/>
+          </a:prstGeom>
+        </p:spPr>
+        <p:style>
+          <a:lnRef idx="2">
+            <a:schemeClr val="accent1">
+              <a:shade val="50000"/>
+            </a:schemeClr>
+          </a:lnRef>
+          <a:fillRef idx="1">
+            <a:schemeClr val="accent1"/>
+          </a:fillRef>
+          <a:effectRef idx="0">
+            <a:schemeClr val="accent1"/>
+          </a:effectRef>
+          <a:fontRef idx="minor">
+            <a:schemeClr val="lt1"/>
+          </a:fontRef>
+        </p:style>
+        <p:txBody>
+          <a:bodyPr anchor="ctr"/>
+          <a:lstStyle/>
+          <a:p>
+            <a:pPr algn="ctr" fontAlgn="auto">
+              <a:spcBef>
+                <a:spcPts val="0"/>
+              </a:spcBef>
+              <a:spcAft>
+                <a:spcPts val="0"/>
+              </a:spcAft>
+              <a:defRPr/>
+            </a:pPr>
+            <a:endParaRPr lang="fr-FR">
+              <a:solidFill>
+                <a:schemeClr val="tx1"/>
+              </a:solidFill>
+            </a:endParaRPr>
+          </a:p>
+        </p:txBody>
+      </p:sp>
+      <p:sp>
+        <p:nvSpPr>
+          <p:cNvPr id="7" name="ZoneTexte 6"/>
+          <p:cNvSpPr txBox="1"/>
+          <p:nvPr/>
+        </p:nvSpPr>
+        <p:spPr>
+          <a:xfrm>
+            <a:off x="2771775" y="3644900"/>
+            <a:ext cx="3600450" cy="646113"/>
+          </a:xfrm>
+          <a:prstGeom prst="rect">
+            <a:avLst/>
+          </a:prstGeom>
+        </p:spPr>
+        <p:style>
+          <a:lnRef idx="1">
+            <a:schemeClr val="accent1"/>
+          </a:lnRef>
+          <a:fillRef idx="2">
+            <a:schemeClr val="accent1"/>
+          </a:fillRef>
+          <a:effectRef idx="1">
+            <a:schemeClr val="accent1"/>
+          </a:effectRef>
+          <a:fontRef idx="minor">
+            <a:schemeClr val="dk1"/>
+          </a:fontRef>
+        </p:style>
+        <p:txBody>
+          <a:bodyPr>
+            <a:spAutoFit/>
+          </a:bodyPr>
+          <a:lstStyle/>
+          <a:p>
+            <a:pPr fontAlgn="auto">
+              <a:spcBef>
+                <a:spcPts val="0"/>
+              </a:spcBef>
+              <a:spcAft>
+                <a:spcPts val="0"/>
+              </a:spcAft>
+              <a:defRPr/>
+            </a:pPr>
+            <a:r>
+              <a:rPr lang="fr-FR" dirty="0"/>
+              <a:t>Passage en affichage plein écran ou affichage standard Intranet </a:t>
+            </a:r>
+            <a:r>
+              <a:rPr lang="fr-FR" dirty="0" err="1"/>
+              <a:t>DSI</a:t>
+            </a:r>
+            <a:r>
+              <a:rPr lang="fr-FR" dirty="0"/>
+              <a:t> C</a:t>
+            </a:r>
+          </a:p>
+        </p:txBody>
+      </p:sp>
+      <p:cxnSp>
+        <p:nvCxnSpPr>
+          <p:cNvPr id="11" name="Connecteur en angle 10"/>
+          <p:cNvCxnSpPr/>
+          <p:nvPr/>
+        </p:nvCxnSpPr>
+        <p:spPr>
+          <a:xfrm rot="5400000" flipH="1" flipV="1">
+            <a:off x="5472113" y="3392487"/>
+            <a:ext cx="5329238" cy="360363"/>
+          </a:xfrm>
+          <a:prstGeom prst="bentConnector3">
+            <a:avLst>
+              <a:gd name="adj1" fmla="val 50000"/>
+            </a:avLst>
+          </a:prstGeom>
+          <a:ln>
+            <a:tailEnd type="arrow"/>
+          </a:ln>
+        </p:spPr>
+        <p:style>
+          <a:lnRef idx="1">
+            <a:schemeClr val="accent1"/>
+          </a:lnRef>
+          <a:fillRef idx="0">
+            <a:schemeClr val="accent1"/>
+          </a:fillRef>
+          <a:effectRef idx="0">
+            <a:schemeClr val="accent1"/>
+          </a:effectRef>
+          <a:fontRef idx="minor">
+            <a:schemeClr val="tx1"/>
+          </a:fontRef>
+        </p:style>
+      </p:cxnSp>
+      <p:sp>
+        <p:nvSpPr>
+          <p:cNvPr id="15" name="ZoneTexte 14"/>
+          <p:cNvSpPr txBox="1"/>
+          <p:nvPr/>
+        </p:nvSpPr>
+        <p:spPr>
+          <a:xfrm>
+            <a:off x="6732588" y="5949950"/>
+            <a:ext cx="2016125" cy="646113"/>
+          </a:xfrm>
+          <a:prstGeom prst="rect">
+            <a:avLst/>
+          </a:prstGeom>
+        </p:spPr>
+        <p:style>
+          <a:lnRef idx="1">
+            <a:schemeClr val="accent1"/>
+          </a:lnRef>
+          <a:fillRef idx="2">
+            <a:schemeClr val="accent1"/>
+          </a:fillRef>
+          <a:effectRef idx="1">
+            <a:schemeClr val="accent1"/>
+          </a:effectRef>
+          <a:fontRef idx="minor">
+            <a:schemeClr val="dk1"/>
+          </a:fontRef>
+        </p:style>
+        <p:txBody>
+          <a:bodyPr>
+            <a:spAutoFit/>
+          </a:bodyPr>
+          <a:lstStyle/>
+          <a:p>
+            <a:pPr algn="ctr" fontAlgn="auto">
+              <a:spcBef>
+                <a:spcPts val="0"/>
+              </a:spcBef>
+              <a:spcAft>
+                <a:spcPts val="0"/>
+              </a:spcAft>
+              <a:defRPr/>
+            </a:pPr>
+            <a:r>
+              <a:rPr lang="fr-FR" dirty="0"/>
+              <a:t>Retour à la fenêtre précédente</a:t>
+            </a:r>
+          </a:p>
+        </p:txBody>
+      </p:sp>
+      <p:cxnSp>
+        <p:nvCxnSpPr>
+          <p:cNvPr id="17" name="Connecteur en angle 16"/>
+          <p:cNvCxnSpPr/>
+          <p:nvPr/>
+        </p:nvCxnSpPr>
+        <p:spPr>
+          <a:xfrm rot="5400000" flipH="1" flipV="1">
+            <a:off x="648494" y="1016794"/>
+            <a:ext cx="4319588" cy="3816350"/>
+          </a:xfrm>
+          <a:prstGeom prst="bentConnector3">
+            <a:avLst>
+              <a:gd name="adj1" fmla="val 50000"/>
+            </a:avLst>
+          </a:prstGeom>
+          <a:ln>
+            <a:tailEnd type="arrow"/>
+          </a:ln>
+        </p:spPr>
+        <p:style>
+          <a:lnRef idx="1">
+            <a:schemeClr val="accent1"/>
+          </a:lnRef>
+          <a:fillRef idx="0">
+            <a:schemeClr val="accent1"/>
+          </a:fillRef>
+          <a:effectRef idx="0">
+            <a:schemeClr val="accent1"/>
+          </a:effectRef>
+          <a:fontRef idx="minor">
+            <a:schemeClr val="tx1"/>
+          </a:fontRef>
+        </p:style>
+      </p:cxnSp>
+      <p:sp>
+        <p:nvSpPr>
+          <p:cNvPr id="18" name="ZoneTexte 17"/>
+          <p:cNvSpPr txBox="1"/>
+          <p:nvPr/>
+        </p:nvSpPr>
+        <p:spPr>
+          <a:xfrm>
+            <a:off x="250825" y="5084763"/>
+            <a:ext cx="2662238" cy="369887"/>
+          </a:xfrm>
+          <a:prstGeom prst="rect">
+            <a:avLst/>
+          </a:prstGeom>
+        </p:spPr>
+        <p:style>
+          <a:lnRef idx="1">
+            <a:schemeClr val="accent1"/>
+          </a:lnRef>
+          <a:fillRef idx="2">
+            <a:schemeClr val="accent1"/>
+          </a:fillRef>
+          <a:effectRef idx="1">
+            <a:schemeClr val="accent1"/>
+          </a:effectRef>
+          <a:fontRef idx="minor">
+            <a:schemeClr val="dk1"/>
+          </a:fontRef>
+        </p:style>
+        <p:txBody>
+          <a:bodyPr wrap="none">
+            <a:spAutoFit/>
+          </a:bodyPr>
+          <a:lstStyle/>
+          <a:p>
+            <a:pPr fontAlgn="auto">
+              <a:spcBef>
+                <a:spcPts val="0"/>
+              </a:spcBef>
+              <a:spcAft>
+                <a:spcPts val="0"/>
+              </a:spcAft>
+              <a:defRPr/>
+            </a:pPr>
+            <a:r>
+              <a:rPr lang="fr-FR" dirty="0"/>
+              <a:t>Titre de la fenêtre actuelle</a:t>
+            </a:r>
+          </a:p>
+        </p:txBody>
+      </p:sp>
+    </p:spTree>
+  </p:cSld>
+  <p:clrMapOvr>
+    <a:masterClrMapping/>
+  </p:clrMapOvr>
+</p:sld>
+</file>
+
+<file path=ppt/slides/slide4.xml><?xml version="1.0" encoding="utf-8"?>
+<p:sld xmlns:a="http://schemas.openxmlformats.org/drawingml/2006/main" xmlns:r="http://schemas.openxmlformats.org/officeDocument/2006/relationships" xmlns:p="http://schemas.openxmlformats.org/presentationml/2006/main">
+  <p:cSld>
+    <p:spTree>
+      <p:nvGrpSpPr>
+        <p:cNvPr id="1" name=""/>
+        <p:cNvGrpSpPr/>
+        <p:nvPr/>
+      </p:nvGrpSpPr>
+      <p:grpSpPr>
+        <a:xfrm>
+          <a:off x="0" y="0"/>
+          <a:ext cx="0" cy="0"/>
+          <a:chOff x="0" y="0"/>
+          <a:chExt cx="0" cy="0"/>
+        </a:xfrm>
+      </p:grpSpPr>
+      <p:sp>
+        <p:nvSpPr>
+          <p:cNvPr id="2" name="Titre 1"/>
+          <p:cNvSpPr>
+            <a:spLocks noGrp="1"/>
+          </p:cNvSpPr>
+          <p:nvPr>
+            <p:ph type="title"/>
+          </p:nvPr>
+        </p:nvSpPr>
+        <p:spPr/>
+        <p:txBody>
+          <a:bodyPr rtlCol="0">
+            <a:normAutofit/>
+          </a:bodyPr>
+          <a:lstStyle/>
+          <a:p>
+            <a:pPr eaLnBrk="1" fontAlgn="auto" hangingPunct="1">
+              <a:spcAft>
+                <a:spcPts val="0"/>
+              </a:spcAft>
+              <a:defRPr/>
+            </a:pPr>
+            <a:r>
+              <a:rPr lang="fr-FR" smtClean="0">
+                <a:solidFill>
+                  <a:schemeClr val="tx2">
+                    <a:lumMod val="60000"/>
+                    <a:lumOff val="40000"/>
+                  </a:schemeClr>
+                </a:solidFill>
+              </a:rPr>
+              <a:t>Le Référentiel du SI Courrier</a:t>
+            </a:r>
+            <a:endParaRPr lang="fr-FR">
+              <a:solidFill>
+                <a:schemeClr val="tx2">
+                  <a:lumMod val="60000"/>
+                  <a:lumOff val="40000"/>
+                </a:schemeClr>
+              </a:solidFill>
+            </a:endParaRPr>
+          </a:p>
+        </p:txBody>
+      </p:sp>
+      <p:sp>
+        <p:nvSpPr>
+          <p:cNvPr id="6" name="Larme 5"/>
+          <p:cNvSpPr/>
+          <p:nvPr/>
+        </p:nvSpPr>
+        <p:spPr>
+          <a:xfrm>
+            <a:off x="250825" y="2420938"/>
+            <a:ext cx="3457575" cy="3024187"/>
+          </a:xfrm>
+          <a:prstGeom prst="teardrop">
+            <a:avLst/>
+          </a:prstGeom>
+        </p:spPr>
+        <p:style>
+          <a:lnRef idx="2">
+            <a:schemeClr val="accent1">
+              <a:shade val="50000"/>
+            </a:schemeClr>
+          </a:lnRef>
+          <a:fillRef idx="1">
+            <a:schemeClr val="accent1"/>
+          </a:fillRef>
+          <a:effectRef idx="0">
+            <a:schemeClr val="accent1"/>
+          </a:effectRef>
+          <a:fontRef idx="minor">
+            <a:schemeClr val="lt1"/>
+          </a:fontRef>
+        </p:style>
+        <p:txBody>
+          <a:bodyPr anchor="ctr"/>
+          <a:lstStyle/>
+          <a:p>
+            <a:pPr algn="ctr" fontAlgn="auto">
+              <a:spcBef>
+                <a:spcPts val="0"/>
+              </a:spcBef>
+              <a:spcAft>
+                <a:spcPts val="0"/>
+              </a:spcAft>
+              <a:defRPr/>
+            </a:pPr>
+            <a:endParaRPr lang="fr-FR"/>
+          </a:p>
+        </p:txBody>
+      </p:sp>
+      <p:sp>
+        <p:nvSpPr>
+          <p:cNvPr id="9" name="Rectangle 8"/>
+          <p:cNvSpPr/>
+          <p:nvPr/>
+        </p:nvSpPr>
+        <p:spPr>
+          <a:xfrm rot="266007">
+            <a:off x="970990" y="2797621"/>
+            <a:ext cx="2370006" cy="1938992"/>
+          </a:xfrm>
+          <a:prstGeom prst="rect">
+            <a:avLst/>
+          </a:prstGeom>
+        </p:spPr>
+        <p:style>
+          <a:lnRef idx="2">
+            <a:schemeClr val="accent2"/>
+          </a:lnRef>
+          <a:fillRef idx="1">
+            <a:schemeClr val="lt1"/>
+          </a:fillRef>
+          <a:effectRef idx="0">
+            <a:schemeClr val="accent2"/>
+          </a:effectRef>
+          <a:fontRef idx="minor">
+            <a:schemeClr val="dk1"/>
+          </a:fontRef>
+        </p:style>
+        <p:txBody>
+          <a:bodyPr>
+            <a:spAutoFit/>
+            <a:scene3d>
+              <a:camera prst="orthographicFront"/>
+              <a:lightRig rig="soft" dir="tl">
+                <a:rot lat="0" lon="0" rev="0"/>
+              </a:lightRig>
+            </a:scene3d>
+            <a:sp3d contourW="25400" prstMaterial="matte">
+              <a:bevelT w="25400" h="55880" prst="artDeco"/>
+              <a:contourClr>
+                <a:schemeClr val="accent2">
+                  <a:tint val="20000"/>
+                </a:schemeClr>
+              </a:contourClr>
+            </a:sp3d>
+          </a:bodyPr>
+          <a:lstStyle/>
+          <a:p>
+            <a:pPr algn="ctr" fontAlgn="auto">
+              <a:spcBef>
+                <a:spcPts val="0"/>
+              </a:spcBef>
+              <a:spcAft>
+                <a:spcPts val="0"/>
+              </a:spcAft>
+              <a:defRPr/>
+            </a:pPr>
+            <a:r>
+              <a:rPr lang="fr-FR" sz="2000" b="1" spc="50">
+                <a:ln w="11430"/>
+                <a:gradFill>
+                  <a:gsLst>
+                    <a:gs pos="25000">
+                      <a:schemeClr val="accent2">
+                        <a:satMod val="155000"/>
+                      </a:schemeClr>
+                    </a:gs>
+                    <a:gs pos="100000">
+                      <a:schemeClr val="accent2">
+                        <a:shade val="45000"/>
+                        <a:satMod val="165000"/>
+                      </a:schemeClr>
+                    </a:gs>
+                  </a:gsLst>
+                  <a:lin ang="5400000"/>
+                </a:gradFill>
+                <a:effectLst>
+                  <a:outerShdw blurRad="76200" dist="50800" dir="5400000" algn="tl" rotWithShape="0">
+                    <a:srgbClr val="000000">
+                      <a:alpha val="65000"/>
+                    </a:srgbClr>
+                  </a:outerShdw>
+                </a:effectLst>
+              </a:rPr>
+              <a:t>Présentation des objectifs du site de cartographie</a:t>
+            </a:r>
+          </a:p>
+          <a:p>
+            <a:pPr algn="ctr" fontAlgn="auto">
+              <a:spcBef>
+                <a:spcPts val="0"/>
+              </a:spcBef>
+              <a:spcAft>
+                <a:spcPts val="0"/>
+              </a:spcAft>
+              <a:defRPr/>
+            </a:pPr>
+            <a:r>
+              <a:rPr lang="fr-FR" sz="2000" b="1" spc="50">
+                <a:ln w="11430"/>
+                <a:gradFill>
+                  <a:gsLst>
+                    <a:gs pos="25000">
+                      <a:schemeClr val="accent2">
+                        <a:satMod val="155000"/>
+                      </a:schemeClr>
+                    </a:gs>
+                    <a:gs pos="100000">
+                      <a:schemeClr val="accent2">
+                        <a:shade val="45000"/>
+                        <a:satMod val="165000"/>
+                      </a:schemeClr>
+                    </a:gs>
+                  </a:gsLst>
+                  <a:lin ang="5400000"/>
+                </a:gradFill>
+                <a:effectLst>
+                  <a:outerShdw blurRad="76200" dist="50800" dir="5400000" algn="tl" rotWithShape="0">
+                    <a:srgbClr val="000000">
+                      <a:alpha val="65000"/>
+                    </a:srgbClr>
+                  </a:outerShdw>
+                </a:effectLst>
+              </a:rPr>
+              <a:t> élaboré par l’équipe Urbanisme et Méthodes</a:t>
+            </a:r>
+          </a:p>
+        </p:txBody>
+      </p:sp>
+      <p:sp>
+        <p:nvSpPr>
+          <p:cNvPr id="4101" name="ZoneTexte 12"/>
+          <p:cNvSpPr txBox="1">
+            <a:spLocks noChangeArrowheads="1"/>
+          </p:cNvSpPr>
+          <p:nvPr/>
+        </p:nvSpPr>
+        <p:spPr bwMode="auto">
+          <a:xfrm>
+            <a:off x="2627313" y="6237288"/>
+            <a:ext cx="2665412" cy="369887"/>
+          </a:xfrm>
+          <a:prstGeom prst="rect">
+            <a:avLst/>
+          </a:prstGeom>
+          <a:noFill/>
+          <a:ln w="9525">
+            <a:noFill/>
+            <a:miter lim="800000"/>
+            <a:headEnd/>
+            <a:tailEnd/>
+          </a:ln>
+        </p:spPr>
+        <p:txBody>
+          <a:bodyPr>
+            <a:spAutoFit/>
+          </a:bodyPr>
+          <a:lstStyle/>
+          <a:p>
+            <a:r>
+              <a:rPr lang="fr-FR">
+                <a:latin typeface="Calibri" pitchFamily="34" charset="0"/>
+              </a:rPr>
+              <a:t>Menu de navigation</a:t>
+            </a:r>
+          </a:p>
+        </p:txBody>
+      </p:sp>
+      <p:pic>
+        <p:nvPicPr>
+          <p:cNvPr id="4102" name="Picture 2"/>
+          <p:cNvPicPr>
+            <a:picLocks noChangeAspect="1" noChangeArrowheads="1"/>
+          </p:cNvPicPr>
+          <p:nvPr/>
+        </p:nvPicPr>
+        <p:blipFill>
+          <a:blip r:embed="rId3" cstate="print"/>
+          <a:srcRect/>
+          <a:stretch>
+            <a:fillRect/>
+          </a:stretch>
+        </p:blipFill>
+        <p:spPr bwMode="auto">
+          <a:xfrm>
+            <a:off x="4500563" y="2205038"/>
+            <a:ext cx="3870325" cy="3860800"/>
+          </a:xfrm>
+          <a:prstGeom prst="rect">
+            <a:avLst/>
+          </a:prstGeom>
+          <a:noFill/>
+          <a:ln w="9525">
+            <a:noFill/>
+            <a:miter lim="800000"/>
+            <a:headEnd/>
+            <a:tailEnd/>
+          </a:ln>
+        </p:spPr>
+      </p:pic>
+      <p:sp>
+        <p:nvSpPr>
+          <p:cNvPr id="12" name="Flèche courbée vers la droite 11"/>
+          <p:cNvSpPr/>
+          <p:nvPr/>
+        </p:nvSpPr>
+        <p:spPr>
+          <a:xfrm rot="11391663">
+            <a:off x="4903788" y="3594100"/>
+            <a:ext cx="495300" cy="2803525"/>
+          </a:xfrm>
+          <a:prstGeom prst="curvedRightArrow">
+            <a:avLst>
+              <a:gd name="adj1" fmla="val 25000"/>
+              <a:gd name="adj2" fmla="val 50000"/>
+              <a:gd name="adj3" fmla="val 64078"/>
+            </a:avLst>
+          </a:prstGeom>
+        </p:spPr>
+        <p:style>
+          <a:lnRef idx="2">
+            <a:schemeClr val="accent1">
+              <a:shade val="50000"/>
+            </a:schemeClr>
+          </a:lnRef>
+          <a:fillRef idx="1">
+            <a:schemeClr val="accent1"/>
+          </a:fillRef>
+          <a:effectRef idx="0">
+            <a:schemeClr val="accent1"/>
+          </a:effectRef>
+          <a:fontRef idx="minor">
+            <a:schemeClr val="lt1"/>
+          </a:fontRef>
+        </p:style>
+        <p:txBody>
+          <a:bodyPr anchor="ctr"/>
+          <a:lstStyle/>
+          <a:p>
+            <a:pPr algn="ctr" fontAlgn="auto">
+              <a:spcBef>
+                <a:spcPts val="0"/>
+              </a:spcBef>
+              <a:spcAft>
+                <a:spcPts val="0"/>
+              </a:spcAft>
+              <a:defRPr/>
+            </a:pPr>
+            <a:endParaRPr lang="fr-FR">
+              <a:solidFill>
+                <a:schemeClr val="tx1"/>
+              </a:solidFill>
+            </a:endParaRPr>
+          </a:p>
+        </p:txBody>
+      </p:sp>
+      <p:cxnSp>
+        <p:nvCxnSpPr>
+          <p:cNvPr id="11" name="Connecteur en angle 10"/>
+          <p:cNvCxnSpPr/>
+          <p:nvPr/>
+        </p:nvCxnSpPr>
+        <p:spPr>
+          <a:xfrm rot="16200000" flipH="1">
+            <a:off x="6804248" y="1556792"/>
+            <a:ext cx="1440160" cy="1152128"/>
+          </a:xfrm>
+          <a:prstGeom prst="bentConnector3">
+            <a:avLst>
+              <a:gd name="adj1" fmla="val 50000"/>
+            </a:avLst>
+          </a:prstGeom>
+          <a:ln>
+            <a:solidFill>
+              <a:schemeClr val="tx2">
+                <a:lumMod val="60000"/>
+                <a:lumOff val="40000"/>
+              </a:schemeClr>
+            </a:solidFill>
+            <a:tailEnd type="arrow"/>
+          </a:ln>
+          <a:effectLst>
+            <a:innerShdw blurRad="63500" dist="50800" dir="16200000">
+              <a:prstClr val="black">
+                <a:alpha val="50000"/>
+              </a:prstClr>
+            </a:innerShdw>
+          </a:effectLst>
+        </p:spPr>
+        <p:style>
+          <a:lnRef idx="1">
+            <a:schemeClr val="accent1"/>
+          </a:lnRef>
+          <a:fillRef idx="0">
+            <a:schemeClr val="accent1"/>
+          </a:fillRef>
+          <a:effectRef idx="0">
+            <a:schemeClr val="accent1"/>
+          </a:effectRef>
+          <a:fontRef idx="minor">
+            <a:schemeClr val="tx1"/>
+          </a:fontRef>
+        </p:style>
+      </p:cxnSp>
+      <p:sp>
+        <p:nvSpPr>
+          <p:cNvPr id="4105" name="ZoneTexte 14"/>
+          <p:cNvSpPr txBox="1">
+            <a:spLocks noChangeArrowheads="1"/>
+          </p:cNvSpPr>
+          <p:nvPr/>
+        </p:nvSpPr>
+        <p:spPr bwMode="auto">
+          <a:xfrm>
+            <a:off x="5076825" y="1125538"/>
+            <a:ext cx="2265363" cy="368300"/>
+          </a:xfrm>
+          <a:prstGeom prst="rect">
+            <a:avLst/>
+          </a:prstGeom>
+          <a:noFill/>
+          <a:ln w="9525">
+            <a:noFill/>
+            <a:miter lim="800000"/>
+            <a:headEnd/>
+            <a:tailEnd/>
+          </a:ln>
+        </p:spPr>
+        <p:txBody>
+          <a:bodyPr wrap="none">
+            <a:spAutoFit/>
+          </a:bodyPr>
+          <a:lstStyle/>
+          <a:p>
+            <a:r>
+              <a:rPr lang="fr-FR">
+                <a:latin typeface="Calibri" pitchFamily="34" charset="0"/>
+              </a:rPr>
+              <a:t>Vidéo de présentation</a:t>
+            </a:r>
+          </a:p>
+        </p:txBody>
+      </p:sp>
+      <p:cxnSp>
+        <p:nvCxnSpPr>
+          <p:cNvPr id="18" name="Connecteur en angle 17"/>
+          <p:cNvCxnSpPr/>
+          <p:nvPr/>
+        </p:nvCxnSpPr>
+        <p:spPr>
+          <a:xfrm rot="16200000" flipH="1">
+            <a:off x="5508626" y="1916112"/>
+            <a:ext cx="1223962" cy="360363"/>
+          </a:xfrm>
+          <a:prstGeom prst="bentConnector3">
+            <a:avLst>
+              <a:gd name="adj1" fmla="val 50000"/>
+            </a:avLst>
+          </a:prstGeom>
+          <a:ln>
+            <a:tailEnd type="arrow"/>
+          </a:ln>
+        </p:spPr>
+        <p:style>
+          <a:lnRef idx="1">
+            <a:schemeClr val="accent1"/>
+          </a:lnRef>
+          <a:fillRef idx="0">
+            <a:schemeClr val="accent1"/>
+          </a:fillRef>
+          <a:effectRef idx="0">
+            <a:schemeClr val="accent1"/>
+          </a:effectRef>
+          <a:fontRef idx="minor">
+            <a:schemeClr val="tx1"/>
+          </a:fontRef>
+        </p:style>
+      </p:cxnSp>
+      <p:cxnSp>
+        <p:nvCxnSpPr>
+          <p:cNvPr id="25" name="Connecteur en angle 24"/>
+          <p:cNvCxnSpPr/>
+          <p:nvPr/>
+        </p:nvCxnSpPr>
+        <p:spPr>
+          <a:xfrm rot="5400000" flipH="1" flipV="1">
+            <a:off x="3887788" y="4113213"/>
+            <a:ext cx="1079500" cy="863600"/>
+          </a:xfrm>
+          <a:prstGeom prst="bentConnector3">
+            <a:avLst>
+              <a:gd name="adj1" fmla="val 50000"/>
+            </a:avLst>
+          </a:prstGeom>
+          <a:ln>
+            <a:tailEnd type="arrow"/>
+          </a:ln>
+        </p:spPr>
+        <p:style>
+          <a:lnRef idx="1">
+            <a:schemeClr val="accent1"/>
+          </a:lnRef>
+          <a:fillRef idx="0">
+            <a:schemeClr val="accent1"/>
+          </a:fillRef>
+          <a:effectRef idx="0">
+            <a:schemeClr val="accent1"/>
+          </a:effectRef>
+          <a:fontRef idx="minor">
+            <a:schemeClr val="tx1"/>
+          </a:fontRef>
+        </p:style>
+      </p:cxnSp>
+      <p:sp>
+        <p:nvSpPr>
+          <p:cNvPr id="4108" name="ZoneTexte 25"/>
+          <p:cNvSpPr txBox="1">
+            <a:spLocks noChangeArrowheads="1"/>
+          </p:cNvSpPr>
+          <p:nvPr/>
+        </p:nvSpPr>
+        <p:spPr bwMode="auto">
+          <a:xfrm>
+            <a:off x="3348038" y="5084763"/>
+            <a:ext cx="1185862" cy="215900"/>
+          </a:xfrm>
+          <a:prstGeom prst="rect">
+            <a:avLst/>
+          </a:prstGeom>
+          <a:noFill/>
+          <a:ln w="9525">
+            <a:noFill/>
+            <a:miter lim="800000"/>
+            <a:headEnd/>
+            <a:tailEnd/>
+          </a:ln>
+        </p:spPr>
+        <p:txBody>
+          <a:bodyPr wrap="none">
+            <a:spAutoFit/>
+          </a:bodyPr>
+          <a:lstStyle/>
+          <a:p>
+            <a:r>
+              <a:rPr lang="fr-FR" sz="800">
+                <a:latin typeface="Calibri" pitchFamily="34" charset="0"/>
+              </a:rPr>
+              <a:t>Contacter le webmaster</a:t>
+            </a:r>
+          </a:p>
+        </p:txBody>
+      </p:sp>
+    </p:spTree>
+  </p:cSld>
+  <p:clrMapOvr>
+    <a:masterClrMapping/>
+  </p:clrMapOvr>
+</p:sld>
+</file>
+
+<file path=ppt/slides/slide5.xml><?xml version="1.0" encoding="utf-8"?>
+<p:sld xmlns:a="http://schemas.openxmlformats.org/drawingml/2006/main" xmlns:r="http://schemas.openxmlformats.org/officeDocument/2006/relationships" xmlns:p="http://schemas.openxmlformats.org/presentationml/2006/main">
+  <p:cSld>
+    <p:spTree>
+      <p:nvGrpSpPr>
+        <p:cNvPr id="1" name=""/>
+        <p:cNvGrpSpPr/>
+        <p:nvPr/>
+      </p:nvGrpSpPr>
+      <p:grpSpPr>
+        <a:xfrm>
+          <a:off x="0" y="0"/>
+          <a:ext cx="0" cy="0"/>
+          <a:chOff x="0" y="0"/>
+          <a:chExt cx="0" cy="0"/>
+        </a:xfrm>
+      </p:grpSpPr>
+      <p:pic>
+        <p:nvPicPr>
+          <p:cNvPr id="1026" name="Picture 2"/>
+          <p:cNvPicPr>
+            <a:picLocks noChangeAspect="1" noChangeArrowheads="1"/>
+          </p:cNvPicPr>
+          <p:nvPr/>
+        </p:nvPicPr>
+        <p:blipFill>
+          <a:blip r:embed="rId3" cstate="print"/>
+          <a:srcRect/>
+          <a:stretch>
+            <a:fillRect/>
+          </a:stretch>
+        </p:blipFill>
+        <p:spPr bwMode="auto">
+          <a:xfrm>
+            <a:off x="0" y="188640"/>
+            <a:ext cx="3438525" cy="3981450"/>
+          </a:xfrm>
+          <a:prstGeom prst="rect">
+            <a:avLst/>
+          </a:prstGeom>
+          <a:noFill/>
+          <a:ln w="9525">
+            <a:noFill/>
+            <a:miter lim="800000"/>
+            <a:headEnd/>
+            <a:tailEnd/>
+          </a:ln>
+        </p:spPr>
+      </p:pic>
+      <p:cxnSp>
+        <p:nvCxnSpPr>
+          <p:cNvPr id="6" name="Connecteur droit avec flèche 5"/>
+          <p:cNvCxnSpPr/>
+          <p:nvPr/>
+        </p:nvCxnSpPr>
+        <p:spPr>
+          <a:xfrm flipH="1" flipV="1">
+            <a:off x="2627784" y="1412776"/>
+            <a:ext cx="216024" cy="179730"/>
+          </a:xfrm>
+          <a:prstGeom prst="straightConnector1">
+            <a:avLst/>
+          </a:prstGeom>
+          <a:ln>
+            <a:tailEnd type="arrow"/>
+          </a:ln>
+        </p:spPr>
+        <p:style>
+          <a:lnRef idx="1">
+            <a:schemeClr val="accent1"/>
+          </a:lnRef>
+          <a:fillRef idx="0">
+            <a:schemeClr val="accent1"/>
+          </a:fillRef>
+          <a:effectRef idx="0">
+            <a:schemeClr val="accent1"/>
+          </a:effectRef>
+          <a:fontRef idx="minor">
+            <a:schemeClr val="tx1"/>
+          </a:fontRef>
+        </p:style>
+      </p:cxnSp>
+      <p:sp>
+        <p:nvSpPr>
+          <p:cNvPr id="7" name="ZoneTexte 6"/>
+          <p:cNvSpPr txBox="1"/>
+          <p:nvPr/>
+        </p:nvSpPr>
+        <p:spPr>
+          <a:xfrm>
+            <a:off x="2843808" y="1628800"/>
+            <a:ext cx="1943161" cy="215444"/>
+          </a:xfrm>
+          <a:prstGeom prst="rect">
+            <a:avLst/>
+          </a:prstGeom>
+          <a:noFill/>
+        </p:spPr>
+        <p:txBody>
+          <a:bodyPr wrap="none" rtlCol="0">
+            <a:spAutoFit/>
+          </a:bodyPr>
+          <a:lstStyle/>
+          <a:p>
+            <a:r>
+              <a:rPr lang="fr-FR" sz="800" dirty="0" smtClean="0"/>
+              <a:t>Recherche sur le nom du macro processus</a:t>
+            </a:r>
+            <a:endParaRPr lang="fr-FR" sz="800" dirty="0"/>
+          </a:p>
+        </p:txBody>
+      </p:sp>
+      <p:cxnSp>
+        <p:nvCxnSpPr>
+          <p:cNvPr id="9" name="Connecteur droit avec flèche 8"/>
+          <p:cNvCxnSpPr/>
+          <p:nvPr/>
+        </p:nvCxnSpPr>
+        <p:spPr>
+          <a:xfrm flipH="1" flipV="1">
+            <a:off x="1835696" y="2060848"/>
+            <a:ext cx="576064" cy="72008"/>
+          </a:xfrm>
+          <a:prstGeom prst="straightConnector1">
+            <a:avLst/>
+          </a:prstGeom>
+          <a:ln>
+            <a:tailEnd type="arrow"/>
+          </a:ln>
+        </p:spPr>
+        <p:style>
+          <a:lnRef idx="1">
+            <a:schemeClr val="accent1"/>
+          </a:lnRef>
+          <a:fillRef idx="0">
+            <a:schemeClr val="accent1"/>
+          </a:fillRef>
+          <a:effectRef idx="0">
+            <a:schemeClr val="accent1"/>
+          </a:effectRef>
+          <a:fontRef idx="minor">
+            <a:schemeClr val="tx1"/>
+          </a:fontRef>
+        </p:style>
+      </p:cxnSp>
+      <p:sp>
+        <p:nvSpPr>
+          <p:cNvPr id="12" name="ZoneTexte 11"/>
+          <p:cNvSpPr txBox="1"/>
+          <p:nvPr/>
+        </p:nvSpPr>
+        <p:spPr>
+          <a:xfrm>
+            <a:off x="2483768" y="1988840"/>
+            <a:ext cx="2143536" cy="215444"/>
+          </a:xfrm>
+          <a:prstGeom prst="rect">
+            <a:avLst/>
+          </a:prstGeom>
+          <a:noFill/>
+        </p:spPr>
+        <p:txBody>
+          <a:bodyPr wrap="none" rtlCol="0">
+            <a:spAutoFit/>
+          </a:bodyPr>
+          <a:lstStyle/>
+          <a:p>
+            <a:r>
+              <a:rPr lang="fr-FR" sz="800" dirty="0" smtClean="0"/>
+              <a:t>Macro Processus ( un clic ouvre la page du MP)</a:t>
+            </a:r>
+            <a:endParaRPr lang="fr-FR" sz="800" dirty="0"/>
+          </a:p>
+        </p:txBody>
+      </p:sp>
+      <p:cxnSp>
+        <p:nvCxnSpPr>
+          <p:cNvPr id="15" name="Connecteur droit avec flèche 14"/>
+          <p:cNvCxnSpPr/>
+          <p:nvPr/>
+        </p:nvCxnSpPr>
+        <p:spPr>
+          <a:xfrm flipH="1">
+            <a:off x="1403648" y="2420888"/>
+            <a:ext cx="936104" cy="0"/>
+          </a:xfrm>
+          <a:prstGeom prst="straightConnector1">
+            <a:avLst/>
+          </a:prstGeom>
+          <a:ln>
+            <a:tailEnd type="arrow"/>
+          </a:ln>
+        </p:spPr>
+        <p:style>
+          <a:lnRef idx="1">
+            <a:schemeClr val="accent1"/>
+          </a:lnRef>
+          <a:fillRef idx="0">
+            <a:schemeClr val="accent1"/>
+          </a:fillRef>
+          <a:effectRef idx="0">
+            <a:schemeClr val="accent1"/>
+          </a:effectRef>
+          <a:fontRef idx="minor">
+            <a:schemeClr val="tx1"/>
+          </a:fontRef>
+        </p:style>
+      </p:cxnSp>
+      <p:sp>
+        <p:nvSpPr>
+          <p:cNvPr id="16" name="ZoneTexte 15"/>
+          <p:cNvSpPr txBox="1"/>
+          <p:nvPr/>
+        </p:nvSpPr>
+        <p:spPr>
+          <a:xfrm>
+            <a:off x="2339752" y="2348880"/>
+            <a:ext cx="2116285" cy="338554"/>
+          </a:xfrm>
+          <a:prstGeom prst="rect">
+            <a:avLst/>
+          </a:prstGeom>
+          <a:noFill/>
+        </p:spPr>
+        <p:txBody>
+          <a:bodyPr wrap="none" rtlCol="0">
+            <a:spAutoFit/>
+          </a:bodyPr>
+          <a:lstStyle/>
+          <a:p>
+            <a:r>
+              <a:rPr lang="fr-FR" sz="800" dirty="0" smtClean="0"/>
+              <a:t>Domaine Métier </a:t>
+            </a:r>
+          </a:p>
+          <a:p>
+            <a:r>
+              <a:rPr lang="fr-FR" sz="800" dirty="0" smtClean="0"/>
+              <a:t>( un clic ouvre la Vue d’ensemble du domaine)</a:t>
+            </a:r>
+            <a:endParaRPr lang="fr-FR" sz="800" dirty="0"/>
+          </a:p>
+        </p:txBody>
+      </p:sp>
+      <p:sp>
+        <p:nvSpPr>
+          <p:cNvPr id="18" name="ZoneTexte 17"/>
+          <p:cNvSpPr txBox="1"/>
+          <p:nvPr/>
+        </p:nvSpPr>
+        <p:spPr>
+          <a:xfrm>
+            <a:off x="755576" y="4437112"/>
+            <a:ext cx="3024336" cy="707886"/>
+          </a:xfrm>
+          <a:prstGeom prst="rect">
+            <a:avLst/>
+          </a:prstGeom>
+          <a:noFill/>
+        </p:spPr>
+        <p:txBody>
+          <a:bodyPr wrap="square" rtlCol="0">
+            <a:spAutoFit/>
+          </a:bodyPr>
+          <a:lstStyle/>
+          <a:p>
+            <a:r>
+              <a:rPr lang="fr-FR" sz="1000" dirty="0" smtClean="0"/>
+              <a:t>La bordure renseigne sur le type de Macro Processus:</a:t>
+            </a:r>
+          </a:p>
+          <a:p>
+            <a:r>
+              <a:rPr lang="fr-FR" sz="1000" dirty="0" smtClean="0"/>
+              <a:t>rouge </a:t>
+            </a:r>
+            <a:r>
+              <a:rPr lang="fr-FR" sz="1000" dirty="0" smtClean="0">
+                <a:sym typeface="Wingdings" pitchFamily="2" charset="2"/>
+              </a:rPr>
+              <a:t> Pilotage</a:t>
+            </a:r>
+          </a:p>
+          <a:p>
+            <a:r>
+              <a:rPr lang="fr-FR" sz="1000" dirty="0" smtClean="0">
+                <a:sym typeface="Wingdings" pitchFamily="2" charset="2"/>
+              </a:rPr>
+              <a:t>bleu     Support</a:t>
+            </a:r>
+          </a:p>
+          <a:p>
+            <a:r>
+              <a:rPr lang="fr-FR" sz="1000" dirty="0" smtClean="0">
+                <a:sym typeface="Wingdings" pitchFamily="2" charset="2"/>
+              </a:rPr>
+              <a:t>vert      Production</a:t>
+            </a:r>
+            <a:endParaRPr lang="fr-FR" sz="1000" dirty="0"/>
+          </a:p>
+        </p:txBody>
+      </p:sp>
+      <p:cxnSp>
+        <p:nvCxnSpPr>
+          <p:cNvPr id="20" name="Connecteur droit avec flèche 19"/>
+          <p:cNvCxnSpPr>
+            <a:endCxn id="1026" idx="2"/>
+          </p:cNvCxnSpPr>
+          <p:nvPr/>
+        </p:nvCxnSpPr>
+        <p:spPr>
+          <a:xfrm flipH="1" flipV="1">
+            <a:off x="1719263" y="4170090"/>
+            <a:ext cx="116433" cy="267022"/>
+          </a:xfrm>
+          <a:prstGeom prst="straightConnector1">
+            <a:avLst/>
+          </a:prstGeom>
+          <a:ln>
+            <a:tailEnd type="arrow"/>
+          </a:ln>
+        </p:spPr>
+        <p:style>
+          <a:lnRef idx="1">
+            <a:schemeClr val="accent1"/>
+          </a:lnRef>
+          <a:fillRef idx="0">
+            <a:schemeClr val="accent1"/>
+          </a:fillRef>
+          <a:effectRef idx="0">
+            <a:schemeClr val="accent1"/>
+          </a:effectRef>
+          <a:fontRef idx="minor">
+            <a:schemeClr val="tx1"/>
+          </a:fontRef>
+        </p:style>
+      </p:cxnSp>
+      <p:cxnSp>
+        <p:nvCxnSpPr>
+          <p:cNvPr id="22" name="Connecteur droit avec flèche 21"/>
+          <p:cNvCxnSpPr/>
+          <p:nvPr/>
+        </p:nvCxnSpPr>
+        <p:spPr>
+          <a:xfrm flipV="1">
+            <a:off x="2267744" y="3717032"/>
+            <a:ext cx="216024" cy="648072"/>
+          </a:xfrm>
+          <a:prstGeom prst="straightConnector1">
+            <a:avLst/>
+          </a:prstGeom>
+          <a:ln>
+            <a:tailEnd type="arrow"/>
+          </a:ln>
+        </p:spPr>
+        <p:style>
+          <a:lnRef idx="1">
+            <a:schemeClr val="accent1"/>
+          </a:lnRef>
+          <a:fillRef idx="0">
+            <a:schemeClr val="accent1"/>
+          </a:fillRef>
+          <a:effectRef idx="0">
+            <a:schemeClr val="accent1"/>
+          </a:effectRef>
+          <a:fontRef idx="minor">
+            <a:schemeClr val="tx1"/>
+          </a:fontRef>
+        </p:style>
+      </p:cxnSp>
+    </p:spTree>
+  </p:cSld>
+  <p:clrMapOvr>
+    <a:masterClrMapping/>
+  </p:clrMapOvr>
+</p:sld>
+</file>
+
+<file path=ppt/slides/slide6.xml><?xml version="1.0" encoding="utf-8"?>
+<p:sld xmlns:a="http://schemas.openxmlformats.org/drawingml/2006/main" xmlns:r="http://schemas.openxmlformats.org/officeDocument/2006/relationships" xmlns:p="http://schemas.openxmlformats.org/presentationml/2006/main">
+  <p:cSld>
+    <p:spTree>
+      <p:nvGrpSpPr>
+        <p:cNvPr id="1" name=""/>
+        <p:cNvGrpSpPr/>
+        <p:nvPr/>
+      </p:nvGrpSpPr>
+      <p:grpSpPr>
+        <a:xfrm>
+          <a:off x="0" y="0"/>
+          <a:ext cx="0" cy="0"/>
+          <a:chOff x="0" y="0"/>
+          <a:chExt cx="0" cy="0"/>
+        </a:xfrm>
+      </p:grpSpPr>
+      <p:sp>
+        <p:nvSpPr>
+          <p:cNvPr id="25" name="Organigramme : Fusion 24"/>
+          <p:cNvSpPr/>
+          <p:nvPr/>
+        </p:nvSpPr>
+        <p:spPr>
+          <a:xfrm rot="5073254">
+            <a:off x="4481512" y="3067051"/>
+            <a:ext cx="2873375" cy="4311650"/>
+          </a:xfrm>
+          <a:prstGeom prst="flowChartMerge">
+            <a:avLst/>
+          </a:prstGeom>
+        </p:spPr>
+        <p:style>
+          <a:lnRef idx="2">
+            <a:schemeClr val="accent1">
+              <a:shade val="50000"/>
+            </a:schemeClr>
+          </a:lnRef>
+          <a:fillRef idx="1">
+            <a:schemeClr val="accent1"/>
+          </a:fillRef>
+          <a:effectRef idx="0">
+            <a:schemeClr val="accent1"/>
+          </a:effectRef>
+          <a:fontRef idx="minor">
+            <a:schemeClr val="lt1"/>
+          </a:fontRef>
+        </p:style>
+        <p:txBody>
+          <a:bodyPr anchor="ctr"/>
+          <a:lstStyle/>
+          <a:p>
+            <a:pPr algn="ctr" fontAlgn="auto">
+              <a:spcBef>
+                <a:spcPts val="0"/>
+              </a:spcBef>
+              <a:spcAft>
+                <a:spcPts val="0"/>
+              </a:spcAft>
+              <a:defRPr/>
+            </a:pPr>
+            <a:endParaRPr lang="fr-FR"/>
+          </a:p>
+        </p:txBody>
+      </p:sp>
+      <p:sp>
+        <p:nvSpPr>
+          <p:cNvPr id="2" name="Titre 1"/>
+          <p:cNvSpPr>
+            <a:spLocks noGrp="1"/>
+          </p:cNvSpPr>
+          <p:nvPr>
+            <p:ph type="title"/>
+          </p:nvPr>
+        </p:nvSpPr>
+        <p:spPr>
+          <a:xfrm>
+            <a:off x="468313" y="260350"/>
+            <a:ext cx="3394075" cy="1143000"/>
+          </a:xfrm>
+        </p:spPr>
+        <p:txBody>
+          <a:bodyPr rtlCol="0">
+            <a:normAutofit/>
+          </a:bodyPr>
+          <a:lstStyle/>
+          <a:p>
+            <a:pPr eaLnBrk="1" fontAlgn="auto" hangingPunct="1">
+              <a:spcAft>
+                <a:spcPts val="0"/>
+              </a:spcAft>
+              <a:defRPr/>
+            </a:pPr>
+            <a:r>
+              <a:rPr lang="fr-FR" smtClean="0">
+                <a:solidFill>
+                  <a:schemeClr val="tx2">
+                    <a:lumMod val="60000"/>
+                    <a:lumOff val="40000"/>
+                  </a:schemeClr>
+                </a:solidFill>
+              </a:rPr>
+              <a:t>Vision Métier</a:t>
+            </a:r>
+            <a:endParaRPr lang="fr-FR">
+              <a:solidFill>
+                <a:schemeClr val="tx2">
+                  <a:lumMod val="60000"/>
+                  <a:lumOff val="40000"/>
+                </a:schemeClr>
+              </a:solidFill>
+            </a:endParaRPr>
+          </a:p>
+        </p:txBody>
+      </p:sp>
+      <p:pic>
+        <p:nvPicPr>
+          <p:cNvPr id="6148" name="Picture 2"/>
+          <p:cNvPicPr>
+            <a:picLocks noChangeAspect="1" noChangeArrowheads="1"/>
+          </p:cNvPicPr>
+          <p:nvPr/>
+        </p:nvPicPr>
+        <p:blipFill>
+          <a:blip r:embed="rId3" cstate="print"/>
+          <a:srcRect/>
+          <a:stretch>
+            <a:fillRect/>
+          </a:stretch>
+        </p:blipFill>
+        <p:spPr bwMode="auto">
+          <a:xfrm>
+            <a:off x="250825" y="1700213"/>
+            <a:ext cx="3414713" cy="3970337"/>
+          </a:xfrm>
+          <a:prstGeom prst="rect">
+            <a:avLst/>
+          </a:prstGeom>
+          <a:noFill/>
+          <a:ln w="9525">
+            <a:noFill/>
+            <a:miter lim="800000"/>
+            <a:headEnd/>
+            <a:tailEnd/>
+          </a:ln>
+        </p:spPr>
+      </p:pic>
+      <p:sp>
+        <p:nvSpPr>
+          <p:cNvPr id="5" name="ZoneTexte 4"/>
+          <p:cNvSpPr txBox="1"/>
+          <p:nvPr/>
+        </p:nvSpPr>
+        <p:spPr>
+          <a:xfrm>
+            <a:off x="4284663" y="0"/>
+            <a:ext cx="4464050" cy="1200150"/>
+          </a:xfrm>
+          <a:prstGeom prst="rect">
+            <a:avLst/>
+          </a:prstGeom>
+        </p:spPr>
+        <p:style>
+          <a:lnRef idx="1">
+            <a:schemeClr val="accent1"/>
+          </a:lnRef>
+          <a:fillRef idx="2">
+            <a:schemeClr val="accent1"/>
+          </a:fillRef>
+          <a:effectRef idx="1">
+            <a:schemeClr val="accent1"/>
+          </a:effectRef>
+          <a:fontRef idx="minor">
+            <a:schemeClr val="dk1"/>
+          </a:fontRef>
+        </p:style>
+        <p:txBody>
+          <a:bodyPr>
+            <a:spAutoFit/>
+          </a:bodyPr>
+          <a:lstStyle/>
+          <a:p>
+            <a:pPr fontAlgn="auto">
+              <a:spcBef>
+                <a:spcPts val="0"/>
+              </a:spcBef>
+              <a:spcAft>
+                <a:spcPts val="0"/>
+              </a:spcAft>
+              <a:defRPr/>
+            </a:pPr>
+            <a:r>
+              <a:rPr lang="fr-FR" dirty="0"/>
+              <a:t>En cliquant  dans le menu de gauche sur Vision Métier la liste des domaines métier se déroule</a:t>
+            </a:r>
+          </a:p>
+          <a:p>
+            <a:pPr fontAlgn="auto">
+              <a:spcBef>
+                <a:spcPts val="0"/>
+              </a:spcBef>
+              <a:spcAft>
+                <a:spcPts val="0"/>
+              </a:spcAft>
+              <a:defRPr/>
+            </a:pPr>
+            <a:endParaRPr lang="fr-FR" dirty="0"/>
+          </a:p>
+        </p:txBody>
+      </p:sp>
+      <p:cxnSp>
+        <p:nvCxnSpPr>
+          <p:cNvPr id="10" name="Connecteur droit avec flèche 9"/>
+          <p:cNvCxnSpPr/>
+          <p:nvPr/>
+        </p:nvCxnSpPr>
+        <p:spPr>
+          <a:xfrm rot="10800000" flipV="1">
+            <a:off x="899592" y="548680"/>
+            <a:ext cx="3312368" cy="2160240"/>
+          </a:xfrm>
+          <a:prstGeom prst="straightConnector1">
+            <a:avLst/>
+          </a:prstGeom>
+          <a:ln>
+            <a:noFill/>
+            <a:tailEnd type="arrow"/>
+          </a:ln>
+          <a:effectLst>
+            <a:glow rad="101600">
+              <a:schemeClr val="accent5">
+                <a:satMod val="175000"/>
+                <a:alpha val="40000"/>
+              </a:schemeClr>
+            </a:glow>
+            <a:outerShdw blurRad="184150" dist="241300" dir="11520000" sx="110000" sy="110000" algn="ctr">
+              <a:srgbClr val="000000">
+                <a:alpha val="18000"/>
+              </a:srgbClr>
+            </a:outerShdw>
+          </a:effectLst>
+          <a:scene3d>
+            <a:camera prst="perspectiveFront" fov="5100000">
+              <a:rot lat="0" lon="2100000" rev="0"/>
+            </a:camera>
+            <a:lightRig rig="flood" dir="t">
+              <a:rot lat="0" lon="0" rev="13800000"/>
+            </a:lightRig>
+          </a:scene3d>
+          <a:sp3d extrusionH="107950" prstMaterial="plastic">
+            <a:bevelT w="82550" h="63500" prst="divot"/>
+            <a:bevelB/>
+          </a:sp3d>
+        </p:spPr>
+        <p:style>
+          <a:lnRef idx="1">
+            <a:schemeClr val="accent1"/>
+          </a:lnRef>
+          <a:fillRef idx="0">
+            <a:schemeClr val="accent1"/>
+          </a:fillRef>
+          <a:effectRef idx="0">
+            <a:schemeClr val="accent1"/>
+          </a:effectRef>
+          <a:fontRef idx="minor">
+            <a:schemeClr val="tx1"/>
+          </a:fontRef>
+        </p:style>
+      </p:cxnSp>
+      <p:cxnSp>
+        <p:nvCxnSpPr>
+          <p:cNvPr id="12" name="Connecteur droit avec flèche 11"/>
+          <p:cNvCxnSpPr/>
+          <p:nvPr/>
+        </p:nvCxnSpPr>
+        <p:spPr>
+          <a:xfrm rot="10800000" flipV="1">
+            <a:off x="1116013" y="692150"/>
+            <a:ext cx="3168650" cy="2160588"/>
+          </a:xfrm>
+          <a:prstGeom prst="straightConnector1">
+            <a:avLst/>
+          </a:prstGeom>
+          <a:ln>
+            <a:tailEnd type="arrow"/>
+          </a:ln>
+        </p:spPr>
+        <p:style>
+          <a:lnRef idx="1">
+            <a:schemeClr val="accent1"/>
+          </a:lnRef>
+          <a:fillRef idx="0">
+            <a:schemeClr val="accent1"/>
+          </a:fillRef>
+          <a:effectRef idx="0">
+            <a:schemeClr val="accent1"/>
+          </a:effectRef>
+          <a:fontRef idx="minor">
+            <a:schemeClr val="tx1"/>
+          </a:fontRef>
+        </p:style>
+      </p:cxnSp>
+      <p:sp>
+        <p:nvSpPr>
+          <p:cNvPr id="21" name="Bulle ronde 20"/>
+          <p:cNvSpPr/>
+          <p:nvPr/>
+        </p:nvSpPr>
+        <p:spPr>
+          <a:xfrm rot="1665299">
+            <a:off x="3619500" y="2317750"/>
+            <a:ext cx="2138363" cy="1695450"/>
+          </a:xfrm>
+          <a:prstGeom prst="wedgeEllipseCallout">
+            <a:avLst>
+              <a:gd name="adj1" fmla="val -42344"/>
+              <a:gd name="adj2" fmla="val 106238"/>
+            </a:avLst>
+          </a:prstGeom>
+        </p:spPr>
+        <p:style>
+          <a:lnRef idx="2">
+            <a:schemeClr val="accent1">
+              <a:shade val="50000"/>
+            </a:schemeClr>
+          </a:lnRef>
+          <a:fillRef idx="1">
+            <a:schemeClr val="accent1"/>
+          </a:fillRef>
+          <a:effectRef idx="0">
+            <a:schemeClr val="accent1"/>
+          </a:effectRef>
+          <a:fontRef idx="minor">
+            <a:schemeClr val="lt1"/>
+          </a:fontRef>
+        </p:style>
+        <p:txBody>
+          <a:bodyPr anchor="ctr"/>
+          <a:lstStyle/>
+          <a:p>
+            <a:pPr algn="ctr" fontAlgn="auto">
+              <a:spcBef>
+                <a:spcPts val="0"/>
+              </a:spcBef>
+              <a:spcAft>
+                <a:spcPts val="0"/>
+              </a:spcAft>
+              <a:defRPr/>
+            </a:pPr>
+            <a:endParaRPr lang="fr-FR"/>
+          </a:p>
+        </p:txBody>
+      </p:sp>
+      <p:sp>
+        <p:nvSpPr>
+          <p:cNvPr id="6153" name="ZoneTexte 21"/>
+          <p:cNvSpPr txBox="1">
+            <a:spLocks noChangeArrowheads="1"/>
+          </p:cNvSpPr>
+          <p:nvPr/>
+        </p:nvSpPr>
+        <p:spPr bwMode="auto">
+          <a:xfrm>
+            <a:off x="3563938" y="2565400"/>
+            <a:ext cx="1944687" cy="1200150"/>
+          </a:xfrm>
+          <a:prstGeom prst="rect">
+            <a:avLst/>
+          </a:prstGeom>
+          <a:noFill/>
+          <a:ln w="9525">
+            <a:noFill/>
+            <a:miter lim="800000"/>
+            <a:headEnd/>
+            <a:tailEnd/>
+          </a:ln>
+        </p:spPr>
+        <p:txBody>
+          <a:bodyPr>
+            <a:spAutoFit/>
+          </a:bodyPr>
+          <a:lstStyle/>
+          <a:p>
+            <a:pPr algn="ctr"/>
+            <a:r>
+              <a:rPr lang="fr-FR" b="1">
+                <a:solidFill>
+                  <a:schemeClr val="bg1"/>
+                </a:solidFill>
+                <a:latin typeface="Calibri" pitchFamily="34" charset="0"/>
+              </a:rPr>
+              <a:t>Macro processus</a:t>
+            </a:r>
+          </a:p>
+          <a:p>
+            <a:pPr algn="ctr"/>
+            <a:r>
+              <a:rPr lang="fr-FR" b="1">
+                <a:solidFill>
+                  <a:schemeClr val="bg1"/>
+                </a:solidFill>
+                <a:latin typeface="Calibri" pitchFamily="34" charset="0"/>
+              </a:rPr>
+              <a:t> par domaine métier</a:t>
+            </a:r>
+          </a:p>
+          <a:p>
+            <a:endParaRPr lang="fr-FR">
+              <a:latin typeface="Calibri" pitchFamily="34" charset="0"/>
+            </a:endParaRPr>
+          </a:p>
+        </p:txBody>
+      </p:sp>
+      <p:sp>
+        <p:nvSpPr>
+          <p:cNvPr id="6154" name="ZoneTexte 23"/>
+          <p:cNvSpPr txBox="1">
+            <a:spLocks noChangeArrowheads="1"/>
+          </p:cNvSpPr>
+          <p:nvPr/>
+        </p:nvSpPr>
+        <p:spPr bwMode="auto">
+          <a:xfrm rot="-652931">
+            <a:off x="5821363" y="4217988"/>
+            <a:ext cx="2449512" cy="2032000"/>
+          </a:xfrm>
+          <a:prstGeom prst="rect">
+            <a:avLst/>
+          </a:prstGeom>
+          <a:noFill/>
+          <a:ln w="9525">
+            <a:noFill/>
+            <a:miter lim="800000"/>
+            <a:headEnd/>
+            <a:tailEnd/>
+          </a:ln>
+        </p:spPr>
+        <p:txBody>
+          <a:bodyPr>
+            <a:spAutoFit/>
+          </a:bodyPr>
+          <a:lstStyle/>
+          <a:p>
+            <a:pPr algn="ctr"/>
+            <a:r>
+              <a:rPr lang="fr-FR">
+                <a:solidFill>
+                  <a:schemeClr val="bg1"/>
+                </a:solidFill>
+                <a:latin typeface="Calibri" pitchFamily="34" charset="0"/>
+              </a:rPr>
+              <a:t>La bordure renseigne sur le type de macro processus </a:t>
+            </a:r>
+          </a:p>
+          <a:p>
+            <a:pPr algn="ctr"/>
+            <a:r>
+              <a:rPr lang="fr-FR">
+                <a:solidFill>
+                  <a:schemeClr val="bg1"/>
+                </a:solidFill>
+                <a:latin typeface="Calibri" pitchFamily="34" charset="0"/>
+              </a:rPr>
+              <a:t>rouge -&gt;pilotage,</a:t>
+            </a:r>
+          </a:p>
+          <a:p>
+            <a:pPr algn="ctr"/>
+            <a:r>
+              <a:rPr lang="fr-FR">
+                <a:solidFill>
+                  <a:schemeClr val="bg1"/>
+                </a:solidFill>
+                <a:latin typeface="Calibri" pitchFamily="34" charset="0"/>
+              </a:rPr>
+              <a:t> bleu -&gt; support,</a:t>
+            </a:r>
+          </a:p>
+          <a:p>
+            <a:pPr algn="ctr"/>
+            <a:r>
+              <a:rPr lang="fr-FR">
+                <a:solidFill>
+                  <a:schemeClr val="bg1"/>
+                </a:solidFill>
+                <a:latin typeface="Calibri" pitchFamily="34" charset="0"/>
+              </a:rPr>
+              <a:t> vert -&gt; production</a:t>
+            </a:r>
+          </a:p>
+          <a:p>
+            <a:pPr algn="ctr"/>
+            <a:endParaRPr lang="fr-FR">
+              <a:latin typeface="Calibri" pitchFamily="34" charset="0"/>
+            </a:endParaRPr>
+          </a:p>
+        </p:txBody>
+      </p:sp>
+      <p:cxnSp>
+        <p:nvCxnSpPr>
+          <p:cNvPr id="28" name="Connecteur droit avec flèche 27"/>
+          <p:cNvCxnSpPr/>
+          <p:nvPr/>
+        </p:nvCxnSpPr>
+        <p:spPr>
+          <a:xfrm rot="10800000" flipV="1">
+            <a:off x="2987675" y="1484313"/>
+            <a:ext cx="2305050" cy="1512887"/>
+          </a:xfrm>
+          <a:prstGeom prst="straightConnector1">
+            <a:avLst/>
+          </a:prstGeom>
+          <a:ln>
+            <a:tailEnd type="arrow"/>
+          </a:ln>
+        </p:spPr>
+        <p:style>
+          <a:lnRef idx="1">
+            <a:schemeClr val="accent1"/>
+          </a:lnRef>
+          <a:fillRef idx="0">
+            <a:schemeClr val="accent1"/>
+          </a:fillRef>
+          <a:effectRef idx="0">
+            <a:schemeClr val="accent1"/>
+          </a:effectRef>
+          <a:fontRef idx="minor">
+            <a:schemeClr val="tx1"/>
+          </a:fontRef>
+        </p:style>
+      </p:cxnSp>
+      <p:sp>
+        <p:nvSpPr>
+          <p:cNvPr id="29" name="ZoneTexte 28"/>
+          <p:cNvSpPr txBox="1"/>
+          <p:nvPr/>
+        </p:nvSpPr>
+        <p:spPr>
+          <a:xfrm>
+            <a:off x="395288" y="5876925"/>
+            <a:ext cx="3168650" cy="923925"/>
+          </a:xfrm>
+          <a:prstGeom prst="rect">
+            <a:avLst/>
+          </a:prstGeom>
+        </p:spPr>
+        <p:style>
+          <a:lnRef idx="1">
+            <a:schemeClr val="accent1"/>
+          </a:lnRef>
+          <a:fillRef idx="2">
+            <a:schemeClr val="accent1"/>
+          </a:fillRef>
+          <a:effectRef idx="1">
+            <a:schemeClr val="accent1"/>
+          </a:effectRef>
+          <a:fontRef idx="minor">
+            <a:schemeClr val="dk1"/>
+          </a:fontRef>
+        </p:style>
+        <p:txBody>
+          <a:bodyPr>
+            <a:spAutoFit/>
+          </a:bodyPr>
+          <a:lstStyle/>
+          <a:p>
+            <a:pPr fontAlgn="auto">
+              <a:spcBef>
+                <a:spcPts val="0"/>
+              </a:spcBef>
+              <a:spcAft>
+                <a:spcPts val="0"/>
+              </a:spcAft>
+              <a:defRPr/>
+            </a:pPr>
+            <a:r>
+              <a:rPr lang="fr-FR"/>
+              <a:t>Un clic sur le domaine métier  ouvre la page Macro Processus/Processus</a:t>
+            </a:r>
+          </a:p>
+        </p:txBody>
+      </p:sp>
+      <p:cxnSp>
+        <p:nvCxnSpPr>
+          <p:cNvPr id="31" name="Connecteur droit avec flèche 30"/>
+          <p:cNvCxnSpPr/>
+          <p:nvPr/>
+        </p:nvCxnSpPr>
+        <p:spPr>
+          <a:xfrm rot="5400000" flipH="1" flipV="1">
+            <a:off x="179388" y="4652963"/>
+            <a:ext cx="1944687" cy="649287"/>
+          </a:xfrm>
+          <a:prstGeom prst="straightConnector1">
+            <a:avLst/>
+          </a:prstGeom>
+          <a:ln>
+            <a:tailEnd type="arrow"/>
+          </a:ln>
+        </p:spPr>
+        <p:style>
+          <a:lnRef idx="1">
+            <a:schemeClr val="accent1"/>
+          </a:lnRef>
+          <a:fillRef idx="0">
+            <a:schemeClr val="accent1"/>
+          </a:fillRef>
+          <a:effectRef idx="0">
+            <a:schemeClr val="accent1"/>
+          </a:effectRef>
+          <a:fontRef idx="minor">
+            <a:schemeClr val="tx1"/>
+          </a:fontRef>
+        </p:style>
+      </p:cxnSp>
+      <p:cxnSp>
+        <p:nvCxnSpPr>
+          <p:cNvPr id="33" name="Connecteur droit avec flèche 32"/>
+          <p:cNvCxnSpPr/>
+          <p:nvPr/>
+        </p:nvCxnSpPr>
+        <p:spPr>
+          <a:xfrm rot="5400000" flipH="1" flipV="1">
+            <a:off x="-612775" y="4652963"/>
+            <a:ext cx="2592387" cy="1588"/>
+          </a:xfrm>
+          <a:prstGeom prst="straightConnector1">
+            <a:avLst/>
+          </a:prstGeom>
+          <a:ln>
+            <a:tailEnd type="arrow"/>
+          </a:ln>
+        </p:spPr>
+        <p:style>
+          <a:lnRef idx="1">
+            <a:schemeClr val="accent1"/>
+          </a:lnRef>
+          <a:fillRef idx="0">
+            <a:schemeClr val="accent1"/>
+          </a:fillRef>
+          <a:effectRef idx="0">
+            <a:schemeClr val="accent1"/>
+          </a:effectRef>
+          <a:fontRef idx="minor">
+            <a:schemeClr val="tx1"/>
+          </a:fontRef>
+        </p:style>
+      </p:cxnSp>
+      <p:sp>
+        <p:nvSpPr>
+          <p:cNvPr id="34" name="ZoneTexte 33"/>
+          <p:cNvSpPr txBox="1"/>
+          <p:nvPr/>
+        </p:nvSpPr>
+        <p:spPr>
+          <a:xfrm>
+            <a:off x="6804025" y="2565400"/>
+            <a:ext cx="2160588" cy="922338"/>
+          </a:xfrm>
+          <a:prstGeom prst="rect">
+            <a:avLst/>
+          </a:prstGeom>
+        </p:spPr>
+        <p:style>
+          <a:lnRef idx="1">
+            <a:schemeClr val="accent1"/>
+          </a:lnRef>
+          <a:fillRef idx="2">
+            <a:schemeClr val="accent1"/>
+          </a:fillRef>
+          <a:effectRef idx="1">
+            <a:schemeClr val="accent1"/>
+          </a:effectRef>
+          <a:fontRef idx="minor">
+            <a:schemeClr val="dk1"/>
+          </a:fontRef>
+        </p:style>
+        <p:txBody>
+          <a:bodyPr>
+            <a:spAutoFit/>
+          </a:bodyPr>
+          <a:lstStyle/>
+          <a:p>
+            <a:pPr fontAlgn="auto">
+              <a:spcBef>
+                <a:spcPts val="0"/>
+              </a:spcBef>
+              <a:spcAft>
+                <a:spcPts val="0"/>
+              </a:spcAft>
+              <a:defRPr/>
+            </a:pPr>
+            <a:r>
+              <a:rPr lang="fr-FR"/>
+              <a:t>Un clic sur le macro processus ouvre la page processus</a:t>
+            </a:r>
+          </a:p>
+        </p:txBody>
+      </p:sp>
+      <p:cxnSp>
+        <p:nvCxnSpPr>
+          <p:cNvPr id="36" name="Connecteur droit avec flèche 35"/>
+          <p:cNvCxnSpPr/>
+          <p:nvPr/>
+        </p:nvCxnSpPr>
+        <p:spPr>
+          <a:xfrm rot="10800000" flipV="1">
+            <a:off x="3635375" y="3068638"/>
+            <a:ext cx="3313113" cy="2160587"/>
+          </a:xfrm>
+          <a:prstGeom prst="straightConnector1">
+            <a:avLst/>
+          </a:prstGeom>
+          <a:ln>
+            <a:tailEnd type="arrow"/>
+          </a:ln>
+        </p:spPr>
+        <p:style>
+          <a:lnRef idx="1">
+            <a:schemeClr val="accent1"/>
+          </a:lnRef>
+          <a:fillRef idx="0">
+            <a:schemeClr val="accent1"/>
+          </a:fillRef>
+          <a:effectRef idx="0">
+            <a:schemeClr val="accent1"/>
+          </a:effectRef>
+          <a:fontRef idx="minor">
+            <a:schemeClr val="tx1"/>
+          </a:fontRef>
+        </p:style>
+      </p:cxnSp>
+      <p:sp>
+        <p:nvSpPr>
+          <p:cNvPr id="38" name="ZoneTexte 37"/>
+          <p:cNvSpPr txBox="1"/>
+          <p:nvPr/>
+        </p:nvSpPr>
+        <p:spPr>
+          <a:xfrm>
+            <a:off x="5292725" y="1268413"/>
+            <a:ext cx="2808288" cy="1200150"/>
+          </a:xfrm>
+          <a:prstGeom prst="rect">
+            <a:avLst/>
+          </a:prstGeom>
+        </p:spPr>
+        <p:style>
+          <a:lnRef idx="1">
+            <a:schemeClr val="accent1"/>
+          </a:lnRef>
+          <a:fillRef idx="3">
+            <a:schemeClr val="accent1"/>
+          </a:fillRef>
+          <a:effectRef idx="2">
+            <a:schemeClr val="accent1"/>
+          </a:effectRef>
+          <a:fontRef idx="minor">
+            <a:schemeClr val="lt1"/>
+          </a:fontRef>
+        </p:style>
+        <p:txBody>
+          <a:bodyPr>
+            <a:spAutoFit/>
+          </a:bodyPr>
+          <a:lstStyle/>
+          <a:p>
+            <a:pPr fontAlgn="auto">
+              <a:spcBef>
+                <a:spcPts val="0"/>
+              </a:spcBef>
+              <a:spcAft>
+                <a:spcPts val="0"/>
+              </a:spcAft>
+              <a:defRPr/>
+            </a:pPr>
+            <a:r>
+              <a:rPr lang="fr-FR"/>
+              <a:t>Une fonction de recherche sur le nom pour les macro processus est disponible </a:t>
+            </a:r>
+          </a:p>
+          <a:p>
+            <a:pPr fontAlgn="auto">
+              <a:spcBef>
+                <a:spcPts val="0"/>
+              </a:spcBef>
+              <a:spcAft>
+                <a:spcPts val="0"/>
+              </a:spcAft>
+              <a:defRPr/>
+            </a:pPr>
+            <a:endParaRPr lang="fr-FR"/>
+          </a:p>
+        </p:txBody>
+      </p:sp>
+    </p:spTree>
+  </p:cSld>
+  <p:clrMapOvr>
+    <a:masterClrMapping/>
+  </p:clrMapOvr>
+</p:sld>
+</file>
+
+<file path=ppt/slides/slide7.xml><?xml version="1.0" encoding="utf-8"?>
+<p:sld xmlns:a="http://schemas.openxmlformats.org/drawingml/2006/main" xmlns:r="http://schemas.openxmlformats.org/officeDocument/2006/relationships" xmlns:p="http://schemas.openxmlformats.org/presentationml/2006/main">
+  <p:cSld>
+    <p:spTree>
+      <p:nvGrpSpPr>
+        <p:cNvPr id="1" name=""/>
+        <p:cNvGrpSpPr/>
+        <p:nvPr/>
+      </p:nvGrpSpPr>
+      <p:grpSpPr>
+        <a:xfrm>
+          <a:off x="0" y="0"/>
+          <a:ext cx="0" cy="0"/>
+          <a:chOff x="0" y="0"/>
+          <a:chExt cx="0" cy="0"/>
+        </a:xfrm>
+      </p:grpSpPr>
+      <p:pic>
+        <p:nvPicPr>
+          <p:cNvPr id="2050" name="Picture 2"/>
+          <p:cNvPicPr>
+            <a:picLocks noChangeAspect="1" noChangeArrowheads="1"/>
+          </p:cNvPicPr>
+          <p:nvPr/>
+        </p:nvPicPr>
+        <p:blipFill>
+          <a:blip r:embed="rId3" cstate="print"/>
+          <a:srcRect/>
+          <a:stretch>
+            <a:fillRect/>
+          </a:stretch>
+        </p:blipFill>
+        <p:spPr bwMode="auto">
+          <a:xfrm>
+            <a:off x="107504" y="0"/>
+            <a:ext cx="5781675" cy="5210175"/>
+          </a:xfrm>
+          <a:prstGeom prst="rect">
+            <a:avLst/>
+          </a:prstGeom>
+          <a:noFill/>
+          <a:ln w="9525">
+            <a:noFill/>
+            <a:miter lim="800000"/>
+            <a:headEnd/>
+            <a:tailEnd/>
+          </a:ln>
+        </p:spPr>
+      </p:pic>
+      <p:pic>
+        <p:nvPicPr>
+          <p:cNvPr id="2051" name="Picture 3"/>
+          <p:cNvPicPr>
+            <a:picLocks noChangeAspect="1" noChangeArrowheads="1"/>
+          </p:cNvPicPr>
+          <p:nvPr/>
+        </p:nvPicPr>
+        <p:blipFill>
+          <a:blip r:embed="rId4" cstate="print"/>
+          <a:srcRect/>
+          <a:stretch>
+            <a:fillRect/>
+          </a:stretch>
+        </p:blipFill>
+        <p:spPr bwMode="auto">
+          <a:xfrm>
+            <a:off x="3923928" y="2931815"/>
+            <a:ext cx="5076963" cy="3926185"/>
+          </a:xfrm>
+          <a:prstGeom prst="rect">
+            <a:avLst/>
+          </a:prstGeom>
+          <a:noFill/>
+          <a:ln w="9525">
+            <a:noFill/>
+            <a:miter lim="800000"/>
+            <a:headEnd/>
+            <a:tailEnd/>
+          </a:ln>
+        </p:spPr>
+      </p:pic>
+      <p:cxnSp>
+        <p:nvCxnSpPr>
+          <p:cNvPr id="7" name="Connecteur droit avec flèche 6"/>
+          <p:cNvCxnSpPr/>
+          <p:nvPr/>
+        </p:nvCxnSpPr>
+        <p:spPr>
+          <a:xfrm flipH="1">
+            <a:off x="5868144" y="2204864"/>
+            <a:ext cx="1296144" cy="1224136"/>
+          </a:xfrm>
+          <a:prstGeom prst="straightConnector1">
+            <a:avLst/>
+          </a:prstGeom>
+          <a:ln>
+            <a:tailEnd type="arrow"/>
+          </a:ln>
+        </p:spPr>
+        <p:style>
+          <a:lnRef idx="1">
+            <a:schemeClr val="accent1"/>
+          </a:lnRef>
+          <a:fillRef idx="0">
+            <a:schemeClr val="accent1"/>
+          </a:fillRef>
+          <a:effectRef idx="0">
+            <a:schemeClr val="accent1"/>
+          </a:effectRef>
+          <a:fontRef idx="minor">
+            <a:schemeClr val="tx1"/>
+          </a:fontRef>
+        </p:style>
+      </p:cxnSp>
+      <p:sp>
+        <p:nvSpPr>
+          <p:cNvPr id="8" name="ZoneTexte 7"/>
+          <p:cNvSpPr txBox="1"/>
+          <p:nvPr/>
+        </p:nvSpPr>
+        <p:spPr>
+          <a:xfrm>
+            <a:off x="7236296" y="2276872"/>
+            <a:ext cx="1499128" cy="215444"/>
+          </a:xfrm>
+          <a:prstGeom prst="rect">
+            <a:avLst/>
+          </a:prstGeom>
+          <a:noFill/>
+        </p:spPr>
+        <p:txBody>
+          <a:bodyPr wrap="none" rtlCol="0">
+            <a:spAutoFit/>
+          </a:bodyPr>
+          <a:lstStyle/>
+          <a:p>
+            <a:r>
+              <a:rPr lang="fr-FR" sz="800" dirty="0" smtClean="0"/>
+              <a:t>Diagramme du domaine Métier</a:t>
+            </a:r>
+            <a:endParaRPr lang="fr-FR" sz="800" dirty="0"/>
+          </a:p>
+        </p:txBody>
+      </p:sp>
+      <p:cxnSp>
+        <p:nvCxnSpPr>
+          <p:cNvPr id="10" name="Connecteur droit avec flèche 9"/>
+          <p:cNvCxnSpPr/>
+          <p:nvPr/>
+        </p:nvCxnSpPr>
+        <p:spPr>
+          <a:xfrm flipH="1">
+            <a:off x="5724128" y="836712"/>
+            <a:ext cx="1080120" cy="360040"/>
+          </a:xfrm>
+          <a:prstGeom prst="straightConnector1">
+            <a:avLst/>
+          </a:prstGeom>
+          <a:ln>
+            <a:tailEnd type="arrow"/>
+          </a:ln>
+        </p:spPr>
+        <p:style>
+          <a:lnRef idx="1">
+            <a:schemeClr val="accent1"/>
+          </a:lnRef>
+          <a:fillRef idx="0">
+            <a:schemeClr val="accent1"/>
+          </a:fillRef>
+          <a:effectRef idx="0">
+            <a:schemeClr val="accent1"/>
+          </a:effectRef>
+          <a:fontRef idx="minor">
+            <a:schemeClr val="tx1"/>
+          </a:fontRef>
+        </p:style>
+      </p:cxnSp>
+      <p:sp>
+        <p:nvSpPr>
+          <p:cNvPr id="11" name="ZoneTexte 10"/>
+          <p:cNvSpPr txBox="1"/>
+          <p:nvPr/>
+        </p:nvSpPr>
+        <p:spPr>
+          <a:xfrm>
+            <a:off x="6948264" y="836712"/>
+            <a:ext cx="1893467" cy="338554"/>
+          </a:xfrm>
+          <a:prstGeom prst="rect">
+            <a:avLst/>
+          </a:prstGeom>
+          <a:noFill/>
+        </p:spPr>
+        <p:txBody>
+          <a:bodyPr wrap="none" rtlCol="0">
+            <a:spAutoFit/>
+          </a:bodyPr>
+          <a:lstStyle/>
+          <a:p>
+            <a:r>
+              <a:rPr lang="fr-FR" sz="800" dirty="0" smtClean="0"/>
+              <a:t>Nom du macro processus ( un clic ouvre </a:t>
+            </a:r>
+          </a:p>
+          <a:p>
+            <a:r>
+              <a:rPr lang="fr-FR" sz="800" dirty="0" smtClean="0"/>
+              <a:t>la page macro processus)</a:t>
+            </a:r>
+            <a:endParaRPr lang="fr-FR" sz="800" dirty="0"/>
+          </a:p>
+        </p:txBody>
+      </p:sp>
+      <p:cxnSp>
+        <p:nvCxnSpPr>
+          <p:cNvPr id="13" name="Connecteur droit avec flèche 12"/>
+          <p:cNvCxnSpPr/>
+          <p:nvPr/>
+        </p:nvCxnSpPr>
+        <p:spPr>
+          <a:xfrm flipH="1">
+            <a:off x="4283968" y="1772816"/>
+            <a:ext cx="1800200" cy="0"/>
+          </a:xfrm>
+          <a:prstGeom prst="straightConnector1">
+            <a:avLst/>
+          </a:prstGeom>
+          <a:ln>
+            <a:tailEnd type="arrow"/>
+          </a:ln>
+        </p:spPr>
+        <p:style>
+          <a:lnRef idx="1">
+            <a:schemeClr val="accent1"/>
+          </a:lnRef>
+          <a:fillRef idx="0">
+            <a:schemeClr val="accent1"/>
+          </a:fillRef>
+          <a:effectRef idx="0">
+            <a:schemeClr val="accent1"/>
+          </a:effectRef>
+          <a:fontRef idx="minor">
+            <a:schemeClr val="tx1"/>
+          </a:fontRef>
+        </p:style>
+      </p:cxnSp>
+      <p:sp>
+        <p:nvSpPr>
+          <p:cNvPr id="14" name="ZoneTexte 13"/>
+          <p:cNvSpPr txBox="1"/>
+          <p:nvPr/>
+        </p:nvSpPr>
+        <p:spPr>
+          <a:xfrm>
+            <a:off x="6156176" y="1700808"/>
+            <a:ext cx="1656184" cy="338554"/>
+          </a:xfrm>
+          <a:prstGeom prst="rect">
+            <a:avLst/>
+          </a:prstGeom>
+          <a:noFill/>
+        </p:spPr>
+        <p:txBody>
+          <a:bodyPr wrap="square" rtlCol="0">
+            <a:spAutoFit/>
+          </a:bodyPr>
+          <a:lstStyle/>
+          <a:p>
+            <a:r>
+              <a:rPr lang="fr-FR" sz="800" dirty="0" smtClean="0"/>
+              <a:t>Processus ( un clic ouvre la page Processus)</a:t>
+            </a:r>
+            <a:endParaRPr lang="fr-FR" sz="800" dirty="0"/>
+          </a:p>
+        </p:txBody>
+      </p:sp>
+      <p:sp>
+        <p:nvSpPr>
+          <p:cNvPr id="15" name="ZoneTexte 14"/>
+          <p:cNvSpPr txBox="1"/>
+          <p:nvPr/>
+        </p:nvSpPr>
+        <p:spPr>
+          <a:xfrm>
+            <a:off x="467544" y="5661248"/>
+            <a:ext cx="3024336" cy="861774"/>
+          </a:xfrm>
+          <a:prstGeom prst="rect">
+            <a:avLst/>
+          </a:prstGeom>
+          <a:noFill/>
+        </p:spPr>
+        <p:txBody>
+          <a:bodyPr wrap="square" rtlCol="0">
+            <a:spAutoFit/>
+          </a:bodyPr>
+          <a:lstStyle/>
+          <a:p>
+            <a:r>
+              <a:rPr lang="fr-FR" sz="1000" dirty="0" smtClean="0"/>
+              <a:t>La bordure </a:t>
+            </a:r>
+            <a:r>
+              <a:rPr lang="fr-FR" sz="1000" dirty="0" smtClean="0"/>
+              <a:t>ou couleur renseigne </a:t>
+            </a:r>
+            <a:r>
+              <a:rPr lang="fr-FR" sz="1000" dirty="0" smtClean="0"/>
+              <a:t>sur le type de Macro </a:t>
+            </a:r>
+            <a:r>
+              <a:rPr lang="fr-FR" sz="1000" dirty="0" smtClean="0"/>
+              <a:t>Processus et Processus</a:t>
+            </a:r>
+            <a:endParaRPr lang="fr-FR" sz="1000" dirty="0" smtClean="0"/>
+          </a:p>
+          <a:p>
+            <a:r>
+              <a:rPr lang="fr-FR" sz="1000" dirty="0" smtClean="0"/>
+              <a:t>rouge </a:t>
+            </a:r>
+            <a:r>
+              <a:rPr lang="fr-FR" sz="1000" dirty="0" smtClean="0">
+                <a:sym typeface="Wingdings" pitchFamily="2" charset="2"/>
+              </a:rPr>
+              <a:t> Pilotage</a:t>
+            </a:r>
+          </a:p>
+          <a:p>
+            <a:r>
+              <a:rPr lang="fr-FR" sz="1000" dirty="0" smtClean="0">
+                <a:sym typeface="Wingdings" pitchFamily="2" charset="2"/>
+              </a:rPr>
+              <a:t>bleu     Support</a:t>
+            </a:r>
+          </a:p>
+          <a:p>
+            <a:r>
+              <a:rPr lang="fr-FR" sz="1000" dirty="0" smtClean="0">
+                <a:sym typeface="Wingdings" pitchFamily="2" charset="2"/>
+              </a:rPr>
+              <a:t>vert      Production</a:t>
+            </a:r>
+            <a:endParaRPr lang="fr-FR" sz="1000" dirty="0"/>
+          </a:p>
+        </p:txBody>
+      </p:sp>
+      <p:cxnSp>
+        <p:nvCxnSpPr>
+          <p:cNvPr id="17" name="Connecteur droit avec flèche 16"/>
+          <p:cNvCxnSpPr/>
+          <p:nvPr/>
+        </p:nvCxnSpPr>
+        <p:spPr>
+          <a:xfrm flipV="1">
+            <a:off x="899592" y="5085184"/>
+            <a:ext cx="144016" cy="576064"/>
+          </a:xfrm>
+          <a:prstGeom prst="straightConnector1">
+            <a:avLst/>
+          </a:prstGeom>
+          <a:ln>
+            <a:tailEnd type="arrow"/>
+          </a:ln>
+        </p:spPr>
+        <p:style>
+          <a:lnRef idx="1">
+            <a:schemeClr val="accent1"/>
+          </a:lnRef>
+          <a:fillRef idx="0">
+            <a:schemeClr val="accent1"/>
+          </a:fillRef>
+          <a:effectRef idx="0">
+            <a:schemeClr val="accent1"/>
+          </a:effectRef>
+          <a:fontRef idx="minor">
+            <a:schemeClr val="tx1"/>
+          </a:fontRef>
+        </p:style>
+      </p:cxnSp>
+      <p:cxnSp>
+        <p:nvCxnSpPr>
+          <p:cNvPr id="19" name="Connecteur droit avec flèche 18"/>
+          <p:cNvCxnSpPr/>
+          <p:nvPr/>
+        </p:nvCxnSpPr>
+        <p:spPr>
+          <a:xfrm flipV="1">
+            <a:off x="2411760" y="2204864"/>
+            <a:ext cx="432048" cy="3384376"/>
+          </a:xfrm>
+          <a:prstGeom prst="straightConnector1">
+            <a:avLst/>
+          </a:prstGeom>
+          <a:ln>
+            <a:tailEnd type="arrow"/>
+          </a:ln>
+        </p:spPr>
+        <p:style>
+          <a:lnRef idx="1">
+            <a:schemeClr val="accent1"/>
+          </a:lnRef>
+          <a:fillRef idx="0">
+            <a:schemeClr val="accent1"/>
+          </a:fillRef>
+          <a:effectRef idx="0">
+            <a:schemeClr val="accent1"/>
+          </a:effectRef>
+          <a:fontRef idx="minor">
+            <a:schemeClr val="tx1"/>
+          </a:fontRef>
+        </p:style>
+      </p:cxnSp>
+      <p:cxnSp>
+        <p:nvCxnSpPr>
+          <p:cNvPr id="18" name="Connecteur droit avec flèche 17"/>
+          <p:cNvCxnSpPr/>
+          <p:nvPr/>
+        </p:nvCxnSpPr>
+        <p:spPr>
+          <a:xfrm flipV="1">
+            <a:off x="2987824" y="2564904"/>
+            <a:ext cx="360040" cy="3096344"/>
+          </a:xfrm>
+          <a:prstGeom prst="straightConnector1">
+            <a:avLst/>
+          </a:prstGeom>
+          <a:ln>
+            <a:tailEnd type="arrow"/>
+          </a:ln>
+        </p:spPr>
+        <p:style>
+          <a:lnRef idx="1">
+            <a:schemeClr val="accent1"/>
+          </a:lnRef>
+          <a:fillRef idx="0">
+            <a:schemeClr val="accent1"/>
+          </a:fillRef>
+          <a:effectRef idx="0">
+            <a:schemeClr val="accent1"/>
+          </a:effectRef>
+          <a:fontRef idx="minor">
+            <a:schemeClr val="tx1"/>
+          </a:fontRef>
+        </p:style>
+      </p:cxnSp>
+    </p:spTree>
+  </p:cSld>
+  <p:clrMapOvr>
+    <a:masterClrMapping/>
+  </p:clrMapOvr>
+</p:sld>
+</file>
+
+<file path=ppt/slides/slide8.xml><?xml version="1.0" encoding="utf-8"?>
+<p:sld xmlns:a="http://schemas.openxmlformats.org/drawingml/2006/main" xmlns:r="http://schemas.openxmlformats.org/officeDocument/2006/relationships" xmlns:p="http://schemas.openxmlformats.org/presentationml/2006/main">
+  <p:cSld>
+    <p:spTree>
+      <p:nvGrpSpPr>
+        <p:cNvPr id="1" name=""/>
+        <p:cNvGrpSpPr/>
+        <p:nvPr/>
+      </p:nvGrpSpPr>
+      <p:grpSpPr>
+        <a:xfrm>
+          <a:off x="0" y="0"/>
+          <a:ext cx="0" cy="0"/>
+          <a:chOff x="0" y="0"/>
+          <a:chExt cx="0" cy="0"/>
+        </a:xfrm>
+      </p:grpSpPr>
+      <p:sp>
+        <p:nvSpPr>
+          <p:cNvPr id="8195" name="ZoneTexte 4"/>
+          <p:cNvSpPr txBox="1">
+            <a:spLocks noChangeArrowheads="1"/>
+          </p:cNvSpPr>
+          <p:nvPr/>
+        </p:nvSpPr>
+        <p:spPr bwMode="auto">
+          <a:xfrm>
+            <a:off x="2916238" y="1196975"/>
+            <a:ext cx="3246437" cy="276225"/>
+          </a:xfrm>
+          <a:prstGeom prst="rect">
+            <a:avLst/>
+          </a:prstGeom>
+          <a:noFill/>
+          <a:ln w="9525">
+            <a:noFill/>
+            <a:miter lim="800000"/>
+            <a:headEnd/>
+            <a:tailEnd/>
+          </a:ln>
+        </p:spPr>
+        <p:txBody>
+          <a:bodyPr wrap="none">
+            <a:spAutoFit/>
+          </a:bodyPr>
+          <a:lstStyle/>
+          <a:p>
+            <a:r>
+              <a:rPr lang="fr-FR" sz="1200" dirty="0">
+                <a:latin typeface="Calibri" pitchFamily="34" charset="0"/>
+              </a:rPr>
+              <a:t>Fiche Processus: Description et Liste des activités</a:t>
+            </a:r>
+          </a:p>
+        </p:txBody>
+      </p:sp>
+      <p:pic>
+        <p:nvPicPr>
+          <p:cNvPr id="8196" name="Picture 3"/>
+          <p:cNvPicPr>
+            <a:picLocks noChangeAspect="1" noChangeArrowheads="1"/>
+          </p:cNvPicPr>
+          <p:nvPr/>
+        </p:nvPicPr>
+        <p:blipFill>
+          <a:blip r:embed="rId3" cstate="print"/>
+          <a:srcRect/>
+          <a:stretch>
+            <a:fillRect/>
+          </a:stretch>
+        </p:blipFill>
+        <p:spPr bwMode="auto">
+          <a:xfrm>
+            <a:off x="6300788" y="188913"/>
+            <a:ext cx="2638425" cy="2944812"/>
+          </a:xfrm>
+          <a:prstGeom prst="rect">
+            <a:avLst/>
+          </a:prstGeom>
+          <a:noFill/>
+          <a:ln w="9525">
+            <a:noFill/>
+            <a:miter lim="800000"/>
+            <a:headEnd/>
+            <a:tailEnd/>
+          </a:ln>
+        </p:spPr>
+      </p:pic>
+      <p:sp>
+        <p:nvSpPr>
+          <p:cNvPr id="8197" name="ZoneTexte 8"/>
+          <p:cNvSpPr txBox="1">
+            <a:spLocks noChangeArrowheads="1"/>
+          </p:cNvSpPr>
+          <p:nvPr/>
+        </p:nvSpPr>
+        <p:spPr bwMode="auto">
+          <a:xfrm>
+            <a:off x="2916238" y="2133600"/>
+            <a:ext cx="2738437" cy="276225"/>
+          </a:xfrm>
+          <a:prstGeom prst="rect">
+            <a:avLst/>
+          </a:prstGeom>
+          <a:noFill/>
+          <a:ln w="9525">
+            <a:noFill/>
+            <a:miter lim="800000"/>
+            <a:headEnd/>
+            <a:tailEnd/>
+          </a:ln>
+        </p:spPr>
+        <p:txBody>
+          <a:bodyPr wrap="none">
+            <a:spAutoFit/>
+          </a:bodyPr>
+          <a:lstStyle/>
+          <a:p>
+            <a:r>
+              <a:rPr lang="fr-FR" sz="1200">
+                <a:latin typeface="Calibri" pitchFamily="34" charset="0"/>
+              </a:rPr>
+              <a:t>Décomposition des activités: Diagramme</a:t>
+            </a:r>
+          </a:p>
+        </p:txBody>
+      </p:sp>
+      <p:pic>
+        <p:nvPicPr>
+          <p:cNvPr id="8198" name="Picture 6"/>
+          <p:cNvPicPr>
+            <a:picLocks noChangeAspect="1" noChangeArrowheads="1"/>
+          </p:cNvPicPr>
+          <p:nvPr/>
+        </p:nvPicPr>
+        <p:blipFill>
+          <a:blip r:embed="rId4" cstate="print"/>
+          <a:srcRect/>
+          <a:stretch>
+            <a:fillRect/>
+          </a:stretch>
+        </p:blipFill>
+        <p:spPr bwMode="auto">
+          <a:xfrm>
+            <a:off x="250825" y="2997200"/>
+            <a:ext cx="3713163" cy="2041525"/>
+          </a:xfrm>
+          <a:prstGeom prst="rect">
+            <a:avLst/>
+          </a:prstGeom>
+          <a:noFill/>
+          <a:ln w="9525">
+            <a:noFill/>
+            <a:miter lim="800000"/>
+            <a:headEnd/>
+            <a:tailEnd/>
+          </a:ln>
+        </p:spPr>
+      </p:pic>
+      <p:sp>
+        <p:nvSpPr>
+          <p:cNvPr id="8199" name="ZoneTexte 11"/>
+          <p:cNvSpPr txBox="1">
+            <a:spLocks noChangeArrowheads="1"/>
+          </p:cNvSpPr>
+          <p:nvPr/>
+        </p:nvSpPr>
+        <p:spPr bwMode="auto">
+          <a:xfrm>
+            <a:off x="4284663" y="3933825"/>
+            <a:ext cx="4127500" cy="246063"/>
+          </a:xfrm>
+          <a:prstGeom prst="rect">
+            <a:avLst/>
+          </a:prstGeom>
+          <a:noFill/>
+          <a:ln w="9525">
+            <a:noFill/>
+            <a:miter lim="800000"/>
+            <a:headEnd/>
+            <a:tailEnd/>
+          </a:ln>
+        </p:spPr>
+        <p:txBody>
+          <a:bodyPr wrap="none">
+            <a:spAutoFit/>
+          </a:bodyPr>
+          <a:lstStyle/>
+          <a:p>
+            <a:r>
+              <a:rPr lang="fr-FR" sz="1000">
+                <a:latin typeface="Calibri" pitchFamily="34" charset="0"/>
+              </a:rPr>
+              <a:t>Vision applicative des processus: Activités-Fonctions-Applications-Quartiers</a:t>
+            </a:r>
+          </a:p>
+        </p:txBody>
+      </p:sp>
+      <p:sp>
+        <p:nvSpPr>
+          <p:cNvPr id="8200" name="ZoneTexte 12"/>
+          <p:cNvSpPr txBox="1">
+            <a:spLocks noChangeArrowheads="1"/>
+          </p:cNvSpPr>
+          <p:nvPr/>
+        </p:nvSpPr>
+        <p:spPr bwMode="auto">
+          <a:xfrm>
+            <a:off x="684213" y="5445125"/>
+            <a:ext cx="1922462" cy="277813"/>
+          </a:xfrm>
+          <a:prstGeom prst="rect">
+            <a:avLst/>
+          </a:prstGeom>
+          <a:noFill/>
+          <a:ln w="9525">
+            <a:noFill/>
+            <a:miter lim="800000"/>
+            <a:headEnd/>
+            <a:tailEnd/>
+          </a:ln>
+        </p:spPr>
+        <p:txBody>
+          <a:bodyPr wrap="none">
+            <a:spAutoFit/>
+          </a:bodyPr>
+          <a:lstStyle/>
+          <a:p>
+            <a:r>
+              <a:rPr lang="fr-FR" sz="1200">
+                <a:latin typeface="Calibri" pitchFamily="34" charset="0"/>
+              </a:rPr>
+              <a:t>Lien vers la fiche applicative</a:t>
+            </a:r>
+          </a:p>
+        </p:txBody>
+      </p:sp>
+      <p:pic>
+        <p:nvPicPr>
+          <p:cNvPr id="8201" name="Picture 7"/>
+          <p:cNvPicPr>
+            <a:picLocks noChangeAspect="1" noChangeArrowheads="1"/>
+          </p:cNvPicPr>
+          <p:nvPr/>
+        </p:nvPicPr>
+        <p:blipFill>
+          <a:blip r:embed="rId5" cstate="print"/>
+          <a:srcRect/>
+          <a:stretch>
+            <a:fillRect/>
+          </a:stretch>
+        </p:blipFill>
+        <p:spPr bwMode="auto">
+          <a:xfrm>
+            <a:off x="4859338" y="4797425"/>
+            <a:ext cx="3846512" cy="900113"/>
+          </a:xfrm>
+          <a:prstGeom prst="rect">
+            <a:avLst/>
+          </a:prstGeom>
+          <a:noFill/>
+          <a:ln w="9525">
+            <a:noFill/>
+            <a:miter lim="800000"/>
+            <a:headEnd/>
+            <a:tailEnd/>
+          </a:ln>
+        </p:spPr>
+      </p:pic>
+      <p:sp>
+        <p:nvSpPr>
+          <p:cNvPr id="8202" name="ZoneTexte 14"/>
+          <p:cNvSpPr txBox="1">
+            <a:spLocks noChangeArrowheads="1"/>
+          </p:cNvSpPr>
+          <p:nvPr/>
+        </p:nvSpPr>
+        <p:spPr bwMode="auto">
+          <a:xfrm>
+            <a:off x="5148263" y="6021388"/>
+            <a:ext cx="3000375" cy="246062"/>
+          </a:xfrm>
+          <a:prstGeom prst="rect">
+            <a:avLst/>
+          </a:prstGeom>
+          <a:noFill/>
+          <a:ln w="9525">
+            <a:noFill/>
+            <a:miter lim="800000"/>
+            <a:headEnd/>
+            <a:tailEnd/>
+          </a:ln>
+        </p:spPr>
+        <p:txBody>
+          <a:bodyPr wrap="none">
+            <a:spAutoFit/>
+          </a:bodyPr>
+          <a:lstStyle/>
+          <a:p>
+            <a:r>
+              <a:rPr lang="fr-FR" sz="1000">
+                <a:latin typeface="Calibri" pitchFamily="34" charset="0"/>
+              </a:rPr>
+              <a:t>Coordonnées de l’urbaniste responsable du périmètre</a:t>
+            </a:r>
+          </a:p>
+        </p:txBody>
+      </p:sp>
+      <p:sp>
+        <p:nvSpPr>
+          <p:cNvPr id="16" name="Flèche vers le bas 15"/>
+          <p:cNvSpPr/>
+          <p:nvPr/>
+        </p:nvSpPr>
+        <p:spPr>
+          <a:xfrm rot="17017739">
+            <a:off x="5453063" y="2236788"/>
+            <a:ext cx="790575" cy="358775"/>
+          </a:xfrm>
+          <a:prstGeom prst="downArrow">
+            <a:avLst/>
+          </a:prstGeom>
+        </p:spPr>
+        <p:style>
+          <a:lnRef idx="2">
+            <a:schemeClr val="accent1">
+              <a:shade val="50000"/>
+            </a:schemeClr>
+          </a:lnRef>
+          <a:fillRef idx="1">
+            <a:schemeClr val="accent1"/>
+          </a:fillRef>
+          <a:effectRef idx="0">
+            <a:schemeClr val="accent1"/>
+          </a:effectRef>
+          <a:fontRef idx="minor">
+            <a:schemeClr val="lt1"/>
+          </a:fontRef>
+        </p:style>
+        <p:txBody>
+          <a:bodyPr anchor="ctr"/>
+          <a:lstStyle/>
+          <a:p>
+            <a:pPr algn="ctr" fontAlgn="auto">
+              <a:spcBef>
+                <a:spcPts val="0"/>
+              </a:spcBef>
+              <a:spcAft>
+                <a:spcPts val="0"/>
+              </a:spcAft>
+              <a:defRPr/>
+            </a:pPr>
+            <a:endParaRPr lang="fr-FR"/>
+          </a:p>
+        </p:txBody>
+      </p:sp>
+      <p:sp>
+        <p:nvSpPr>
+          <p:cNvPr id="17" name="Flèche vers le bas 16"/>
+          <p:cNvSpPr/>
+          <p:nvPr/>
+        </p:nvSpPr>
+        <p:spPr>
+          <a:xfrm rot="6952650">
+            <a:off x="2926726" y="659489"/>
+            <a:ext cx="792162" cy="360362"/>
+          </a:xfrm>
+          <a:prstGeom prst="downArrow">
+            <a:avLst/>
+          </a:prstGeom>
+        </p:spPr>
+        <p:style>
+          <a:lnRef idx="2">
+            <a:schemeClr val="accent1">
+              <a:shade val="50000"/>
+            </a:schemeClr>
+          </a:lnRef>
+          <a:fillRef idx="1">
+            <a:schemeClr val="accent1"/>
+          </a:fillRef>
+          <a:effectRef idx="0">
+            <a:schemeClr val="accent1"/>
+          </a:effectRef>
+          <a:fontRef idx="minor">
+            <a:schemeClr val="lt1"/>
+          </a:fontRef>
+        </p:style>
+        <p:txBody>
+          <a:bodyPr anchor="ctr"/>
+          <a:lstStyle/>
+          <a:p>
+            <a:pPr algn="ctr" fontAlgn="auto">
+              <a:spcBef>
+                <a:spcPts val="0"/>
+              </a:spcBef>
+              <a:spcAft>
+                <a:spcPts val="0"/>
+              </a:spcAft>
+              <a:defRPr/>
+            </a:pPr>
+            <a:endParaRPr lang="fr-FR"/>
+          </a:p>
+        </p:txBody>
+      </p:sp>
+      <p:sp>
+        <p:nvSpPr>
+          <p:cNvPr id="18" name="Flèche vers le bas 17"/>
+          <p:cNvSpPr/>
+          <p:nvPr/>
+        </p:nvSpPr>
+        <p:spPr>
+          <a:xfrm rot="7025286">
+            <a:off x="3796506" y="3467894"/>
+            <a:ext cx="792163" cy="358775"/>
+          </a:xfrm>
+          <a:prstGeom prst="downArrow">
+            <a:avLst/>
+          </a:prstGeom>
+        </p:spPr>
+        <p:style>
+          <a:lnRef idx="2">
+            <a:schemeClr val="accent1">
+              <a:shade val="50000"/>
+            </a:schemeClr>
+          </a:lnRef>
+          <a:fillRef idx="1">
+            <a:schemeClr val="accent1"/>
+          </a:fillRef>
+          <a:effectRef idx="0">
+            <a:schemeClr val="accent1"/>
+          </a:effectRef>
+          <a:fontRef idx="minor">
+            <a:schemeClr val="lt1"/>
+          </a:fontRef>
+        </p:style>
+        <p:txBody>
+          <a:bodyPr anchor="ctr"/>
+          <a:lstStyle/>
+          <a:p>
+            <a:pPr algn="ctr" fontAlgn="auto">
+              <a:spcBef>
+                <a:spcPts val="0"/>
+              </a:spcBef>
+              <a:spcAft>
+                <a:spcPts val="0"/>
+              </a:spcAft>
+              <a:defRPr/>
+            </a:pPr>
+            <a:endParaRPr lang="fr-FR"/>
+          </a:p>
+        </p:txBody>
+      </p:sp>
+      <p:sp>
+        <p:nvSpPr>
+          <p:cNvPr id="19" name="Flèche vers le bas 18"/>
+          <p:cNvSpPr/>
+          <p:nvPr/>
+        </p:nvSpPr>
+        <p:spPr>
+          <a:xfrm rot="9017951">
+            <a:off x="6769100" y="5545138"/>
+            <a:ext cx="792163" cy="360362"/>
+          </a:xfrm>
+          <a:prstGeom prst="downArrow">
+            <a:avLst/>
+          </a:prstGeom>
+        </p:spPr>
+        <p:style>
+          <a:lnRef idx="2">
+            <a:schemeClr val="accent1">
+              <a:shade val="50000"/>
+            </a:schemeClr>
+          </a:lnRef>
+          <a:fillRef idx="1">
+            <a:schemeClr val="accent1"/>
+          </a:fillRef>
+          <a:effectRef idx="0">
+            <a:schemeClr val="accent1"/>
+          </a:effectRef>
+          <a:fontRef idx="minor">
+            <a:schemeClr val="lt1"/>
+          </a:fontRef>
+        </p:style>
+        <p:txBody>
+          <a:bodyPr anchor="ctr"/>
+          <a:lstStyle/>
+          <a:p>
+            <a:pPr algn="ctr" fontAlgn="auto">
+              <a:spcBef>
+                <a:spcPts val="0"/>
+              </a:spcBef>
+              <a:spcAft>
+                <a:spcPts val="0"/>
+              </a:spcAft>
+              <a:defRPr/>
+            </a:pPr>
+            <a:endParaRPr lang="fr-FR"/>
+          </a:p>
+        </p:txBody>
+      </p:sp>
+      <p:cxnSp>
+        <p:nvCxnSpPr>
+          <p:cNvPr id="21" name="Connecteur en angle 20"/>
+          <p:cNvCxnSpPr>
+            <a:stCxn id="8200" idx="0"/>
+          </p:cNvCxnSpPr>
+          <p:nvPr/>
+        </p:nvCxnSpPr>
+        <p:spPr>
+          <a:xfrm rot="16200000" flipV="1">
+            <a:off x="480219" y="4280694"/>
+            <a:ext cx="1439862" cy="889000"/>
+          </a:xfrm>
+          <a:prstGeom prst="bentConnector3">
+            <a:avLst>
+              <a:gd name="adj1" fmla="val 50000"/>
+            </a:avLst>
+          </a:prstGeom>
+          <a:ln>
+            <a:tailEnd type="arrow"/>
+          </a:ln>
+        </p:spPr>
+        <p:style>
+          <a:lnRef idx="1">
+            <a:schemeClr val="accent1"/>
+          </a:lnRef>
+          <a:fillRef idx="0">
+            <a:schemeClr val="accent1"/>
+          </a:fillRef>
+          <a:effectRef idx="0">
+            <a:schemeClr val="accent1"/>
+          </a:effectRef>
+          <a:fontRef idx="minor">
+            <a:schemeClr val="tx1"/>
+          </a:fontRef>
+        </p:style>
+      </p:cxnSp>
+      <p:pic>
+        <p:nvPicPr>
+          <p:cNvPr id="8208" name="Picture 16"/>
+          <p:cNvPicPr>
+            <a:picLocks noChangeAspect="1" noChangeArrowheads="1"/>
+          </p:cNvPicPr>
+          <p:nvPr/>
+        </p:nvPicPr>
+        <p:blipFill>
+          <a:blip r:embed="rId6" cstate="print"/>
+          <a:srcRect/>
+          <a:stretch>
+            <a:fillRect/>
+          </a:stretch>
+        </p:blipFill>
+        <p:spPr bwMode="auto">
+          <a:xfrm>
+            <a:off x="179512" y="188640"/>
+            <a:ext cx="2800524" cy="1691258"/>
+          </a:xfrm>
+          <a:prstGeom prst="rect">
+            <a:avLst/>
+          </a:prstGeom>
+          <a:noFill/>
+          <a:ln w="9525">
+            <a:noFill/>
+            <a:miter lim="800000"/>
+            <a:headEnd/>
+            <a:tailEnd/>
+          </a:ln>
+        </p:spPr>
+      </p:pic>
+    </p:spTree>
+  </p:cSld>
+  <p:clrMapOvr>
+    <a:masterClrMapping/>
+  </p:clrMapOvr>
+</p:sld>
+</file>
+
+<file path=ppt/slides/slide9.xml><?xml version="1.0" encoding="utf-8"?>
+<p:sld xmlns:a="http://schemas.openxmlformats.org/drawingml/2006/main" xmlns:r="http://schemas.openxmlformats.org/officeDocument/2006/relationships" xmlns:p="http://schemas.openxmlformats.org/presentationml/2006/main">
+  <p:cSld>
+    <p:spTree>
+      <p:nvGrpSpPr>
+        <p:cNvPr id="1" name=""/>
+        <p:cNvGrpSpPr/>
+        <p:nvPr/>
+      </p:nvGrpSpPr>
+      <p:grpSpPr>
+        <a:xfrm>
+          <a:off x="0" y="0"/>
+          <a:ext cx="0" cy="0"/>
+          <a:chOff x="0" y="0"/>
+          <a:chExt cx="0" cy="0"/>
+        </a:xfrm>
+      </p:grpSpPr>
+      <p:pic>
+        <p:nvPicPr>
+          <p:cNvPr id="15362" name="Picture 2"/>
+          <p:cNvPicPr>
+            <a:picLocks noChangeAspect="1" noChangeArrowheads="1"/>
+          </p:cNvPicPr>
+          <p:nvPr/>
+        </p:nvPicPr>
+        <p:blipFill>
+          <a:blip r:embed="rId3" cstate="print"/>
+          <a:srcRect/>
+          <a:stretch>
+            <a:fillRect/>
+          </a:stretch>
+        </p:blipFill>
+        <p:spPr bwMode="auto">
+          <a:xfrm>
+            <a:off x="250825" y="404813"/>
+            <a:ext cx="5419725" cy="3314700"/>
+          </a:xfrm>
+          <a:prstGeom prst="rect">
+            <a:avLst/>
+          </a:prstGeom>
+          <a:noFill/>
+          <a:ln w="9525">
+            <a:noFill/>
+            <a:miter lim="800000"/>
+            <a:headEnd/>
+            <a:tailEnd/>
+          </a:ln>
+        </p:spPr>
+      </p:pic>
+      <p:sp>
+        <p:nvSpPr>
+          <p:cNvPr id="5" name="Rectangle avec flèche vers le haut 4"/>
+          <p:cNvSpPr/>
+          <p:nvPr/>
+        </p:nvSpPr>
+        <p:spPr>
+          <a:xfrm>
+            <a:off x="2411413" y="2492375"/>
+            <a:ext cx="2592387" cy="2449513"/>
+          </a:xfrm>
+          <a:prstGeom prst="upArrowCallout">
+            <a:avLst/>
+          </a:prstGeom>
+        </p:spPr>
+        <p:style>
+          <a:lnRef idx="2">
+            <a:schemeClr val="accent1">
+              <a:shade val="50000"/>
+            </a:schemeClr>
+          </a:lnRef>
+          <a:fillRef idx="1">
+            <a:schemeClr val="accent1"/>
+          </a:fillRef>
+          <a:effectRef idx="0">
+            <a:schemeClr val="accent1"/>
+          </a:effectRef>
+          <a:fontRef idx="minor">
+            <a:schemeClr val="lt1"/>
+          </a:fontRef>
+        </p:style>
+        <p:txBody>
+          <a:bodyPr anchor="ctr"/>
+          <a:lstStyle/>
+          <a:p>
+            <a:pPr algn="ctr" fontAlgn="auto">
+              <a:spcBef>
+                <a:spcPts val="0"/>
+              </a:spcBef>
+              <a:spcAft>
+                <a:spcPts val="0"/>
+              </a:spcAft>
+              <a:defRPr/>
+            </a:pPr>
+            <a:endParaRPr lang="fr-FR"/>
+          </a:p>
+        </p:txBody>
+      </p:sp>
+      <p:sp>
+        <p:nvSpPr>
+          <p:cNvPr id="15364" name="ZoneTexte 5"/>
+          <p:cNvSpPr txBox="1">
+            <a:spLocks noChangeArrowheads="1"/>
+          </p:cNvSpPr>
+          <p:nvPr/>
+        </p:nvSpPr>
+        <p:spPr bwMode="auto">
+          <a:xfrm>
+            <a:off x="2339975" y="3933825"/>
+            <a:ext cx="2447925" cy="368300"/>
+          </a:xfrm>
+          <a:prstGeom prst="rect">
+            <a:avLst/>
+          </a:prstGeom>
+          <a:noFill/>
+          <a:ln w="9525">
+            <a:noFill/>
+            <a:miter lim="800000"/>
+            <a:headEnd/>
+            <a:tailEnd/>
+          </a:ln>
+        </p:spPr>
+        <p:txBody>
+          <a:bodyPr>
+            <a:spAutoFit/>
+          </a:bodyPr>
+          <a:lstStyle/>
+          <a:p>
+            <a:pPr algn="ctr"/>
+            <a:r>
+              <a:rPr lang="fr-FR">
+                <a:solidFill>
+                  <a:schemeClr val="bg1"/>
+                </a:solidFill>
+                <a:latin typeface="Calibri" pitchFamily="34" charset="0"/>
+              </a:rPr>
+              <a:t>Articles de Presse …</a:t>
+            </a:r>
+          </a:p>
+        </p:txBody>
+      </p:sp>
+      <p:cxnSp>
+        <p:nvCxnSpPr>
+          <p:cNvPr id="9" name="Connecteur droit avec flèche 8"/>
+          <p:cNvCxnSpPr>
+            <a:stCxn id="15364" idx="1"/>
+          </p:cNvCxnSpPr>
+          <p:nvPr/>
+        </p:nvCxnSpPr>
+        <p:spPr>
+          <a:xfrm rot="10800000">
+            <a:off x="1116013" y="2133600"/>
+            <a:ext cx="1223962" cy="1984375"/>
+          </a:xfrm>
+          <a:prstGeom prst="straightConnector1">
+            <a:avLst/>
+          </a:prstGeom>
+          <a:ln>
+            <a:tailEnd type="arrow"/>
+          </a:ln>
+        </p:spPr>
+        <p:style>
+          <a:lnRef idx="1">
+            <a:schemeClr val="accent1"/>
+          </a:lnRef>
+          <a:fillRef idx="0">
+            <a:schemeClr val="accent1"/>
+          </a:fillRef>
+          <a:effectRef idx="0">
+            <a:schemeClr val="accent1"/>
+          </a:effectRef>
+          <a:fontRef idx="minor">
+            <a:schemeClr val="tx1"/>
+          </a:fontRef>
+        </p:style>
+      </p:cxnSp>
     </p:spTree>
   </p:cSld>
   <p:clrMapOvr>
